--- a/lessons/notebooks/figures/agent-environment-interaction.pptx
+++ b/lessons/notebooks/figures/agent-environment-interaction.pptx
@@ -104,6 +104,11 @@
       </a:defRPr>
     </a:lvl9pPr>
   </p:defaultTextStyle>
+  <p:extLst>
+    <p:ext uri="{EFAFB233-063F-42B5-8137-9DF3F51BA10A}">
+      <p15:sldGuideLst xmlns:p15="http://schemas.microsoft.com/office/powerpoint/2012/main"/>
+    </p:ext>
+  </p:extLst>
 </p:presentation>
 </file>
 
@@ -254,7 +259,7 @@
           <a:p>
             <a:fld id="{8C0909D4-8A02-4A13-A8FF-945CD9142DC7}" type="datetimeFigureOut">
               <a:rPr lang="en-US" smtClean="0"/>
-              <a:t>9/2/2019</a:t>
+              <a:t>9/3/19</a:t>
             </a:fld>
             <a:endParaRPr lang="en-US"/>
           </a:p>
@@ -452,7 +457,7 @@
           <a:p>
             <a:fld id="{8C0909D4-8A02-4A13-A8FF-945CD9142DC7}" type="datetimeFigureOut">
               <a:rPr lang="en-US" smtClean="0"/>
-              <a:t>9/2/2019</a:t>
+              <a:t>9/3/19</a:t>
             </a:fld>
             <a:endParaRPr lang="en-US"/>
           </a:p>
@@ -660,7 +665,7 @@
           <a:p>
             <a:fld id="{8C0909D4-8A02-4A13-A8FF-945CD9142DC7}" type="datetimeFigureOut">
               <a:rPr lang="en-US" smtClean="0"/>
-              <a:t>9/2/2019</a:t>
+              <a:t>9/3/19</a:t>
             </a:fld>
             <a:endParaRPr lang="en-US"/>
           </a:p>
@@ -858,7 +863,7 @@
           <a:p>
             <a:fld id="{8C0909D4-8A02-4A13-A8FF-945CD9142DC7}" type="datetimeFigureOut">
               <a:rPr lang="en-US" smtClean="0"/>
-              <a:t>9/2/2019</a:t>
+              <a:t>9/3/19</a:t>
             </a:fld>
             <a:endParaRPr lang="en-US"/>
           </a:p>
@@ -1133,7 +1138,7 @@
           <a:p>
             <a:fld id="{8C0909D4-8A02-4A13-A8FF-945CD9142DC7}" type="datetimeFigureOut">
               <a:rPr lang="en-US" smtClean="0"/>
-              <a:t>9/2/2019</a:t>
+              <a:t>9/3/19</a:t>
             </a:fld>
             <a:endParaRPr lang="en-US"/>
           </a:p>
@@ -1398,7 +1403,7 @@
           <a:p>
             <a:fld id="{8C0909D4-8A02-4A13-A8FF-945CD9142DC7}" type="datetimeFigureOut">
               <a:rPr lang="en-US" smtClean="0"/>
-              <a:t>9/2/2019</a:t>
+              <a:t>9/3/19</a:t>
             </a:fld>
             <a:endParaRPr lang="en-US"/>
           </a:p>
@@ -1810,7 +1815,7 @@
           <a:p>
             <a:fld id="{8C0909D4-8A02-4A13-A8FF-945CD9142DC7}" type="datetimeFigureOut">
               <a:rPr lang="en-US" smtClean="0"/>
-              <a:t>9/2/2019</a:t>
+              <a:t>9/3/19</a:t>
             </a:fld>
             <a:endParaRPr lang="en-US"/>
           </a:p>
@@ -1951,7 +1956,7 @@
           <a:p>
             <a:fld id="{8C0909D4-8A02-4A13-A8FF-945CD9142DC7}" type="datetimeFigureOut">
               <a:rPr lang="en-US" smtClean="0"/>
-              <a:t>9/2/2019</a:t>
+              <a:t>9/3/19</a:t>
             </a:fld>
             <a:endParaRPr lang="en-US"/>
           </a:p>
@@ -2064,7 +2069,7 @@
           <a:p>
             <a:fld id="{8C0909D4-8A02-4A13-A8FF-945CD9142DC7}" type="datetimeFigureOut">
               <a:rPr lang="en-US" smtClean="0"/>
-              <a:t>9/2/2019</a:t>
+              <a:t>9/3/19</a:t>
             </a:fld>
             <a:endParaRPr lang="en-US"/>
           </a:p>
@@ -2375,7 +2380,7 @@
           <a:p>
             <a:fld id="{8C0909D4-8A02-4A13-A8FF-945CD9142DC7}" type="datetimeFigureOut">
               <a:rPr lang="en-US" smtClean="0"/>
-              <a:t>9/2/2019</a:t>
+              <a:t>9/3/19</a:t>
             </a:fld>
             <a:endParaRPr lang="en-US"/>
           </a:p>
@@ -2663,7 +2668,7 @@
           <a:p>
             <a:fld id="{8C0909D4-8A02-4A13-A8FF-945CD9142DC7}" type="datetimeFigureOut">
               <a:rPr lang="en-US" smtClean="0"/>
-              <a:t>9/2/2019</a:t>
+              <a:t>9/3/19</a:t>
             </a:fld>
             <a:endParaRPr lang="en-US"/>
           </a:p>
@@ -2904,7 +2909,7 @@
           <a:p>
             <a:fld id="{8C0909D4-8A02-4A13-A8FF-945CD9142DC7}" type="datetimeFigureOut">
               <a:rPr lang="en-US" smtClean="0"/>
-              <a:t>9/2/2019</a:t>
+              <a:t>9/3/19</a:t>
             </a:fld>
             <a:endParaRPr lang="en-US"/>
           </a:p>
@@ -3376,8 +3381,8 @@
           </a:p>
         </p:txBody>
       </p:sp>
-      <mc:AlternateContent xmlns:mc="http://schemas.openxmlformats.org/markup-compatibility/2006">
-        <mc:Choice xmlns:a14="http://schemas.microsoft.com/office/drawing/2010/main" Requires="a14">
+      <mc:AlternateContent xmlns:mc="http://schemas.openxmlformats.org/markup-compatibility/2006" xmlns:a14="http://schemas.microsoft.com/office/drawing/2010/main">
+        <mc:Choice Requires="a14">
           <p:sp>
             <p:nvSpPr>
               <p:cNvPr id="4" name="TextBox 3">
@@ -3406,6 +3411,7 @@
               </a:bodyPr>
               <a:lstStyle/>
               <a:p>
+                <a:pPr/>
                 <a14:m>
                   <m:oMathPara xmlns:m="http://schemas.openxmlformats.org/officeDocument/2006/math">
                     <m:oMathParaPr>
@@ -3445,7 +3451,7 @@
             </p:txBody>
           </p:sp>
         </mc:Choice>
-        <mc:Fallback>
+        <mc:Fallback xmlns="">
           <p:sp>
             <p:nvSpPr>
               <p:cNvPr id="4" name="TextBox 3">
@@ -3640,8 +3646,8 @@
           </a:fontRef>
         </p:style>
       </p:cxnSp>
-      <mc:AlternateContent xmlns:mc="http://schemas.openxmlformats.org/markup-compatibility/2006">
-        <mc:Choice xmlns:a14="http://schemas.microsoft.com/office/drawing/2010/main" Requires="a14">
+      <mc:AlternateContent xmlns:mc="http://schemas.openxmlformats.org/markup-compatibility/2006" xmlns:a14="http://schemas.microsoft.com/office/drawing/2010/main">
+        <mc:Choice Requires="a14">
           <p:sp>
             <p:nvSpPr>
               <p:cNvPr id="14" name="TextBox 13">
@@ -3670,6 +3676,7 @@
               </a:bodyPr>
               <a:lstStyle/>
               <a:p>
+                <a:pPr/>
                 <a14:m>
                   <m:oMathPara xmlns:m="http://schemas.openxmlformats.org/officeDocument/2006/math">
                     <m:oMathParaPr>
@@ -3709,7 +3716,7 @@
             </p:txBody>
           </p:sp>
         </mc:Choice>
-        <mc:Fallback>
+        <mc:Fallback xmlns="">
           <p:sp>
             <p:nvSpPr>
               <p:cNvPr id="14" name="TextBox 13">
@@ -3754,8 +3761,8 @@
           </p:sp>
         </mc:Fallback>
       </mc:AlternateContent>
-      <mc:AlternateContent xmlns:mc="http://schemas.openxmlformats.org/markup-compatibility/2006">
-        <mc:Choice xmlns:a14="http://schemas.microsoft.com/office/drawing/2010/main" Requires="a14">
+      <mc:AlternateContent xmlns:mc="http://schemas.openxmlformats.org/markup-compatibility/2006" xmlns:a14="http://schemas.microsoft.com/office/drawing/2010/main">
+        <mc:Choice Requires="a14">
           <p:sp>
             <p:nvSpPr>
               <p:cNvPr id="15" name="TextBox 14">
@@ -3784,6 +3791,7 @@
               </a:bodyPr>
               <a:lstStyle/>
               <a:p>
+                <a:pPr/>
                 <a14:m>
                   <m:oMathPara xmlns:m="http://schemas.openxmlformats.org/officeDocument/2006/math">
                     <m:oMathParaPr>
@@ -3823,7 +3831,7 @@
             </p:txBody>
           </p:sp>
         </mc:Choice>
-        <mc:Fallback>
+        <mc:Fallback xmlns="">
           <p:sp>
             <p:nvSpPr>
               <p:cNvPr id="15" name="TextBox 14">
@@ -3986,8 +3994,8 @@
           </a:p>
         </p:txBody>
       </p:sp>
-      <mc:AlternateContent xmlns:mc="http://schemas.openxmlformats.org/markup-compatibility/2006">
-        <mc:Choice xmlns:a14="http://schemas.microsoft.com/office/drawing/2010/main" Requires="a14">
+      <mc:AlternateContent xmlns:mc="http://schemas.openxmlformats.org/markup-compatibility/2006" xmlns:a14="http://schemas.microsoft.com/office/drawing/2010/main">
+        <mc:Choice Requires="a14">
           <p:sp>
             <p:nvSpPr>
               <p:cNvPr id="17" name="TextBox 16">
@@ -4016,6 +4024,7 @@
               </a:bodyPr>
               <a:lstStyle/>
               <a:p>
+                <a:pPr/>
                 <a14:m>
                   <m:oMathPara xmlns:m="http://schemas.openxmlformats.org/officeDocument/2006/math">
                     <m:oMathParaPr>
@@ -4067,7 +4076,7 @@
             </p:txBody>
           </p:sp>
         </mc:Choice>
-        <mc:Fallback>
+        <mc:Fallback xmlns="">
           <p:sp>
             <p:nvSpPr>
               <p:cNvPr id="17" name="TextBox 16">
@@ -4112,8 +4121,8 @@
           </p:sp>
         </mc:Fallback>
       </mc:AlternateContent>
-      <mc:AlternateContent xmlns:mc="http://schemas.openxmlformats.org/markup-compatibility/2006">
-        <mc:Choice xmlns:a14="http://schemas.microsoft.com/office/drawing/2010/main" Requires="a14">
+      <mc:AlternateContent xmlns:mc="http://schemas.openxmlformats.org/markup-compatibility/2006" xmlns:a14="http://schemas.microsoft.com/office/drawing/2010/main">
+        <mc:Choice Requires="a14">
           <p:sp>
             <p:nvSpPr>
               <p:cNvPr id="25" name="TextBox 24">
@@ -4142,6 +4151,7 @@
               </a:bodyPr>
               <a:lstStyle/>
               <a:p>
+                <a:pPr/>
                 <a14:m>
                   <m:oMathPara xmlns:m="http://schemas.openxmlformats.org/officeDocument/2006/math">
                     <m:oMathParaPr>
@@ -4162,7 +4172,7 @@
             </p:txBody>
           </p:sp>
         </mc:Choice>
-        <mc:Fallback>
+        <mc:Fallback xmlns="">
           <p:sp>
             <p:nvSpPr>
               <p:cNvPr id="25" name="TextBox 24">
@@ -4311,8 +4321,8 @@
           </a:p>
         </p:txBody>
       </p:sp>
-      <mc:AlternateContent xmlns:mc="http://schemas.openxmlformats.org/markup-compatibility/2006">
-        <mc:Choice xmlns:a14="http://schemas.microsoft.com/office/drawing/2010/main" Requires="a14">
+      <mc:AlternateContent xmlns:mc="http://schemas.openxmlformats.org/markup-compatibility/2006" xmlns:a14="http://schemas.microsoft.com/office/drawing/2010/main">
+        <mc:Choice Requires="a14">
           <p:sp>
             <p:nvSpPr>
               <p:cNvPr id="27" name="TextBox 26">
@@ -4341,6 +4351,7 @@
               </a:bodyPr>
               <a:lstStyle/>
               <a:p>
+                <a:pPr/>
                 <a14:m>
                   <m:oMathPara xmlns:m="http://schemas.openxmlformats.org/officeDocument/2006/math">
                     <m:oMathParaPr>
@@ -4391,7 +4402,7 @@
             </p:txBody>
           </p:sp>
         </mc:Choice>
-        <mc:Fallback>
+        <mc:Fallback xmlns="">
           <p:sp>
             <p:nvSpPr>
               <p:cNvPr id="27" name="TextBox 26">
@@ -4436,8 +4447,8 @@
           </p:sp>
         </mc:Fallback>
       </mc:AlternateContent>
-      <mc:AlternateContent xmlns:mc="http://schemas.openxmlformats.org/markup-compatibility/2006">
-        <mc:Choice xmlns:a14="http://schemas.microsoft.com/office/drawing/2010/main" Requires="a14">
+      <mc:AlternateContent xmlns:mc="http://schemas.openxmlformats.org/markup-compatibility/2006" xmlns:a14="http://schemas.microsoft.com/office/drawing/2010/main">
+        <mc:Choice Requires="a14">
           <p:sp>
             <p:nvSpPr>
               <p:cNvPr id="26" name="TextBox 25">
@@ -4471,6 +4482,7 @@
               </a:bodyPr>
               <a:lstStyle/>
               <a:p>
+                <a:pPr/>
                 <a14:m>
                   <m:oMathPara xmlns:m="http://schemas.openxmlformats.org/officeDocument/2006/math">
                     <m:oMathParaPr>
@@ -4509,7 +4521,7 @@
             </p:txBody>
           </p:sp>
         </mc:Choice>
-        <mc:Fallback>
+        <mc:Fallback xmlns="">
           <p:sp>
             <p:nvSpPr>
               <p:cNvPr id="26" name="TextBox 25">
@@ -4611,8 +4623,8 @@
           </a:p>
         </p:txBody>
       </p:sp>
-      <mc:AlternateContent xmlns:mc="http://schemas.openxmlformats.org/markup-compatibility/2006">
-        <mc:Choice xmlns:a14="http://schemas.microsoft.com/office/drawing/2010/main" Requires="a14">
+      <mc:AlternateContent xmlns:mc="http://schemas.openxmlformats.org/markup-compatibility/2006" xmlns:a14="http://schemas.microsoft.com/office/drawing/2010/main">
+        <mc:Choice Requires="a14">
           <p:sp>
             <p:nvSpPr>
               <p:cNvPr id="28" name="TextBox 27">
@@ -4646,6 +4658,7 @@
               </a:bodyPr>
               <a:lstStyle/>
               <a:p>
+                <a:pPr/>
                 <a14:m>
                   <m:oMathPara xmlns:m="http://schemas.openxmlformats.org/officeDocument/2006/math">
                     <m:oMathParaPr>
@@ -4696,7 +4709,7 @@
             </p:txBody>
           </p:sp>
         </mc:Choice>
-        <mc:Fallback>
+        <mc:Fallback xmlns="">
           <p:sp>
             <p:nvSpPr>
               <p:cNvPr id="28" name="TextBox 27">
@@ -4876,8 +4889,8 @@
           </a:fontRef>
         </p:style>
       </p:cxnSp>
-      <mc:AlternateContent xmlns:mc="http://schemas.openxmlformats.org/markup-compatibility/2006">
-        <mc:Choice xmlns:a14="http://schemas.microsoft.com/office/drawing/2010/main" Requires="a14">
+      <mc:AlternateContent xmlns:mc="http://schemas.openxmlformats.org/markup-compatibility/2006" xmlns:a14="http://schemas.microsoft.com/office/drawing/2010/main">
+        <mc:Choice Requires="a14">
           <p:sp>
             <p:nvSpPr>
               <p:cNvPr id="48" name="TextBox 47">
@@ -4906,6 +4919,7 @@
               </a:bodyPr>
               <a:lstStyle/>
               <a:p>
+                <a:pPr/>
                 <a14:m>
                   <m:oMathPara xmlns:m="http://schemas.openxmlformats.org/officeDocument/2006/math">
                     <m:oMathParaPr>
@@ -4926,7 +4940,7 @@
             </p:txBody>
           </p:sp>
         </mc:Choice>
-        <mc:Fallback>
+        <mc:Fallback xmlns="">
           <p:sp>
             <p:nvSpPr>
               <p:cNvPr id="48" name="TextBox 47">
@@ -4971,8 +4985,8 @@
           </p:sp>
         </mc:Fallback>
       </mc:AlternateContent>
-      <mc:AlternateContent xmlns:mc="http://schemas.openxmlformats.org/markup-compatibility/2006">
-        <mc:Choice xmlns:a14="http://schemas.microsoft.com/office/drawing/2010/main" Requires="a14">
+      <mc:AlternateContent xmlns:mc="http://schemas.openxmlformats.org/markup-compatibility/2006" xmlns:a14="http://schemas.microsoft.com/office/drawing/2010/main">
+        <mc:Choice Requires="a14">
           <p:sp>
             <p:nvSpPr>
               <p:cNvPr id="49" name="TextBox 48">
@@ -5001,6 +5015,7 @@
               </a:bodyPr>
               <a:lstStyle/>
               <a:p>
+                <a:pPr/>
                 <a14:m>
                   <m:oMathPara xmlns:m="http://schemas.openxmlformats.org/officeDocument/2006/math">
                     <m:oMathParaPr>
@@ -5021,7 +5036,7 @@
             </p:txBody>
           </p:sp>
         </mc:Choice>
-        <mc:Fallback>
+        <mc:Fallback xmlns="">
           <p:sp>
             <p:nvSpPr>
               <p:cNvPr id="49" name="TextBox 48">
@@ -5344,8 +5359,8 @@
           </a:p>
         </p:txBody>
       </p:sp>
-      <mc:AlternateContent xmlns:mc="http://schemas.openxmlformats.org/markup-compatibility/2006">
-        <mc:Choice xmlns:a14="http://schemas.microsoft.com/office/drawing/2010/main" Requires="a14">
+      <mc:AlternateContent xmlns:mc="http://schemas.openxmlformats.org/markup-compatibility/2006" xmlns:a14="http://schemas.microsoft.com/office/drawing/2010/main">
+        <mc:Choice Requires="a14">
           <p:sp>
             <p:nvSpPr>
               <p:cNvPr id="70" name="TextBox 69">
@@ -5376,6 +5391,7 @@
               </a:bodyPr>
               <a:lstStyle/>
               <a:p>
+                <a:pPr/>
                 <a14:m>
                   <m:oMathPara xmlns:m="http://schemas.openxmlformats.org/officeDocument/2006/math">
                     <m:oMathParaPr>
@@ -5466,7 +5482,7 @@
             </p:txBody>
           </p:sp>
         </mc:Choice>
-        <mc:Fallback>
+        <mc:Fallback xmlns="">
           <p:sp>
             <p:nvSpPr>
               <p:cNvPr id="70" name="TextBox 69">
@@ -5528,7 +5544,7 @@
             <p:spPr>
               <a:xfrm>
                 <a:off x="7346238" y="3387014"/>
-                <a:ext cx="755143" cy="246221"/>
+                <a:ext cx="574196" cy="246221"/>
               </a:xfrm>
               <a:prstGeom prst="rect">
                 <a:avLst/>
@@ -5596,24 +5612,6 @@
                         </a:solidFill>
                         <a:latin typeface="Cambria Math" panose="02040503050406030204" pitchFamily="18" charset="0"/>
                       </a:rPr>
-                      <m:t>|</m:t>
-                    </m:r>
-                    <m:r>
-                      <a:rPr lang="en-US" sz="1600" b="0" i="1" smtClean="0">
-                        <a:solidFill>
-                          <a:srgbClr val="0070C0"/>
-                        </a:solidFill>
-                        <a:latin typeface="Cambria Math" panose="02040503050406030204" pitchFamily="18" charset="0"/>
-                      </a:rPr>
-                      <m:t>𝑥</m:t>
-                    </m:r>
-                    <m:r>
-                      <a:rPr lang="en-US" sz="1600" b="0" i="1" smtClean="0">
-                        <a:solidFill>
-                          <a:srgbClr val="0070C0"/>
-                        </a:solidFill>
-                        <a:latin typeface="Cambria Math" panose="02040503050406030204" pitchFamily="18" charset="0"/>
-                      </a:rPr>
                       <m:t>)</m:t>
                     </m:r>
                   </m:oMath>
@@ -5645,7 +5643,7 @@
             <p:spPr>
               <a:xfrm>
                 <a:off x="7346238" y="3387014"/>
-                <a:ext cx="755143" cy="246221"/>
+                <a:ext cx="574196" cy="246221"/>
               </a:xfrm>
               <a:prstGeom prst="rect">
                 <a:avLst/>
@@ -5653,7 +5651,7 @@
               <a:blipFill>
                 <a:blip r:embed="rId13"/>
                 <a:stretch>
-                  <a:fillRect l="-16129" t="-27500" r="-12097" b="-50000"/>
+                  <a:fillRect l="-19149" t="-25000" r="-12766" b="-45000"/>
                 </a:stretch>
               </a:blipFill>
             </p:spPr>

--- a/lessons/notebooks/figures/agent-environment-interaction.pptx
+++ b/lessons/notebooks/figures/agent-environment-interaction.pptx
@@ -259,7 +259,7 @@
           <a:p>
             <a:fld id="{8C0909D4-8A02-4A13-A8FF-945CD9142DC7}" type="datetimeFigureOut">
               <a:rPr lang="en-US" smtClean="0"/>
-              <a:t>9/3/19</a:t>
+              <a:t>10/16/20</a:t>
             </a:fld>
             <a:endParaRPr lang="en-US"/>
           </a:p>
@@ -457,7 +457,7 @@
           <a:p>
             <a:fld id="{8C0909D4-8A02-4A13-A8FF-945CD9142DC7}" type="datetimeFigureOut">
               <a:rPr lang="en-US" smtClean="0"/>
-              <a:t>9/3/19</a:t>
+              <a:t>10/16/20</a:t>
             </a:fld>
             <a:endParaRPr lang="en-US"/>
           </a:p>
@@ -665,7 +665,7 @@
           <a:p>
             <a:fld id="{8C0909D4-8A02-4A13-A8FF-945CD9142DC7}" type="datetimeFigureOut">
               <a:rPr lang="en-US" smtClean="0"/>
-              <a:t>9/3/19</a:t>
+              <a:t>10/16/20</a:t>
             </a:fld>
             <a:endParaRPr lang="en-US"/>
           </a:p>
@@ -863,7 +863,7 @@
           <a:p>
             <a:fld id="{8C0909D4-8A02-4A13-A8FF-945CD9142DC7}" type="datetimeFigureOut">
               <a:rPr lang="en-US" smtClean="0"/>
-              <a:t>9/3/19</a:t>
+              <a:t>10/16/20</a:t>
             </a:fld>
             <a:endParaRPr lang="en-US"/>
           </a:p>
@@ -1138,7 +1138,7 @@
           <a:p>
             <a:fld id="{8C0909D4-8A02-4A13-A8FF-945CD9142DC7}" type="datetimeFigureOut">
               <a:rPr lang="en-US" smtClean="0"/>
-              <a:t>9/3/19</a:t>
+              <a:t>10/16/20</a:t>
             </a:fld>
             <a:endParaRPr lang="en-US"/>
           </a:p>
@@ -1403,7 +1403,7 @@
           <a:p>
             <a:fld id="{8C0909D4-8A02-4A13-A8FF-945CD9142DC7}" type="datetimeFigureOut">
               <a:rPr lang="en-US" smtClean="0"/>
-              <a:t>9/3/19</a:t>
+              <a:t>10/16/20</a:t>
             </a:fld>
             <a:endParaRPr lang="en-US"/>
           </a:p>
@@ -1815,7 +1815,7 @@
           <a:p>
             <a:fld id="{8C0909D4-8A02-4A13-A8FF-945CD9142DC7}" type="datetimeFigureOut">
               <a:rPr lang="en-US" smtClean="0"/>
-              <a:t>9/3/19</a:t>
+              <a:t>10/16/20</a:t>
             </a:fld>
             <a:endParaRPr lang="en-US"/>
           </a:p>
@@ -1956,7 +1956,7 @@
           <a:p>
             <a:fld id="{8C0909D4-8A02-4A13-A8FF-945CD9142DC7}" type="datetimeFigureOut">
               <a:rPr lang="en-US" smtClean="0"/>
-              <a:t>9/3/19</a:t>
+              <a:t>10/16/20</a:t>
             </a:fld>
             <a:endParaRPr lang="en-US"/>
           </a:p>
@@ -2069,7 +2069,7 @@
           <a:p>
             <a:fld id="{8C0909D4-8A02-4A13-A8FF-945CD9142DC7}" type="datetimeFigureOut">
               <a:rPr lang="en-US" smtClean="0"/>
-              <a:t>9/3/19</a:t>
+              <a:t>10/16/20</a:t>
             </a:fld>
             <a:endParaRPr lang="en-US"/>
           </a:p>
@@ -2380,7 +2380,7 @@
           <a:p>
             <a:fld id="{8C0909D4-8A02-4A13-A8FF-945CD9142DC7}" type="datetimeFigureOut">
               <a:rPr lang="en-US" smtClean="0"/>
-              <a:t>9/3/19</a:t>
+              <a:t>10/16/20</a:t>
             </a:fld>
             <a:endParaRPr lang="en-US"/>
           </a:p>
@@ -2668,7 +2668,7 @@
           <a:p>
             <a:fld id="{8C0909D4-8A02-4A13-A8FF-945CD9142DC7}" type="datetimeFigureOut">
               <a:rPr lang="en-US" smtClean="0"/>
-              <a:t>9/3/19</a:t>
+              <a:t>10/16/20</a:t>
             </a:fld>
             <a:endParaRPr lang="en-US"/>
           </a:p>
@@ -2909,7 +2909,7 @@
           <a:p>
             <a:fld id="{8C0909D4-8A02-4A13-A8FF-945CD9142DC7}" type="datetimeFigureOut">
               <a:rPr lang="en-US" smtClean="0"/>
-              <a:t>9/3/19</a:t>
+              <a:t>10/16/20</a:t>
             </a:fld>
             <a:endParaRPr lang="en-US"/>
           </a:p>
@@ -3326,69 +3326,1759 @@
           <a:chExt cx="0" cy="0"/>
         </a:xfrm>
       </p:grpSpPr>
-      <p:sp>
-        <p:nvSpPr>
-          <p:cNvPr id="5" name="Oval 4">
+      <p:grpSp>
+        <p:nvGrpSpPr>
+          <p:cNvPr id="119" name="Group 118">
             <a:extLst>
               <a:ext uri="{FF2B5EF4-FFF2-40B4-BE49-F238E27FC236}">
-                <a16:creationId xmlns:a16="http://schemas.microsoft.com/office/drawing/2014/main" id="{4F4344CD-9C17-4AC8-8D21-423B2A9912B0}"/>
+                <a16:creationId xmlns:a16="http://schemas.microsoft.com/office/drawing/2014/main" id="{433F05DE-8E2A-9843-8B43-D3758859A8E2}"/>
               </a:ext>
             </a:extLst>
           </p:cNvPr>
-          <p:cNvSpPr/>
+          <p:cNvGrpSpPr/>
           <p:nvPr/>
-        </p:nvSpPr>
-        <p:spPr>
+        </p:nvGrpSpPr>
+        <p:grpSpPr>
           <a:xfrm>
-            <a:off x="3293959" y="2284608"/>
-            <a:ext cx="914400" cy="914400"/>
+            <a:off x="1907593" y="1390117"/>
+            <a:ext cx="8487930" cy="4960011"/>
+            <a:chOff x="1907593" y="1390117"/>
+            <a:chExt cx="8487930" cy="4960011"/>
           </a:xfrm>
-          <a:prstGeom prst="ellipse">
-            <a:avLst/>
-          </a:prstGeom>
-          <a:solidFill>
-            <a:schemeClr val="bg1"/>
-          </a:solidFill>
-          <a:ln w="28575">
+        </p:grpSpPr>
+        <p:pic>
+          <p:nvPicPr>
+            <p:cNvPr id="97" name="Picture 96">
+              <a:extLst>
+                <a:ext uri="{FF2B5EF4-FFF2-40B4-BE49-F238E27FC236}">
+                  <a16:creationId xmlns:a16="http://schemas.microsoft.com/office/drawing/2014/main" id="{A0267D90-2ACE-0640-9BA1-6161915A0DE6}"/>
+                </a:ext>
+              </a:extLst>
+            </p:cNvPr>
+            <p:cNvPicPr>
+              <a:picLocks noChangeAspect="1"/>
+            </p:cNvPicPr>
+            <p:nvPr/>
+          </p:nvPicPr>
+          <p:blipFill>
+            <a:blip r:embed="rId2"/>
+            <a:stretch>
+              <a:fillRect/>
+            </a:stretch>
+          </p:blipFill>
+          <p:spPr>
+            <a:xfrm>
+              <a:off x="8326857" y="2847189"/>
+              <a:ext cx="2009359" cy="1788586"/>
+            </a:xfrm>
+            <a:prstGeom prst="rect">
+              <a:avLst/>
+            </a:prstGeom>
+          </p:spPr>
+        </p:pic>
+        <mc:AlternateContent xmlns:mc="http://schemas.openxmlformats.org/markup-compatibility/2006">
+          <mc:Choice xmlns:a14="http://schemas.microsoft.com/office/drawing/2010/main" Requires="a14">
+            <p:sp>
+              <p:nvSpPr>
+                <p:cNvPr id="4" name="TextBox 3">
+                  <a:extLst>
+                    <a:ext uri="{FF2B5EF4-FFF2-40B4-BE49-F238E27FC236}">
+                      <a16:creationId xmlns:a16="http://schemas.microsoft.com/office/drawing/2014/main" id="{D9FFFEC2-16DF-49B2-A346-93EE1BA029AB}"/>
+                    </a:ext>
+                  </a:extLst>
+                </p:cNvPr>
+                <p:cNvSpPr txBox="1"/>
+                <p:nvPr/>
+              </p:nvSpPr>
+              <p:spPr>
+                <a:xfrm>
+                  <a:off x="8177902" y="2660712"/>
+                  <a:ext cx="568554" cy="553998"/>
+                </a:xfrm>
+                <a:prstGeom prst="rect">
+                  <a:avLst/>
+                </a:prstGeom>
+                <a:noFill/>
+              </p:spPr>
+              <p:txBody>
+                <a:bodyPr wrap="square" lIns="0" tIns="0" rIns="0" bIns="0" rtlCol="0">
+                  <a:spAutoFit/>
+                </a:bodyPr>
+                <a:lstStyle/>
+                <a:p>
+                  <a:pPr/>
+                  <a14:m>
+                    <m:oMathPara xmlns:m="http://schemas.openxmlformats.org/officeDocument/2006/math">
+                      <m:oMathParaPr>
+                        <m:jc m:val="centerGroup"/>
+                      </m:oMathParaPr>
+                      <m:oMath xmlns:m="http://schemas.openxmlformats.org/officeDocument/2006/math">
+                        <m:sSub>
+                          <m:sSubPr>
+                            <m:ctrlPr>
+                              <a:rPr lang="en-US" sz="3600" i="1" smtClean="0">
+                                <a:latin typeface="Cambria Math" panose="02040503050406030204" pitchFamily="18" charset="0"/>
+                              </a:rPr>
+                            </m:ctrlPr>
+                          </m:sSubPr>
+                          <m:e>
+                            <m:r>
+                              <a:rPr lang="en-US" sz="3600" b="0" i="1" smtClean="0">
+                                <a:latin typeface="Cambria Math" panose="02040503050406030204" pitchFamily="18" charset="0"/>
+                              </a:rPr>
+                              <m:t>𝑅</m:t>
+                            </m:r>
+                          </m:e>
+                          <m:sub>
+                            <m:r>
+                              <a:rPr lang="en-US" sz="3600" b="0" i="1" smtClean="0">
+                                <a:latin typeface="Cambria Math" panose="02040503050406030204" pitchFamily="18" charset="0"/>
+                              </a:rPr>
+                              <m:t>𝑡</m:t>
+                            </m:r>
+                          </m:sub>
+                        </m:sSub>
+                      </m:oMath>
+                    </m:oMathPara>
+                  </a14:m>
+                  <a:endParaRPr lang="en-US" sz="3600" dirty="0"/>
+                </a:p>
+              </p:txBody>
+            </p:sp>
+          </mc:Choice>
+          <mc:Fallback>
+            <p:sp>
+              <p:nvSpPr>
+                <p:cNvPr id="4" name="TextBox 3">
+                  <a:extLst>
+                    <a:ext uri="{FF2B5EF4-FFF2-40B4-BE49-F238E27FC236}">
+                      <a16:creationId xmlns:a16="http://schemas.microsoft.com/office/drawing/2014/main" id="{D9FFFEC2-16DF-49B2-A346-93EE1BA029AB}"/>
+                    </a:ext>
+                  </a:extLst>
+                </p:cNvPr>
+                <p:cNvSpPr txBox="1">
+                  <a:spLocks noRot="1" noChangeAspect="1" noMove="1" noResize="1" noEditPoints="1" noAdjustHandles="1" noChangeArrowheads="1" noChangeShapeType="1" noTextEdit="1"/>
+                </p:cNvSpPr>
+                <p:nvPr/>
+              </p:nvSpPr>
+              <p:spPr>
+                <a:xfrm>
+                  <a:off x="8177902" y="2660712"/>
+                  <a:ext cx="568554" cy="553998"/>
+                </a:xfrm>
+                <a:prstGeom prst="rect">
+                  <a:avLst/>
+                </a:prstGeom>
+                <a:blipFill>
+                  <a:blip r:embed="rId3"/>
+                  <a:stretch>
+                    <a:fillRect l="-17778" r="-4444" b="-15909"/>
+                  </a:stretch>
+                </a:blipFill>
+              </p:spPr>
+              <p:txBody>
+                <a:bodyPr/>
+                <a:lstStyle/>
+                <a:p>
+                  <a:r>
+                    <a:rPr lang="en-NL">
+                      <a:noFill/>
+                    </a:rPr>
+                    <a:t> </a:t>
+                  </a:r>
+                </a:p>
+              </p:txBody>
+            </p:sp>
+          </mc:Fallback>
+        </mc:AlternateContent>
+        <mc:AlternateContent xmlns:mc="http://schemas.openxmlformats.org/markup-compatibility/2006">
+          <mc:Choice xmlns:a14="http://schemas.microsoft.com/office/drawing/2010/main" Requires="a14">
+            <p:sp>
+              <p:nvSpPr>
+                <p:cNvPr id="14" name="TextBox 13">
+                  <a:extLst>
+                    <a:ext uri="{FF2B5EF4-FFF2-40B4-BE49-F238E27FC236}">
+                      <a16:creationId xmlns:a16="http://schemas.microsoft.com/office/drawing/2014/main" id="{BC60B046-89CF-43DD-A839-837058AE4CE3}"/>
+                    </a:ext>
+                  </a:extLst>
+                </p:cNvPr>
+                <p:cNvSpPr txBox="1"/>
+                <p:nvPr/>
+              </p:nvSpPr>
+              <p:spPr>
+                <a:xfrm>
+                  <a:off x="9414802" y="1420691"/>
+                  <a:ext cx="297774" cy="307777"/>
+                </a:xfrm>
+                <a:prstGeom prst="rect">
+                  <a:avLst/>
+                </a:prstGeom>
+                <a:noFill/>
+              </p:spPr>
+              <p:txBody>
+                <a:bodyPr wrap="square" lIns="0" tIns="0" rIns="0" bIns="0" rtlCol="0">
+                  <a:spAutoFit/>
+                </a:bodyPr>
+                <a:lstStyle/>
+                <a:p>
+                  <a:pPr/>
+                  <a14:m>
+                    <m:oMathPara xmlns:m="http://schemas.openxmlformats.org/officeDocument/2006/math">
+                      <m:oMathParaPr>
+                        <m:jc m:val="centerGroup"/>
+                      </m:oMathParaPr>
+                      <m:oMath xmlns:m="http://schemas.openxmlformats.org/officeDocument/2006/math">
+                        <m:sSub>
+                          <m:sSubPr>
+                            <m:ctrlPr>
+                              <a:rPr lang="en-US" sz="2000" i="1" smtClean="0">
+                                <a:latin typeface="Cambria Math" panose="02040503050406030204" pitchFamily="18" charset="0"/>
+                              </a:rPr>
+                            </m:ctrlPr>
+                          </m:sSubPr>
+                          <m:e>
+                            <m:r>
+                              <a:rPr lang="en-US" sz="2000" b="0" i="1" smtClean="0">
+                                <a:latin typeface="Cambria Math" panose="02040503050406030204" pitchFamily="18" charset="0"/>
+                              </a:rPr>
+                              <m:t>𝑎</m:t>
+                            </m:r>
+                          </m:e>
+                          <m:sub>
+                            <m:r>
+                              <a:rPr lang="en-US" sz="2000" b="0" i="1" smtClean="0">
+                                <a:latin typeface="Cambria Math" panose="02040503050406030204" pitchFamily="18" charset="0"/>
+                              </a:rPr>
+                              <m:t>𝑡</m:t>
+                            </m:r>
+                          </m:sub>
+                        </m:sSub>
+                      </m:oMath>
+                    </m:oMathPara>
+                  </a14:m>
+                  <a:endParaRPr lang="en-US" sz="2000" dirty="0"/>
+                </a:p>
+              </p:txBody>
+            </p:sp>
+          </mc:Choice>
+          <mc:Fallback>
+            <p:sp>
+              <p:nvSpPr>
+                <p:cNvPr id="14" name="TextBox 13">
+                  <a:extLst>
+                    <a:ext uri="{FF2B5EF4-FFF2-40B4-BE49-F238E27FC236}">
+                      <a16:creationId xmlns:a16="http://schemas.microsoft.com/office/drawing/2014/main" id="{BC60B046-89CF-43DD-A839-837058AE4CE3}"/>
+                    </a:ext>
+                  </a:extLst>
+                </p:cNvPr>
+                <p:cNvSpPr txBox="1">
+                  <a:spLocks noRot="1" noChangeAspect="1" noMove="1" noResize="1" noEditPoints="1" noAdjustHandles="1" noChangeArrowheads="1" noChangeShapeType="1" noTextEdit="1"/>
+                </p:cNvSpPr>
+                <p:nvPr/>
+              </p:nvSpPr>
+              <p:spPr>
+                <a:xfrm>
+                  <a:off x="9414802" y="1420691"/>
+                  <a:ext cx="297774" cy="307777"/>
+                </a:xfrm>
+                <a:prstGeom prst="rect">
+                  <a:avLst/>
+                </a:prstGeom>
+                <a:blipFill>
+                  <a:blip r:embed="rId4"/>
+                  <a:stretch>
+                    <a:fillRect l="-12500" r="-8333" b="-11538"/>
+                  </a:stretch>
+                </a:blipFill>
+              </p:spPr>
+              <p:txBody>
+                <a:bodyPr/>
+                <a:lstStyle/>
+                <a:p>
+                  <a:r>
+                    <a:rPr lang="en-NL">
+                      <a:noFill/>
+                    </a:rPr>
+                    <a:t> </a:t>
+                  </a:r>
+                </a:p>
+              </p:txBody>
+            </p:sp>
+          </mc:Fallback>
+        </mc:AlternateContent>
+        <mc:AlternateContent xmlns:mc="http://schemas.openxmlformats.org/markup-compatibility/2006">
+          <mc:Choice xmlns:a14="http://schemas.microsoft.com/office/drawing/2010/main" Requires="a14">
+            <p:sp>
+              <p:nvSpPr>
+                <p:cNvPr id="15" name="TextBox 14">
+                  <a:extLst>
+                    <a:ext uri="{FF2B5EF4-FFF2-40B4-BE49-F238E27FC236}">
+                      <a16:creationId xmlns:a16="http://schemas.microsoft.com/office/drawing/2014/main" id="{135D4F7E-0DD7-4502-B87B-4A87EB82E6B0}"/>
+                    </a:ext>
+                  </a:extLst>
+                </p:cNvPr>
+                <p:cNvSpPr txBox="1"/>
+                <p:nvPr/>
+              </p:nvSpPr>
+              <p:spPr>
+                <a:xfrm>
+                  <a:off x="9386123" y="5222182"/>
+                  <a:ext cx="355132" cy="307777"/>
+                </a:xfrm>
+                <a:prstGeom prst="rect">
+                  <a:avLst/>
+                </a:prstGeom>
+                <a:noFill/>
+              </p:spPr>
+              <p:txBody>
+                <a:bodyPr wrap="square" lIns="0" tIns="0" rIns="0" bIns="0" rtlCol="0">
+                  <a:spAutoFit/>
+                </a:bodyPr>
+                <a:lstStyle/>
+                <a:p>
+                  <a:pPr/>
+                  <a14:m>
+                    <m:oMathPara xmlns:m="http://schemas.openxmlformats.org/officeDocument/2006/math">
+                      <m:oMathParaPr>
+                        <m:jc m:val="centerGroup"/>
+                      </m:oMathParaPr>
+                      <m:oMath xmlns:m="http://schemas.openxmlformats.org/officeDocument/2006/math">
+                        <m:sSub>
+                          <m:sSubPr>
+                            <m:ctrlPr>
+                              <a:rPr lang="en-US" sz="2000" i="1" smtClean="0">
+                                <a:latin typeface="Cambria Math" panose="02040503050406030204" pitchFamily="18" charset="0"/>
+                              </a:rPr>
+                            </m:ctrlPr>
+                          </m:sSubPr>
+                          <m:e>
+                            <m:r>
+                              <a:rPr lang="en-US" sz="2000" b="0" i="1" smtClean="0">
+                                <a:latin typeface="Cambria Math" panose="02040503050406030204" pitchFamily="18" charset="0"/>
+                              </a:rPr>
+                              <m:t>𝑦</m:t>
+                            </m:r>
+                          </m:e>
+                          <m:sub>
+                            <m:r>
+                              <a:rPr lang="en-US" sz="2000" b="0" i="1" smtClean="0">
+                                <a:latin typeface="Cambria Math" panose="02040503050406030204" pitchFamily="18" charset="0"/>
+                              </a:rPr>
+                              <m:t>𝑡</m:t>
+                            </m:r>
+                          </m:sub>
+                        </m:sSub>
+                      </m:oMath>
+                    </m:oMathPara>
+                  </a14:m>
+                  <a:endParaRPr lang="en-US" sz="2000" dirty="0"/>
+                </a:p>
+              </p:txBody>
+            </p:sp>
+          </mc:Choice>
+          <mc:Fallback>
+            <p:sp>
+              <p:nvSpPr>
+                <p:cNvPr id="15" name="TextBox 14">
+                  <a:extLst>
+                    <a:ext uri="{FF2B5EF4-FFF2-40B4-BE49-F238E27FC236}">
+                      <a16:creationId xmlns:a16="http://schemas.microsoft.com/office/drawing/2014/main" id="{135D4F7E-0DD7-4502-B87B-4A87EB82E6B0}"/>
+                    </a:ext>
+                  </a:extLst>
+                </p:cNvPr>
+                <p:cNvSpPr txBox="1">
+                  <a:spLocks noRot="1" noChangeAspect="1" noMove="1" noResize="1" noEditPoints="1" noAdjustHandles="1" noChangeArrowheads="1" noChangeShapeType="1" noTextEdit="1"/>
+                </p:cNvSpPr>
+                <p:nvPr/>
+              </p:nvSpPr>
+              <p:spPr>
+                <a:xfrm>
+                  <a:off x="9386123" y="5222182"/>
+                  <a:ext cx="355132" cy="307777"/>
+                </a:xfrm>
+                <a:prstGeom prst="rect">
+                  <a:avLst/>
+                </a:prstGeom>
+                <a:blipFill>
+                  <a:blip r:embed="rId5"/>
+                  <a:stretch>
+                    <a:fillRect l="-6897" b="-24000"/>
+                  </a:stretch>
+                </a:blipFill>
+              </p:spPr>
+              <p:txBody>
+                <a:bodyPr/>
+                <a:lstStyle/>
+                <a:p>
+                  <a:r>
+                    <a:rPr lang="en-NL">
+                      <a:noFill/>
+                    </a:rPr>
+                    <a:t> </a:t>
+                  </a:r>
+                </a:p>
+              </p:txBody>
+            </p:sp>
+          </mc:Fallback>
+        </mc:AlternateContent>
+        <p:sp>
+          <p:nvSpPr>
+            <p:cNvPr id="16" name="Freeform: Shape 15">
+              <a:extLst>
+                <a:ext uri="{FF2B5EF4-FFF2-40B4-BE49-F238E27FC236}">
+                  <a16:creationId xmlns:a16="http://schemas.microsoft.com/office/drawing/2014/main" id="{A0BFD85B-B5DA-410F-97B5-6753FDBD1E3C}"/>
+                </a:ext>
+              </a:extLst>
+            </p:cNvPr>
+            <p:cNvSpPr/>
+            <p:nvPr/>
+          </p:nvSpPr>
+          <p:spPr>
+            <a:xfrm flipH="1">
+              <a:off x="9913894" y="2799703"/>
+              <a:ext cx="481629" cy="1919254"/>
+            </a:xfrm>
+            <a:custGeom>
+              <a:avLst/>
+              <a:gdLst>
+                <a:gd name="connsiteX0" fmla="*/ 636104 w 653774"/>
+                <a:gd name="connsiteY0" fmla="*/ 192965 h 1199696"/>
+                <a:gd name="connsiteX1" fmla="*/ 344557 w 653774"/>
+                <a:gd name="connsiteY1" fmla="*/ 16270 h 1199696"/>
+                <a:gd name="connsiteX2" fmla="*/ 0 w 653774"/>
+                <a:gd name="connsiteY2" fmla="*/ 555192 h 1199696"/>
+                <a:gd name="connsiteX3" fmla="*/ 344557 w 653774"/>
+                <a:gd name="connsiteY3" fmla="*/ 1182461 h 1199696"/>
+                <a:gd name="connsiteX4" fmla="*/ 653774 w 653774"/>
+                <a:gd name="connsiteY4" fmla="*/ 1036687 h 1199696"/>
+                <a:gd name="connsiteX5" fmla="*/ 653774 w 653774"/>
+                <a:gd name="connsiteY5" fmla="*/ 1036687 h 1199696"/>
+              </a:gdLst>
+              <a:ahLst/>
+              <a:cxnLst>
+                <a:cxn ang="0">
+                  <a:pos x="connsiteX0" y="connsiteY0"/>
+                </a:cxn>
+                <a:cxn ang="0">
+                  <a:pos x="connsiteX1" y="connsiteY1"/>
+                </a:cxn>
+                <a:cxn ang="0">
+                  <a:pos x="connsiteX2" y="connsiteY2"/>
+                </a:cxn>
+                <a:cxn ang="0">
+                  <a:pos x="connsiteX3" y="connsiteY3"/>
+                </a:cxn>
+                <a:cxn ang="0">
+                  <a:pos x="connsiteX4" y="connsiteY4"/>
+                </a:cxn>
+                <a:cxn ang="0">
+                  <a:pos x="connsiteX5" y="connsiteY5"/>
+                </a:cxn>
+              </a:cxnLst>
+              <a:rect l="l" t="t" r="r" b="b"/>
+              <a:pathLst>
+                <a:path w="653774" h="1199696">
+                  <a:moveTo>
+                    <a:pt x="636104" y="192965"/>
+                  </a:moveTo>
+                  <a:cubicBezTo>
+                    <a:pt x="543339" y="74432"/>
+                    <a:pt x="450574" y="-44101"/>
+                    <a:pt x="344557" y="16270"/>
+                  </a:cubicBezTo>
+                  <a:cubicBezTo>
+                    <a:pt x="238540" y="76641"/>
+                    <a:pt x="0" y="360827"/>
+                    <a:pt x="0" y="555192"/>
+                  </a:cubicBezTo>
+                  <a:cubicBezTo>
+                    <a:pt x="0" y="749557"/>
+                    <a:pt x="235595" y="1102212"/>
+                    <a:pt x="344557" y="1182461"/>
+                  </a:cubicBezTo>
+                  <a:cubicBezTo>
+                    <a:pt x="453519" y="1262710"/>
+                    <a:pt x="653774" y="1036687"/>
+                    <a:pt x="653774" y="1036687"/>
+                  </a:cubicBezTo>
+                  <a:lnTo>
+                    <a:pt x="653774" y="1036687"/>
+                  </a:lnTo>
+                </a:path>
+              </a:pathLst>
+            </a:custGeom>
+            <a:noFill/>
+            <a:ln w="28575">
+              <a:prstDash val="dash"/>
+              <a:headEnd type="none" w="med" len="med"/>
+              <a:tailEnd type="arrow" w="med" len="med"/>
+            </a:ln>
+          </p:spPr>
+          <p:style>
+            <a:lnRef idx="2">
+              <a:schemeClr val="accent1">
+                <a:shade val="50000"/>
+              </a:schemeClr>
+            </a:lnRef>
+            <a:fillRef idx="1">
+              <a:schemeClr val="accent1"/>
+            </a:fillRef>
+            <a:effectRef idx="0">
+              <a:schemeClr val="accent1"/>
+            </a:effectRef>
+            <a:fontRef idx="minor">
+              <a:schemeClr val="lt1"/>
+            </a:fontRef>
+          </p:style>
+          <p:txBody>
+            <a:bodyPr rtlCol="0" anchor="ctr"/>
+            <a:lstStyle/>
+            <a:p>
+              <a:pPr algn="ctr"/>
+              <a:endParaRPr lang="en-US"/>
+            </a:p>
+          </p:txBody>
+        </p:sp>
+        <mc:AlternateContent xmlns:mc="http://schemas.openxmlformats.org/markup-compatibility/2006">
+          <mc:Choice xmlns:a14="http://schemas.microsoft.com/office/drawing/2010/main" Requires="a14">
+            <p:sp>
+              <p:nvSpPr>
+                <p:cNvPr id="17" name="TextBox 16">
+                  <a:extLst>
+                    <a:ext uri="{FF2B5EF4-FFF2-40B4-BE49-F238E27FC236}">
+                      <a16:creationId xmlns:a16="http://schemas.microsoft.com/office/drawing/2014/main" id="{F985825B-3BCB-4D41-AE79-2AE5DAF2FF90}"/>
+                    </a:ext>
+                  </a:extLst>
+                </p:cNvPr>
+                <p:cNvSpPr txBox="1"/>
+                <p:nvPr/>
+              </p:nvSpPr>
+              <p:spPr>
+                <a:xfrm>
+                  <a:off x="9997119" y="2476288"/>
+                  <a:ext cx="267445" cy="307777"/>
+                </a:xfrm>
+                <a:prstGeom prst="rect">
+                  <a:avLst/>
+                </a:prstGeom>
+                <a:noFill/>
+              </p:spPr>
+              <p:txBody>
+                <a:bodyPr wrap="square" lIns="0" tIns="0" rIns="0" bIns="0" rtlCol="0">
+                  <a:spAutoFit/>
+                </a:bodyPr>
+                <a:lstStyle/>
+                <a:p>
+                  <a:pPr/>
+                  <a14:m>
+                    <m:oMathPara xmlns:m="http://schemas.openxmlformats.org/officeDocument/2006/math">
+                      <m:oMathParaPr>
+                        <m:jc m:val="centerGroup"/>
+                      </m:oMathParaPr>
+                      <m:oMath xmlns:m="http://schemas.openxmlformats.org/officeDocument/2006/math">
+                        <m:sSub>
+                          <m:sSubPr>
+                            <m:ctrlPr>
+                              <a:rPr lang="en-US" sz="2000" i="1" smtClean="0">
+                                <a:latin typeface="Cambria Math" panose="02040503050406030204" pitchFamily="18" charset="0"/>
+                              </a:rPr>
+                            </m:ctrlPr>
+                          </m:sSubPr>
+                          <m:e>
+                            <m:acc>
+                              <m:accPr>
+                                <m:chr m:val="̃"/>
+                                <m:ctrlPr>
+                                  <a:rPr lang="en-US" sz="2000" i="1" smtClean="0">
+                                    <a:latin typeface="Cambria Math" panose="02040503050406030204" pitchFamily="18" charset="0"/>
+                                  </a:rPr>
+                                </m:ctrlPr>
+                              </m:accPr>
+                              <m:e>
+                                <m:r>
+                                  <a:rPr lang="en-US" sz="2000" b="0" i="1" smtClean="0">
+                                    <a:latin typeface="Cambria Math" panose="02040503050406030204" pitchFamily="18" charset="0"/>
+                                  </a:rPr>
+                                  <m:t>𝑠</m:t>
+                                </m:r>
+                              </m:e>
+                            </m:acc>
+                          </m:e>
+                          <m:sub>
+                            <m:r>
+                              <a:rPr lang="en-US" sz="2000" b="0" i="1" smtClean="0">
+                                <a:latin typeface="Cambria Math" panose="02040503050406030204" pitchFamily="18" charset="0"/>
+                              </a:rPr>
+                              <m:t>𝑡</m:t>
+                            </m:r>
+                          </m:sub>
+                        </m:sSub>
+                      </m:oMath>
+                    </m:oMathPara>
+                  </a14:m>
+                  <a:endParaRPr lang="en-US" sz="2000" dirty="0"/>
+                </a:p>
+              </p:txBody>
+            </p:sp>
+          </mc:Choice>
+          <mc:Fallback>
+            <p:sp>
+              <p:nvSpPr>
+                <p:cNvPr id="17" name="TextBox 16">
+                  <a:extLst>
+                    <a:ext uri="{FF2B5EF4-FFF2-40B4-BE49-F238E27FC236}">
+                      <a16:creationId xmlns:a16="http://schemas.microsoft.com/office/drawing/2014/main" id="{F985825B-3BCB-4D41-AE79-2AE5DAF2FF90}"/>
+                    </a:ext>
+                  </a:extLst>
+                </p:cNvPr>
+                <p:cNvSpPr txBox="1">
+                  <a:spLocks noRot="1" noChangeAspect="1" noMove="1" noResize="1" noEditPoints="1" noAdjustHandles="1" noChangeArrowheads="1" noChangeShapeType="1" noTextEdit="1"/>
+                </p:cNvSpPr>
+                <p:nvPr/>
+              </p:nvSpPr>
+              <p:spPr>
+                <a:xfrm>
+                  <a:off x="9997119" y="2476288"/>
+                  <a:ext cx="267445" cy="307777"/>
+                </a:xfrm>
+                <a:prstGeom prst="rect">
+                  <a:avLst/>
+                </a:prstGeom>
+                <a:blipFill>
+                  <a:blip r:embed="rId6"/>
+                  <a:stretch>
+                    <a:fillRect l="-13636" r="-4545" b="-11538"/>
+                  </a:stretch>
+                </a:blipFill>
+              </p:spPr>
+              <p:txBody>
+                <a:bodyPr/>
+                <a:lstStyle/>
+                <a:p>
+                  <a:r>
+                    <a:rPr lang="en-NL">
+                      <a:noFill/>
+                    </a:rPr>
+                    <a:t> </a:t>
+                  </a:r>
+                </a:p>
+              </p:txBody>
+            </p:sp>
+          </mc:Fallback>
+        </mc:AlternateContent>
+        <p:sp>
+          <p:nvSpPr>
+            <p:cNvPr id="56" name="TextBox 55">
+              <a:extLst>
+                <a:ext uri="{FF2B5EF4-FFF2-40B4-BE49-F238E27FC236}">
+                  <a16:creationId xmlns:a16="http://schemas.microsoft.com/office/drawing/2014/main" id="{F29CBA8D-84BF-46E4-A056-9630A3F71592}"/>
+                </a:ext>
+              </a:extLst>
+            </p:cNvPr>
+            <p:cNvSpPr txBox="1"/>
+            <p:nvPr/>
+          </p:nvSpPr>
+          <p:spPr>
+            <a:xfrm>
+              <a:off x="7378004" y="1390117"/>
+              <a:ext cx="933269" cy="400110"/>
+            </a:xfrm>
+            <a:prstGeom prst="rect">
+              <a:avLst/>
+            </a:prstGeom>
+            <a:noFill/>
+          </p:spPr>
+          <p:txBody>
+            <a:bodyPr wrap="none" rtlCol="0">
+              <a:spAutoFit/>
+            </a:bodyPr>
+            <a:lstStyle/>
+            <a:p>
+              <a:r>
+                <a:rPr lang="en-US" sz="2000" dirty="0"/>
+                <a:t>actions</a:t>
+              </a:r>
+            </a:p>
+          </p:txBody>
+        </p:sp>
+        <p:sp>
+          <p:nvSpPr>
+            <p:cNvPr id="57" name="TextBox 56">
+              <a:extLst>
+                <a:ext uri="{FF2B5EF4-FFF2-40B4-BE49-F238E27FC236}">
+                  <a16:creationId xmlns:a16="http://schemas.microsoft.com/office/drawing/2014/main" id="{CFBAE367-74B9-448F-9E96-A9BE0333A034}"/>
+                </a:ext>
+              </a:extLst>
+            </p:cNvPr>
+            <p:cNvSpPr txBox="1"/>
+            <p:nvPr/>
+          </p:nvSpPr>
+          <p:spPr>
+            <a:xfrm>
+              <a:off x="7112578" y="5950018"/>
+              <a:ext cx="1522917" cy="400110"/>
+            </a:xfrm>
+            <a:prstGeom prst="rect">
+              <a:avLst/>
+            </a:prstGeom>
+            <a:noFill/>
+          </p:spPr>
+          <p:txBody>
+            <a:bodyPr wrap="none" rtlCol="0">
+              <a:spAutoFit/>
+            </a:bodyPr>
+            <a:lstStyle/>
+            <a:p>
+              <a:r>
+                <a:rPr lang="en-US" sz="2000" dirty="0"/>
+                <a:t>observations</a:t>
+              </a:r>
+            </a:p>
+          </p:txBody>
+        </p:sp>
+        <p:cxnSp>
+          <p:nvCxnSpPr>
+            <p:cNvPr id="59" name="Straight Arrow Connector 58">
+              <a:extLst>
+                <a:ext uri="{FF2B5EF4-FFF2-40B4-BE49-F238E27FC236}">
+                  <a16:creationId xmlns:a16="http://schemas.microsoft.com/office/drawing/2014/main" id="{E7475BDD-6F5A-49F1-A01D-9E95F1DA18E4}"/>
+                </a:ext>
+              </a:extLst>
+            </p:cNvPr>
+            <p:cNvCxnSpPr>
+              <a:cxnSpLocks/>
+            </p:cNvCxnSpPr>
+            <p:nvPr/>
+          </p:nvCxnSpPr>
+          <p:spPr>
+            <a:xfrm>
+              <a:off x="2564355" y="2578755"/>
+              <a:ext cx="0" cy="2295699"/>
+            </a:xfrm>
+            <a:prstGeom prst="straightConnector1">
+              <a:avLst/>
+            </a:prstGeom>
+            <a:ln w="28575">
+              <a:solidFill>
+                <a:schemeClr val="accent6">
+                  <a:lumMod val="50000"/>
+                </a:schemeClr>
+              </a:solidFill>
+              <a:headEnd type="none" w="med" len="med"/>
+              <a:tailEnd type="arrow" w="med" len="med"/>
+            </a:ln>
+          </p:spPr>
+          <p:style>
+            <a:lnRef idx="1">
+              <a:schemeClr val="accent1"/>
+            </a:lnRef>
+            <a:fillRef idx="0">
+              <a:schemeClr val="accent1"/>
+            </a:fillRef>
+            <a:effectRef idx="0">
+              <a:schemeClr val="accent1"/>
+            </a:effectRef>
+            <a:fontRef idx="minor">
+              <a:schemeClr val="tx1"/>
+            </a:fontRef>
+          </p:style>
+        </p:cxnSp>
+        <p:cxnSp>
+          <p:nvCxnSpPr>
+            <p:cNvPr id="67" name="Straight Arrow Connector 66">
+              <a:extLst>
+                <a:ext uri="{FF2B5EF4-FFF2-40B4-BE49-F238E27FC236}">
+                  <a16:creationId xmlns:a16="http://schemas.microsoft.com/office/drawing/2014/main" id="{A109F5A1-9D87-4E5B-92D2-CB9BEE1560C2}"/>
+                </a:ext>
+              </a:extLst>
+            </p:cNvPr>
+            <p:cNvCxnSpPr>
+              <a:cxnSpLocks/>
+            </p:cNvCxnSpPr>
+            <p:nvPr/>
+          </p:nvCxnSpPr>
+          <p:spPr>
+            <a:xfrm flipV="1">
+              <a:off x="3301495" y="2578755"/>
+              <a:ext cx="0" cy="2295699"/>
+            </a:xfrm>
+            <a:prstGeom prst="straightConnector1">
+              <a:avLst/>
+            </a:prstGeom>
+            <a:ln w="28575">
+              <a:solidFill>
+                <a:srgbClr val="0070C0"/>
+              </a:solidFill>
+              <a:headEnd type="none" w="med" len="med"/>
+              <a:tailEnd type="arrow" w="med" len="med"/>
+            </a:ln>
+          </p:spPr>
+          <p:style>
+            <a:lnRef idx="1">
+              <a:schemeClr val="accent1"/>
+            </a:lnRef>
+            <a:fillRef idx="0">
+              <a:schemeClr val="accent1"/>
+            </a:fillRef>
+            <a:effectRef idx="0">
+              <a:schemeClr val="accent1"/>
+            </a:effectRef>
+            <a:fontRef idx="minor">
+              <a:schemeClr val="tx1"/>
+            </a:fontRef>
+          </p:style>
+        </p:cxnSp>
+        <p:sp>
+          <p:nvSpPr>
+            <p:cNvPr id="69" name="TextBox 68">
+              <a:extLst>
+                <a:ext uri="{FF2B5EF4-FFF2-40B4-BE49-F238E27FC236}">
+                  <a16:creationId xmlns:a16="http://schemas.microsoft.com/office/drawing/2014/main" id="{A607FD16-EAD0-41D6-AFFA-FA8A862B7C42}"/>
+                </a:ext>
+              </a:extLst>
+            </p:cNvPr>
+            <p:cNvSpPr txBox="1"/>
+            <p:nvPr/>
+          </p:nvSpPr>
+          <p:spPr>
+            <a:xfrm>
+              <a:off x="2768593" y="3937905"/>
+              <a:ext cx="1065805" cy="369332"/>
+            </a:xfrm>
+            <a:prstGeom prst="rect">
+              <a:avLst/>
+            </a:prstGeom>
             <a:solidFill>
-              <a:schemeClr val="tx1"/>
+              <a:schemeClr val="bg1"/>
             </a:solidFill>
-            <a:prstDash val="solid"/>
-          </a:ln>
-        </p:spPr>
-        <p:style>
-          <a:lnRef idx="2">
-            <a:schemeClr val="accent1">
-              <a:shade val="50000"/>
-            </a:schemeClr>
-          </a:lnRef>
-          <a:fillRef idx="1">
-            <a:schemeClr val="accent1"/>
-          </a:fillRef>
-          <a:effectRef idx="0">
-            <a:schemeClr val="accent1"/>
-          </a:effectRef>
-          <a:fontRef idx="minor">
-            <a:schemeClr val="lt1"/>
-          </a:fontRef>
-        </p:style>
-        <p:txBody>
-          <a:bodyPr rtlCol="0" anchor="ctr"/>
-          <a:lstStyle/>
-          <a:p>
-            <a:pPr algn="ctr"/>
-            <a:endParaRPr lang="en-US"/>
-          </a:p>
-        </p:txBody>
-      </p:sp>
-      <mc:AlternateContent xmlns:mc="http://schemas.openxmlformats.org/markup-compatibility/2006" xmlns:a14="http://schemas.microsoft.com/office/drawing/2010/main">
-        <mc:Choice Requires="a14">
+            <a:ln>
+              <a:noFill/>
+            </a:ln>
+          </p:spPr>
+          <p:txBody>
+            <a:bodyPr wrap="none" rtlCol="0">
+              <a:spAutoFit/>
+            </a:bodyPr>
+            <a:lstStyle/>
+            <a:p>
+              <a:r>
+                <a:rPr lang="en-US" dirty="0">
+                  <a:solidFill>
+                    <a:srgbClr val="0070C0"/>
+                  </a:solidFill>
+                </a:rPr>
+                <a:t>inference</a:t>
+              </a:r>
+            </a:p>
+          </p:txBody>
+        </p:sp>
+        <mc:AlternateContent xmlns:mc="http://schemas.openxmlformats.org/markup-compatibility/2006">
+          <mc:Choice xmlns:a14="http://schemas.microsoft.com/office/drawing/2010/main" Requires="a14">
+            <p:sp>
+              <p:nvSpPr>
+                <p:cNvPr id="73" name="TextBox 72">
+                  <a:extLst>
+                    <a:ext uri="{FF2B5EF4-FFF2-40B4-BE49-F238E27FC236}">
+                      <a16:creationId xmlns:a16="http://schemas.microsoft.com/office/drawing/2014/main" id="{202DECA0-1FF2-4E98-A8F7-C9A8938214AF}"/>
+                    </a:ext>
+                  </a:extLst>
+                </p:cNvPr>
+                <p:cNvSpPr txBox="1"/>
+                <p:nvPr/>
+              </p:nvSpPr>
+              <p:spPr>
+                <a:xfrm>
+                  <a:off x="3014397" y="4258230"/>
+                  <a:ext cx="574196" cy="246221"/>
+                </a:xfrm>
+                <a:prstGeom prst="rect">
+                  <a:avLst/>
+                </a:prstGeom>
+                <a:solidFill>
+                  <a:schemeClr val="bg1"/>
+                </a:solidFill>
+              </p:spPr>
+              <p:txBody>
+                <a:bodyPr wrap="none" lIns="0" tIns="0" rIns="0" bIns="0" rtlCol="0">
+                  <a:spAutoFit/>
+                </a:bodyPr>
+                <a:lstStyle/>
+                <a:p>
+                  <a:r>
+                    <a:rPr lang="en-US" sz="1600" b="0" dirty="0">
+                      <a:solidFill>
+                        <a:srgbClr val="0070C0"/>
+                      </a:solidFill>
+                    </a:rPr>
+                    <a:t>q</a:t>
+                  </a:r>
+                  <a14:m>
+                    <m:oMath xmlns:m="http://schemas.openxmlformats.org/officeDocument/2006/math">
+                      <m:r>
+                        <a:rPr lang="en-US" sz="1600" b="0" i="1" smtClean="0">
+                          <a:solidFill>
+                            <a:srgbClr val="0070C0"/>
+                          </a:solidFill>
+                          <a:latin typeface="Cambria Math" panose="02040503050406030204" pitchFamily="18" charset="0"/>
+                        </a:rPr>
+                        <m:t>(</m:t>
+                      </m:r>
+                      <m:r>
+                        <a:rPr lang="en-US" sz="1600" b="0" i="1" smtClean="0">
+                          <a:solidFill>
+                            <a:srgbClr val="0070C0"/>
+                          </a:solidFill>
+                          <a:latin typeface="Cambria Math" panose="02040503050406030204" pitchFamily="18" charset="0"/>
+                        </a:rPr>
+                        <m:t>𝑠</m:t>
+                      </m:r>
+                      <m:r>
+                        <a:rPr lang="en-US" sz="1600" b="0" i="1" smtClean="0">
+                          <a:solidFill>
+                            <a:srgbClr val="0070C0"/>
+                          </a:solidFill>
+                          <a:latin typeface="Cambria Math" panose="02040503050406030204" pitchFamily="18" charset="0"/>
+                        </a:rPr>
+                        <m:t>,</m:t>
+                      </m:r>
+                      <m:r>
+                        <a:rPr lang="en-US" sz="1600" b="0" i="1" smtClean="0">
+                          <a:solidFill>
+                            <a:srgbClr val="0070C0"/>
+                          </a:solidFill>
+                          <a:latin typeface="Cambria Math" panose="02040503050406030204" pitchFamily="18" charset="0"/>
+                        </a:rPr>
+                        <m:t>𝑢</m:t>
+                      </m:r>
+                      <m:r>
+                        <a:rPr lang="en-US" sz="1600" b="0" i="1" smtClean="0">
+                          <a:solidFill>
+                            <a:srgbClr val="0070C0"/>
+                          </a:solidFill>
+                          <a:latin typeface="Cambria Math" panose="02040503050406030204" pitchFamily="18" charset="0"/>
+                        </a:rPr>
+                        <m:t>)</m:t>
+                      </m:r>
+                    </m:oMath>
+                  </a14:m>
+                  <a:endParaRPr lang="en-US" sz="1600" dirty="0">
+                    <a:solidFill>
+                      <a:srgbClr val="0070C0"/>
+                    </a:solidFill>
+                  </a:endParaRPr>
+                </a:p>
+              </p:txBody>
+            </p:sp>
+          </mc:Choice>
+          <mc:Fallback>
+            <p:sp>
+              <p:nvSpPr>
+                <p:cNvPr id="73" name="TextBox 72">
+                  <a:extLst>
+                    <a:ext uri="{FF2B5EF4-FFF2-40B4-BE49-F238E27FC236}">
+                      <a16:creationId xmlns:a16="http://schemas.microsoft.com/office/drawing/2014/main" id="{202DECA0-1FF2-4E98-A8F7-C9A8938214AF}"/>
+                    </a:ext>
+                  </a:extLst>
+                </p:cNvPr>
+                <p:cNvSpPr txBox="1">
+                  <a:spLocks noRot="1" noChangeAspect="1" noMove="1" noResize="1" noEditPoints="1" noAdjustHandles="1" noChangeArrowheads="1" noChangeShapeType="1" noTextEdit="1"/>
+                </p:cNvSpPr>
+                <p:nvPr/>
+              </p:nvSpPr>
+              <p:spPr>
+                <a:xfrm>
+                  <a:off x="3014397" y="4258230"/>
+                  <a:ext cx="574196" cy="246221"/>
+                </a:xfrm>
+                <a:prstGeom prst="rect">
+                  <a:avLst/>
+                </a:prstGeom>
+                <a:blipFill>
+                  <a:blip r:embed="rId7"/>
+                  <a:stretch>
+                    <a:fillRect l="-21739" t="-25000" r="-15217" b="-45000"/>
+                  </a:stretch>
+                </a:blipFill>
+              </p:spPr>
+              <p:txBody>
+                <a:bodyPr/>
+                <a:lstStyle/>
+                <a:p>
+                  <a:r>
+                    <a:rPr lang="en-NL">
+                      <a:noFill/>
+                    </a:rPr>
+                    <a:t> </a:t>
+                  </a:r>
+                </a:p>
+              </p:txBody>
+            </p:sp>
+          </mc:Fallback>
+        </mc:AlternateContent>
+        <mc:AlternateContent xmlns:mc="http://schemas.openxmlformats.org/markup-compatibility/2006">
+          <mc:Choice xmlns:a14="http://schemas.microsoft.com/office/drawing/2010/main" Requires="a14">
+            <p:sp>
+              <p:nvSpPr>
+                <p:cNvPr id="70" name="TextBox 69">
+                  <a:extLst>
+                    <a:ext uri="{FF2B5EF4-FFF2-40B4-BE49-F238E27FC236}">
+                      <a16:creationId xmlns:a16="http://schemas.microsoft.com/office/drawing/2014/main" id="{025E71A1-1238-4D55-A64C-8E967B14B934}"/>
+                    </a:ext>
+                  </a:extLst>
+                </p:cNvPr>
+                <p:cNvSpPr txBox="1"/>
+                <p:nvPr/>
+              </p:nvSpPr>
+              <p:spPr>
+                <a:xfrm>
+                  <a:off x="2154018" y="3455629"/>
+                  <a:ext cx="820674" cy="246221"/>
+                </a:xfrm>
+                <a:prstGeom prst="rect">
+                  <a:avLst/>
+                </a:prstGeom>
+                <a:solidFill>
+                  <a:schemeClr val="bg1"/>
+                </a:solidFill>
+                <a:ln>
+                  <a:noFill/>
+                </a:ln>
+              </p:spPr>
+              <p:txBody>
+                <a:bodyPr wrap="none" lIns="0" tIns="0" rIns="0" bIns="0" rtlCol="0">
+                  <a:spAutoFit/>
+                </a:bodyPr>
+                <a:lstStyle/>
+                <a:p>
+                  <a:pPr/>
+                  <a14:m>
+                    <m:oMathPara xmlns:m="http://schemas.openxmlformats.org/officeDocument/2006/math">
+                      <m:oMathParaPr>
+                        <m:jc m:val="centerGroup"/>
+                      </m:oMathParaPr>
+                      <m:oMath xmlns:m="http://schemas.openxmlformats.org/officeDocument/2006/math">
+                        <m:r>
+                          <a:rPr lang="en-US" sz="1600" i="1" smtClean="0">
+                            <a:solidFill>
+                              <a:schemeClr val="accent6">
+                                <a:lumMod val="50000"/>
+                              </a:schemeClr>
+                            </a:solidFill>
+                            <a:latin typeface="Cambria Math" panose="02040503050406030204" pitchFamily="18" charset="0"/>
+                          </a:rPr>
+                          <m:t>𝑝</m:t>
+                        </m:r>
+                        <m:r>
+                          <a:rPr lang="en-US" sz="1600" b="0" i="1" smtClean="0">
+                            <a:solidFill>
+                              <a:schemeClr val="accent6">
+                                <a:lumMod val="50000"/>
+                              </a:schemeClr>
+                            </a:solidFill>
+                            <a:latin typeface="Cambria Math" panose="02040503050406030204" pitchFamily="18" charset="0"/>
+                          </a:rPr>
+                          <m:t>(</m:t>
+                        </m:r>
+                        <m:r>
+                          <a:rPr lang="en-US" sz="1600" b="0" i="1" smtClean="0">
+                            <a:solidFill>
+                              <a:schemeClr val="accent6">
+                                <a:lumMod val="50000"/>
+                              </a:schemeClr>
+                            </a:solidFill>
+                            <a:latin typeface="Cambria Math" panose="02040503050406030204" pitchFamily="18" charset="0"/>
+                          </a:rPr>
+                          <m:t>𝑥</m:t>
+                        </m:r>
+                        <m:r>
+                          <a:rPr lang="en-US" sz="1600" b="0" i="1" smtClean="0">
+                            <a:solidFill>
+                              <a:schemeClr val="accent6">
+                                <a:lumMod val="50000"/>
+                              </a:schemeClr>
+                            </a:solidFill>
+                            <a:latin typeface="Cambria Math" panose="02040503050406030204" pitchFamily="18" charset="0"/>
+                          </a:rPr>
+                          <m:t>,</m:t>
+                        </m:r>
+                        <m:r>
+                          <a:rPr lang="en-US" sz="1600" b="0" i="1" smtClean="0">
+                            <a:solidFill>
+                              <a:schemeClr val="accent6">
+                                <a:lumMod val="50000"/>
+                              </a:schemeClr>
+                            </a:solidFill>
+                            <a:latin typeface="Cambria Math" panose="02040503050406030204" pitchFamily="18" charset="0"/>
+                          </a:rPr>
+                          <m:t>𝑠</m:t>
+                        </m:r>
+                        <m:r>
+                          <a:rPr lang="en-US" sz="1600" b="0" i="1" smtClean="0">
+                            <a:solidFill>
+                              <a:schemeClr val="accent6">
+                                <a:lumMod val="50000"/>
+                              </a:schemeClr>
+                            </a:solidFill>
+                            <a:latin typeface="Cambria Math" panose="02040503050406030204" pitchFamily="18" charset="0"/>
+                          </a:rPr>
+                          <m:t>,</m:t>
+                        </m:r>
+                        <m:r>
+                          <a:rPr lang="en-US" sz="1600" b="0" i="1" smtClean="0">
+                            <a:solidFill>
+                              <a:schemeClr val="accent6">
+                                <a:lumMod val="50000"/>
+                              </a:schemeClr>
+                            </a:solidFill>
+                            <a:latin typeface="Cambria Math" panose="02040503050406030204" pitchFamily="18" charset="0"/>
+                          </a:rPr>
+                          <m:t>𝑢</m:t>
+                        </m:r>
+                        <m:r>
+                          <a:rPr lang="en-US" sz="1600" b="0" i="1" smtClean="0">
+                            <a:solidFill>
+                              <a:schemeClr val="accent6">
+                                <a:lumMod val="50000"/>
+                              </a:schemeClr>
+                            </a:solidFill>
+                            <a:latin typeface="Cambria Math" panose="02040503050406030204" pitchFamily="18" charset="0"/>
+                          </a:rPr>
+                          <m:t>)</m:t>
+                        </m:r>
+                      </m:oMath>
+                    </m:oMathPara>
+                  </a14:m>
+                  <a:endParaRPr lang="en-US" sz="1600" dirty="0">
+                    <a:solidFill>
+                      <a:schemeClr val="accent6">
+                        <a:lumMod val="50000"/>
+                      </a:schemeClr>
+                    </a:solidFill>
+                  </a:endParaRPr>
+                </a:p>
+              </p:txBody>
+            </p:sp>
+          </mc:Choice>
+          <mc:Fallback>
+            <p:sp>
+              <p:nvSpPr>
+                <p:cNvPr id="70" name="TextBox 69">
+                  <a:extLst>
+                    <a:ext uri="{FF2B5EF4-FFF2-40B4-BE49-F238E27FC236}">
+                      <a16:creationId xmlns:a16="http://schemas.microsoft.com/office/drawing/2014/main" id="{025E71A1-1238-4D55-A64C-8E967B14B934}"/>
+                    </a:ext>
+                  </a:extLst>
+                </p:cNvPr>
+                <p:cNvSpPr txBox="1">
+                  <a:spLocks noRot="1" noChangeAspect="1" noMove="1" noResize="1" noEditPoints="1" noAdjustHandles="1" noChangeArrowheads="1" noChangeShapeType="1" noTextEdit="1"/>
+                </p:cNvSpPr>
+                <p:nvPr/>
+              </p:nvSpPr>
+              <p:spPr>
+                <a:xfrm>
+                  <a:off x="2154018" y="3455629"/>
+                  <a:ext cx="820674" cy="246221"/>
+                </a:xfrm>
+                <a:prstGeom prst="rect">
+                  <a:avLst/>
+                </a:prstGeom>
+                <a:blipFill>
+                  <a:blip r:embed="rId8"/>
+                  <a:stretch>
+                    <a:fillRect l="-4545" r="-9091" b="-40000"/>
+                  </a:stretch>
+                </a:blipFill>
+                <a:ln>
+                  <a:noFill/>
+                </a:ln>
+              </p:spPr>
+              <p:txBody>
+                <a:bodyPr/>
+                <a:lstStyle/>
+                <a:p>
+                  <a:r>
+                    <a:rPr lang="en-NL">
+                      <a:noFill/>
+                    </a:rPr>
+                    <a:t> </a:t>
+                  </a:r>
+                </a:p>
+              </p:txBody>
+            </p:sp>
+          </mc:Fallback>
+        </mc:AlternateContent>
+        <p:grpSp>
+          <p:nvGrpSpPr>
+            <p:cNvPr id="96" name="Group 95">
+              <a:extLst>
+                <a:ext uri="{FF2B5EF4-FFF2-40B4-BE49-F238E27FC236}">
+                  <a16:creationId xmlns:a16="http://schemas.microsoft.com/office/drawing/2014/main" id="{CD000F5E-D7CD-C845-BC1C-CD5BAED22D59}"/>
+                </a:ext>
+              </a:extLst>
+            </p:cNvPr>
+            <p:cNvGrpSpPr/>
+            <p:nvPr/>
+          </p:nvGrpSpPr>
+          <p:grpSpPr>
+            <a:xfrm>
+              <a:off x="3876519" y="1652701"/>
+              <a:ext cx="3385552" cy="4242258"/>
+              <a:chOff x="8012026" y="1787210"/>
+              <a:chExt cx="3385552" cy="4242258"/>
+            </a:xfrm>
+          </p:grpSpPr>
           <p:sp>
             <p:nvSpPr>
-              <p:cNvPr id="4" name="TextBox 3">
+              <p:cNvPr id="7" name="Rectangle: Rounded Corners 6">
                 <a:extLst>
                   <a:ext uri="{FF2B5EF4-FFF2-40B4-BE49-F238E27FC236}">
-                    <a16:creationId xmlns:a16="http://schemas.microsoft.com/office/drawing/2014/main" id="{D9FFFEC2-16DF-49B2-A346-93EE1BA029AB}"/>
+                    <a16:creationId xmlns:a16="http://schemas.microsoft.com/office/drawing/2014/main" id="{8A77B262-ACD6-4581-AD69-CE5168D303F4}"/>
+                  </a:ext>
+                </a:extLst>
+              </p:cNvPr>
+              <p:cNvSpPr/>
+              <p:nvPr/>
+            </p:nvSpPr>
+            <p:spPr>
+              <a:xfrm>
+                <a:off x="8012026" y="2026036"/>
+                <a:ext cx="3385552" cy="3787431"/>
+              </a:xfrm>
+              <a:prstGeom prst="roundRect">
+                <a:avLst/>
+              </a:prstGeom>
+              <a:solidFill>
+                <a:schemeClr val="bg1">
+                  <a:lumMod val="85000"/>
+                </a:schemeClr>
+              </a:solidFill>
+              <a:ln w="38100"/>
+            </p:spPr>
+            <p:style>
+              <a:lnRef idx="2">
+                <a:schemeClr val="accent1">
+                  <a:shade val="50000"/>
+                </a:schemeClr>
+              </a:lnRef>
+              <a:fillRef idx="1">
+                <a:schemeClr val="accent1"/>
+              </a:fillRef>
+              <a:effectRef idx="0">
+                <a:schemeClr val="accent1"/>
+              </a:effectRef>
+              <a:fontRef idx="minor">
+                <a:schemeClr val="lt1"/>
+              </a:fontRef>
+            </p:style>
+            <p:txBody>
+              <a:bodyPr rtlCol="0" anchor="ctr"/>
+              <a:lstStyle/>
+              <a:p>
+                <a:pPr algn="ctr"/>
+                <a:endParaRPr lang="en-US"/>
+              </a:p>
+            </p:txBody>
+          </p:sp>
+          <mc:AlternateContent xmlns:mc="http://schemas.openxmlformats.org/markup-compatibility/2006">
+            <mc:Choice xmlns:a14="http://schemas.microsoft.com/office/drawing/2010/main" Requires="a14">
+              <p:sp>
+                <p:nvSpPr>
+                  <p:cNvPr id="27" name="TextBox 26">
+                    <a:extLst>
+                      <a:ext uri="{FF2B5EF4-FFF2-40B4-BE49-F238E27FC236}">
+                        <a16:creationId xmlns:a16="http://schemas.microsoft.com/office/drawing/2014/main" id="{033E9D97-A140-4CC4-B12D-C5582971C99B}"/>
+                      </a:ext>
+                    </a:extLst>
+                  </p:cNvPr>
+                  <p:cNvSpPr txBox="1"/>
+                  <p:nvPr/>
+                </p:nvSpPr>
+                <p:spPr>
+                  <a:xfrm>
+                    <a:off x="8837139" y="3323039"/>
+                    <a:ext cx="619465" cy="246221"/>
+                  </a:xfrm>
+                  <a:prstGeom prst="rect">
+                    <a:avLst/>
+                  </a:prstGeom>
+                  <a:noFill/>
+                  <a:ln w="28575">
+                    <a:noFill/>
+                  </a:ln>
+                </p:spPr>
+                <p:txBody>
+                  <a:bodyPr wrap="none" lIns="0" tIns="0" rIns="0" bIns="0" rtlCol="0">
+                    <a:spAutoFit/>
+                  </a:bodyPr>
+                  <a:lstStyle/>
+                  <a:p>
+                    <a:pPr/>
+                    <a14:m>
+                      <m:oMathPara xmlns:m="http://schemas.openxmlformats.org/officeDocument/2006/math">
+                        <m:oMathParaPr>
+                          <m:jc m:val="centerGroup"/>
+                        </m:oMathParaPr>
+                        <m:oMath xmlns:m="http://schemas.openxmlformats.org/officeDocument/2006/math">
+                          <m:r>
+                            <a:rPr lang="en-US" sz="1600" i="1" smtClean="0">
+                              <a:latin typeface="Cambria Math" panose="02040503050406030204" pitchFamily="18" charset="0"/>
+                            </a:rPr>
+                            <m:t>𝑝</m:t>
+                          </m:r>
+                          <m:r>
+                            <a:rPr lang="en-US" sz="1600" b="0" i="1" smtClean="0">
+                              <a:latin typeface="Cambria Math" panose="02040503050406030204" pitchFamily="18" charset="0"/>
+                            </a:rPr>
+                            <m:t>(</m:t>
+                          </m:r>
+                          <m:r>
+                            <a:rPr lang="en-US" sz="1600" b="0" i="1" smtClean="0">
+                              <a:latin typeface="Cambria Math" panose="02040503050406030204" pitchFamily="18" charset="0"/>
+                            </a:rPr>
+                            <m:t>𝑠</m:t>
+                          </m:r>
+                          <m:r>
+                            <a:rPr lang="en-US" sz="1600" b="0" i="1" smtClean="0">
+                              <a:latin typeface="Cambria Math" panose="02040503050406030204" pitchFamily="18" charset="0"/>
+                            </a:rPr>
+                            <m:t>|</m:t>
+                          </m:r>
+                          <m:r>
+                            <a:rPr lang="en-US" sz="1600" b="0" i="1" smtClean="0">
+                              <a:latin typeface="Cambria Math" panose="02040503050406030204" pitchFamily="18" charset="0"/>
+                            </a:rPr>
+                            <m:t>𝑢</m:t>
+                          </m:r>
+                          <m:r>
+                            <a:rPr lang="en-US" sz="1600" b="0" i="1" smtClean="0">
+                              <a:latin typeface="Cambria Math" panose="02040503050406030204" pitchFamily="18" charset="0"/>
+                            </a:rPr>
+                            <m:t>)</m:t>
+                          </m:r>
+                        </m:oMath>
+                      </m:oMathPara>
+                    </a14:m>
+                    <a:endParaRPr lang="en-US" sz="1600" dirty="0"/>
+                  </a:p>
+                </p:txBody>
+              </p:sp>
+            </mc:Choice>
+            <mc:Fallback>
+              <p:sp>
+                <p:nvSpPr>
+                  <p:cNvPr id="27" name="TextBox 26">
+                    <a:extLst>
+                      <a:ext uri="{FF2B5EF4-FFF2-40B4-BE49-F238E27FC236}">
+                        <a16:creationId xmlns:a16="http://schemas.microsoft.com/office/drawing/2014/main" id="{033E9D97-A140-4CC4-B12D-C5582971C99B}"/>
+                      </a:ext>
+                    </a:extLst>
+                  </p:cNvPr>
+                  <p:cNvSpPr txBox="1">
+                    <a:spLocks noRot="1" noChangeAspect="1" noMove="1" noResize="1" noEditPoints="1" noAdjustHandles="1" noChangeArrowheads="1" noChangeShapeType="1" noTextEdit="1"/>
+                  </p:cNvSpPr>
+                  <p:nvPr/>
+                </p:nvSpPr>
+                <p:spPr>
+                  <a:xfrm>
+                    <a:off x="8837139" y="3323039"/>
+                    <a:ext cx="619465" cy="246221"/>
+                  </a:xfrm>
+                  <a:prstGeom prst="rect">
+                    <a:avLst/>
+                  </a:prstGeom>
+                  <a:blipFill>
+                    <a:blip r:embed="rId9"/>
+                    <a:stretch>
+                      <a:fillRect l="-8000" r="-10000" b="-35000"/>
+                    </a:stretch>
+                  </a:blipFill>
+                  <a:ln w="28575">
+                    <a:noFill/>
+                  </a:ln>
+                </p:spPr>
+                <p:txBody>
+                  <a:bodyPr/>
+                  <a:lstStyle/>
+                  <a:p>
+                    <a:r>
+                      <a:rPr lang="en-NL">
+                        <a:noFill/>
+                      </a:rPr>
+                      <a:t> </a:t>
+                    </a:r>
+                  </a:p>
+                </p:txBody>
+              </p:sp>
+            </mc:Fallback>
+          </mc:AlternateContent>
+          <mc:AlternateContent xmlns:mc="http://schemas.openxmlformats.org/markup-compatibility/2006">
+            <mc:Choice xmlns:a14="http://schemas.microsoft.com/office/drawing/2010/main" Requires="a14">
+              <p:sp>
+                <p:nvSpPr>
+                  <p:cNvPr id="26" name="TextBox 25">
+                    <a:extLst>
+                      <a:ext uri="{FF2B5EF4-FFF2-40B4-BE49-F238E27FC236}">
+                        <a16:creationId xmlns:a16="http://schemas.microsoft.com/office/drawing/2014/main" id="{77639390-F310-48DB-9906-A7EDFB707AFD}"/>
+                      </a:ext>
+                    </a:extLst>
+                  </p:cNvPr>
+                  <p:cNvSpPr txBox="1"/>
+                  <p:nvPr/>
+                </p:nvSpPr>
+                <p:spPr>
+                  <a:xfrm>
+                    <a:off x="8347092" y="2858588"/>
+                    <a:ext cx="454933" cy="246221"/>
+                  </a:xfrm>
+                  <a:prstGeom prst="rect">
+                    <a:avLst/>
+                  </a:prstGeom>
+                  <a:noFill/>
+                  <a:ln w="28575">
+                    <a:noFill/>
+                    <a:headEnd type="none" w="med" len="med"/>
+                    <a:tailEnd type="arrow" w="med" len="med"/>
+                  </a:ln>
+                </p:spPr>
+                <p:txBody>
+                  <a:bodyPr wrap="none" lIns="0" tIns="0" rIns="0" bIns="0" rtlCol="0">
+                    <a:spAutoFit/>
+                  </a:bodyPr>
+                  <a:lstStyle/>
+                  <a:p>
+                    <a:pPr/>
+                    <a14:m>
+                      <m:oMathPara xmlns:m="http://schemas.openxmlformats.org/officeDocument/2006/math">
+                        <m:oMathParaPr>
+                          <m:jc m:val="centerGroup"/>
+                        </m:oMathParaPr>
+                        <m:oMath xmlns:m="http://schemas.openxmlformats.org/officeDocument/2006/math">
+                          <m:r>
+                            <a:rPr lang="en-US" sz="1600" i="1" smtClean="0">
+                              <a:latin typeface="Cambria Math" panose="02040503050406030204" pitchFamily="18" charset="0"/>
+                            </a:rPr>
+                            <m:t>𝑝</m:t>
+                          </m:r>
+                          <m:r>
+                            <a:rPr lang="en-US" sz="1600" b="0" i="1" smtClean="0">
+                              <a:latin typeface="Cambria Math" panose="02040503050406030204" pitchFamily="18" charset="0"/>
+                            </a:rPr>
+                            <m:t>(</m:t>
+                          </m:r>
+                          <m:r>
+                            <a:rPr lang="en-US" sz="1600" b="0" i="1" smtClean="0">
+                              <a:latin typeface="Cambria Math" panose="02040503050406030204" pitchFamily="18" charset="0"/>
+                            </a:rPr>
+                            <m:t>𝑢</m:t>
+                          </m:r>
+                          <m:r>
+                            <a:rPr lang="en-US" sz="1600" b="0" i="1" smtClean="0">
+                              <a:latin typeface="Cambria Math" panose="02040503050406030204" pitchFamily="18" charset="0"/>
+                            </a:rPr>
+                            <m:t>)</m:t>
+                          </m:r>
+                        </m:oMath>
+                      </m:oMathPara>
+                    </a14:m>
+                    <a:endParaRPr lang="en-US" sz="1600" dirty="0"/>
+                  </a:p>
+                </p:txBody>
+              </p:sp>
+            </mc:Choice>
+            <mc:Fallback>
+              <p:sp>
+                <p:nvSpPr>
+                  <p:cNvPr id="26" name="TextBox 25">
+                    <a:extLst>
+                      <a:ext uri="{FF2B5EF4-FFF2-40B4-BE49-F238E27FC236}">
+                        <a16:creationId xmlns:a16="http://schemas.microsoft.com/office/drawing/2014/main" id="{77639390-F310-48DB-9906-A7EDFB707AFD}"/>
+                      </a:ext>
+                    </a:extLst>
+                  </p:cNvPr>
+                  <p:cNvSpPr txBox="1">
+                    <a:spLocks noRot="1" noChangeAspect="1" noMove="1" noResize="1" noEditPoints="1" noAdjustHandles="1" noChangeArrowheads="1" noChangeShapeType="1" noTextEdit="1"/>
+                  </p:cNvSpPr>
+                  <p:nvPr/>
+                </p:nvSpPr>
+                <p:spPr>
+                  <a:xfrm>
+                    <a:off x="8347092" y="2858588"/>
+                    <a:ext cx="454933" cy="246221"/>
+                  </a:xfrm>
+                  <a:prstGeom prst="rect">
+                    <a:avLst/>
+                  </a:prstGeom>
+                  <a:blipFill>
+                    <a:blip r:embed="rId10"/>
+                    <a:stretch>
+                      <a:fillRect l="-10811" r="-13514" b="-40000"/>
+                    </a:stretch>
+                  </a:blipFill>
+                  <a:ln w="28575">
+                    <a:noFill/>
+                    <a:headEnd type="none" w="med" len="med"/>
+                    <a:tailEnd type="arrow" w="med" len="med"/>
+                  </a:ln>
+                </p:spPr>
+                <p:txBody>
+                  <a:bodyPr/>
+                  <a:lstStyle/>
+                  <a:p>
+                    <a:r>
+                      <a:rPr lang="en-NL">
+                        <a:noFill/>
+                      </a:rPr>
+                      <a:t> </a:t>
+                    </a:r>
+                  </a:p>
+                </p:txBody>
+              </p:sp>
+            </mc:Fallback>
+          </mc:AlternateContent>
+          <mc:AlternateContent xmlns:mc="http://schemas.openxmlformats.org/markup-compatibility/2006">
+            <mc:Choice xmlns:a14="http://schemas.microsoft.com/office/drawing/2010/main" Requires="a14">
+              <p:sp>
+                <p:nvSpPr>
+                  <p:cNvPr id="28" name="TextBox 27">
+                    <a:extLst>
+                      <a:ext uri="{FF2B5EF4-FFF2-40B4-BE49-F238E27FC236}">
+                        <a16:creationId xmlns:a16="http://schemas.microsoft.com/office/drawing/2014/main" id="{D9245B2A-CCBE-4BAD-ABD6-55F03F5A734B}"/>
+                      </a:ext>
+                    </a:extLst>
+                  </p:cNvPr>
+                  <p:cNvSpPr txBox="1"/>
+                  <p:nvPr/>
+                </p:nvSpPr>
+                <p:spPr>
+                  <a:xfrm>
+                    <a:off x="8808559" y="4237439"/>
+                    <a:ext cx="612475" cy="246221"/>
+                  </a:xfrm>
+                  <a:prstGeom prst="rect">
+                    <a:avLst/>
+                  </a:prstGeom>
+                  <a:noFill/>
+                  <a:ln w="28575">
+                    <a:noFill/>
+                    <a:headEnd type="none" w="med" len="med"/>
+                    <a:tailEnd type="arrow" w="med" len="med"/>
+                  </a:ln>
+                </p:spPr>
+                <p:txBody>
+                  <a:bodyPr wrap="none" lIns="0" tIns="0" rIns="0" bIns="0" rtlCol="0">
+                    <a:spAutoFit/>
+                  </a:bodyPr>
+                  <a:lstStyle/>
+                  <a:p>
+                    <a:pPr/>
+                    <a14:m>
+                      <m:oMathPara xmlns:m="http://schemas.openxmlformats.org/officeDocument/2006/math">
+                        <m:oMathParaPr>
+                          <m:jc m:val="centerGroup"/>
+                        </m:oMathParaPr>
+                        <m:oMath xmlns:m="http://schemas.openxmlformats.org/officeDocument/2006/math">
+                          <m:r>
+                            <a:rPr lang="en-US" sz="1600" i="1" smtClean="0">
+                              <a:latin typeface="Cambria Math" panose="02040503050406030204" pitchFamily="18" charset="0"/>
+                            </a:rPr>
+                            <m:t>𝑝</m:t>
+                          </m:r>
+                          <m:r>
+                            <a:rPr lang="en-US" sz="1600" b="0" i="1" smtClean="0">
+                              <a:latin typeface="Cambria Math" panose="02040503050406030204" pitchFamily="18" charset="0"/>
+                            </a:rPr>
+                            <m:t>(</m:t>
+                          </m:r>
+                          <m:r>
+                            <a:rPr lang="en-US" sz="1600" b="0" i="1" smtClean="0">
+                              <a:latin typeface="Cambria Math" panose="02040503050406030204" pitchFamily="18" charset="0"/>
+                            </a:rPr>
+                            <m:t>𝑥</m:t>
+                          </m:r>
+                          <m:r>
+                            <a:rPr lang="en-US" sz="1600" b="0" i="1" smtClean="0">
+                              <a:latin typeface="Cambria Math" panose="02040503050406030204" pitchFamily="18" charset="0"/>
+                            </a:rPr>
+                            <m:t>|</m:t>
+                          </m:r>
+                          <m:r>
+                            <a:rPr lang="en-US" sz="1600" b="0" i="1" smtClean="0">
+                              <a:latin typeface="Cambria Math" panose="02040503050406030204" pitchFamily="18" charset="0"/>
+                            </a:rPr>
+                            <m:t>𝑠</m:t>
+                          </m:r>
+                          <m:r>
+                            <a:rPr lang="en-US" sz="1600" b="0" i="1" smtClean="0">
+                              <a:latin typeface="Cambria Math" panose="02040503050406030204" pitchFamily="18" charset="0"/>
+                            </a:rPr>
+                            <m:t>)</m:t>
+                          </m:r>
+                        </m:oMath>
+                      </m:oMathPara>
+                    </a14:m>
+                    <a:endParaRPr lang="en-US" sz="1600" dirty="0"/>
+                  </a:p>
+                </p:txBody>
+              </p:sp>
+            </mc:Choice>
+            <mc:Fallback>
+              <p:sp>
+                <p:nvSpPr>
+                  <p:cNvPr id="28" name="TextBox 27">
+                    <a:extLst>
+                      <a:ext uri="{FF2B5EF4-FFF2-40B4-BE49-F238E27FC236}">
+                        <a16:creationId xmlns:a16="http://schemas.microsoft.com/office/drawing/2014/main" id="{D9245B2A-CCBE-4BAD-ABD6-55F03F5A734B}"/>
+                      </a:ext>
+                    </a:extLst>
+                  </p:cNvPr>
+                  <p:cNvSpPr txBox="1">
+                    <a:spLocks noRot="1" noChangeAspect="1" noMove="1" noResize="1" noEditPoints="1" noAdjustHandles="1" noChangeArrowheads="1" noChangeShapeType="1" noTextEdit="1"/>
+                  </p:cNvSpPr>
+                  <p:nvPr/>
+                </p:nvSpPr>
+                <p:spPr>
+                  <a:xfrm>
+                    <a:off x="8808559" y="4237439"/>
+                    <a:ext cx="612475" cy="246221"/>
+                  </a:xfrm>
+                  <a:prstGeom prst="rect">
+                    <a:avLst/>
+                  </a:prstGeom>
+                  <a:blipFill>
+                    <a:blip r:embed="rId11"/>
+                    <a:stretch>
+                      <a:fillRect l="-8163" r="-10204" b="-35000"/>
+                    </a:stretch>
+                  </a:blipFill>
+                  <a:ln w="28575">
+                    <a:noFill/>
+                    <a:headEnd type="none" w="med" len="med"/>
+                    <a:tailEnd type="arrow" w="med" len="med"/>
+                  </a:ln>
+                </p:spPr>
+                <p:txBody>
+                  <a:bodyPr/>
+                  <a:lstStyle/>
+                  <a:p>
+                    <a:r>
+                      <a:rPr lang="en-NL">
+                        <a:noFill/>
+                      </a:rPr>
+                      <a:t> </a:t>
+                    </a:r>
+                  </a:p>
+                </p:txBody>
+              </p:sp>
+            </mc:Fallback>
+          </mc:AlternateContent>
+          <mc:AlternateContent xmlns:mc="http://schemas.openxmlformats.org/markup-compatibility/2006">
+            <mc:Choice xmlns:a14="http://schemas.microsoft.com/office/drawing/2010/main" Requires="a14">
+              <p:sp>
+                <p:nvSpPr>
+                  <p:cNvPr id="49" name="TextBox 48">
+                    <a:extLst>
+                      <a:ext uri="{FF2B5EF4-FFF2-40B4-BE49-F238E27FC236}">
+                        <a16:creationId xmlns:a16="http://schemas.microsoft.com/office/drawing/2014/main" id="{F24482B6-E4A3-4888-ACCE-0A783641DD5E}"/>
+                      </a:ext>
+                    </a:extLst>
+                  </p:cNvPr>
+                  <p:cNvSpPr txBox="1"/>
+                  <p:nvPr/>
+                </p:nvSpPr>
+                <p:spPr>
+                  <a:xfrm>
+                    <a:off x="9854747" y="5415587"/>
+                    <a:ext cx="161711" cy="246221"/>
+                  </a:xfrm>
+                  <a:prstGeom prst="rect">
+                    <a:avLst/>
+                  </a:prstGeom>
+                  <a:noFill/>
+                  <a:ln w="28575">
+                    <a:noFill/>
+                  </a:ln>
+                </p:spPr>
+                <p:txBody>
+                  <a:bodyPr wrap="none" lIns="0" tIns="0" rIns="0" bIns="0" rtlCol="0">
+                    <a:spAutoFit/>
+                  </a:bodyPr>
+                  <a:lstStyle/>
+                  <a:p>
+                    <a:pPr/>
+                    <a14:m>
+                      <m:oMathPara xmlns:m="http://schemas.openxmlformats.org/officeDocument/2006/math">
+                        <m:oMathParaPr>
+                          <m:jc m:val="centerGroup"/>
+                        </m:oMathParaPr>
+                        <m:oMath xmlns:m="http://schemas.openxmlformats.org/officeDocument/2006/math">
+                          <m:r>
+                            <a:rPr lang="en-US" sz="1600" i="1" smtClean="0">
+                              <a:latin typeface="Cambria Math" panose="02040503050406030204" pitchFamily="18" charset="0"/>
+                            </a:rPr>
+                            <m:t>𝑥</m:t>
+                          </m:r>
+                        </m:oMath>
+                      </m:oMathPara>
+                    </a14:m>
+                    <a:endParaRPr lang="en-US" sz="1600" dirty="0"/>
+                  </a:p>
+                </p:txBody>
+              </p:sp>
+            </mc:Choice>
+            <mc:Fallback>
+              <p:sp>
+                <p:nvSpPr>
+                  <p:cNvPr id="49" name="TextBox 48">
+                    <a:extLst>
+                      <a:ext uri="{FF2B5EF4-FFF2-40B4-BE49-F238E27FC236}">
+                        <a16:creationId xmlns:a16="http://schemas.microsoft.com/office/drawing/2014/main" id="{F24482B6-E4A3-4888-ACCE-0A783641DD5E}"/>
+                      </a:ext>
+                    </a:extLst>
+                  </p:cNvPr>
+                  <p:cNvSpPr txBox="1">
+                    <a:spLocks noRot="1" noChangeAspect="1" noMove="1" noResize="1" noEditPoints="1" noAdjustHandles="1" noChangeArrowheads="1" noChangeShapeType="1" noTextEdit="1"/>
+                  </p:cNvSpPr>
+                  <p:nvPr/>
+                </p:nvSpPr>
+                <p:spPr>
+                  <a:xfrm>
+                    <a:off x="9854747" y="5415587"/>
+                    <a:ext cx="161711" cy="246221"/>
+                  </a:xfrm>
+                  <a:prstGeom prst="rect">
+                    <a:avLst/>
+                  </a:prstGeom>
+                  <a:blipFill>
+                    <a:blip r:embed="rId12"/>
+                    <a:stretch>
+                      <a:fillRect l="-21429" r="-14286"/>
+                    </a:stretch>
+                  </a:blipFill>
+                  <a:ln w="28575">
+                    <a:noFill/>
+                  </a:ln>
+                </p:spPr>
+                <p:txBody>
+                  <a:bodyPr/>
+                  <a:lstStyle/>
+                  <a:p>
+                    <a:r>
+                      <a:rPr lang="en-NL">
+                        <a:noFill/>
+                      </a:rPr>
+                      <a:t> </a:t>
+                    </a:r>
+                  </a:p>
+                </p:txBody>
+              </p:sp>
+            </mc:Fallback>
+          </mc:AlternateContent>
+          <p:sp>
+            <p:nvSpPr>
+              <p:cNvPr id="61" name="TextBox 60">
+                <a:extLst>
+                  <a:ext uri="{FF2B5EF4-FFF2-40B4-BE49-F238E27FC236}">
+                    <a16:creationId xmlns:a16="http://schemas.microsoft.com/office/drawing/2014/main" id="{CA84D470-A9AB-47F0-97AE-31951AF2595D}"/>
                   </a:ext>
                 </a:extLst>
               </p:cNvPr>
@@ -3397,8 +5087,8 @@
             </p:nvSpPr>
             <p:spPr>
               <a:xfrm>
-                <a:off x="3466882" y="2459164"/>
-                <a:ext cx="568554" cy="553998"/>
+                <a:off x="10342180" y="3654586"/>
+                <a:ext cx="889346" cy="461665"/>
               </a:xfrm>
               <a:prstGeom prst="rect">
                 <a:avLst/>
@@ -3406,1977 +5096,185 @@
               <a:noFill/>
             </p:spPr>
             <p:txBody>
-              <a:bodyPr wrap="none" lIns="0" tIns="0" rIns="0" bIns="0" rtlCol="0">
+              <a:bodyPr wrap="none" rtlCol="0">
                 <a:spAutoFit/>
               </a:bodyPr>
               <a:lstStyle/>
               <a:p>
-                <a:pPr/>
-                <a14:m>
-                  <m:oMathPara xmlns:m="http://schemas.openxmlformats.org/officeDocument/2006/math">
-                    <m:oMathParaPr>
-                      <m:jc m:val="centerGroup"/>
-                    </m:oMathParaPr>
-                    <m:oMath xmlns:m="http://schemas.openxmlformats.org/officeDocument/2006/math">
-                      <m:sSub>
-                        <m:sSubPr>
-                          <m:ctrlPr>
-                            <a:rPr lang="en-US" sz="3600" i="1" smtClean="0">
-                              <a:latin typeface="Cambria Math" panose="02040503050406030204" pitchFamily="18" charset="0"/>
-                            </a:rPr>
-                          </m:ctrlPr>
-                        </m:sSubPr>
-                        <m:e>
-                          <m:r>
-                            <a:rPr lang="en-US" sz="3600" b="0" i="1" smtClean="0">
-                              <a:latin typeface="Cambria Math" panose="02040503050406030204" pitchFamily="18" charset="0"/>
-                            </a:rPr>
-                            <m:t>𝑅</m:t>
-                          </m:r>
-                        </m:e>
-                        <m:sub>
-                          <m:r>
-                            <a:rPr lang="en-US" sz="3600" b="0" i="1" smtClean="0">
-                              <a:latin typeface="Cambria Math" panose="02040503050406030204" pitchFamily="18" charset="0"/>
-                            </a:rPr>
-                            <m:t>𝑡</m:t>
-                          </m:r>
-                        </m:sub>
-                      </m:sSub>
-                    </m:oMath>
-                  </m:oMathPara>
-                </a14:m>
-                <a:endParaRPr lang="en-US" sz="3600" dirty="0"/>
-              </a:p>
-            </p:txBody>
-          </p:sp>
-        </mc:Choice>
-        <mc:Fallback xmlns="">
-          <p:sp>
-            <p:nvSpPr>
-              <p:cNvPr id="4" name="TextBox 3">
-                <a:extLst>
-                  <a:ext uri="{FF2B5EF4-FFF2-40B4-BE49-F238E27FC236}">
-                    <a16:creationId xmlns:a16="http://schemas.microsoft.com/office/drawing/2014/main" id="{D9FFFEC2-16DF-49B2-A346-93EE1BA029AB}"/>
-                  </a:ext>
-                </a:extLst>
-              </p:cNvPr>
-              <p:cNvSpPr txBox="1">
-                <a:spLocks noRot="1" noChangeAspect="1" noMove="1" noResize="1" noEditPoints="1" noAdjustHandles="1" noChangeArrowheads="1" noChangeShapeType="1" noTextEdit="1"/>
-              </p:cNvSpPr>
-              <p:nvPr/>
-            </p:nvSpPr>
-            <p:spPr>
-              <a:xfrm>
-                <a:off x="3466882" y="2459164"/>
-                <a:ext cx="568554" cy="553998"/>
-              </a:xfrm>
-              <a:prstGeom prst="rect">
-                <a:avLst/>
-              </a:prstGeom>
-              <a:blipFill>
-                <a:blip r:embed="rId2"/>
-                <a:stretch>
-                  <a:fillRect/>
-                </a:stretch>
-              </a:blipFill>
-            </p:spPr>
-            <p:txBody>
-              <a:bodyPr/>
-              <a:lstStyle/>
-              <a:p>
                 <a:r>
-                  <a:rPr lang="en-US">
-                    <a:noFill/>
-                  </a:rPr>
-                  <a:t> </a:t>
+                  <a:rPr lang="en-US" sz="2400" dirty="0"/>
+                  <a:t>agent</a:t>
                 </a:r>
               </a:p>
             </p:txBody>
           </p:sp>
-        </mc:Fallback>
-      </mc:AlternateContent>
-      <p:sp>
-        <p:nvSpPr>
-          <p:cNvPr id="7" name="Rectangle: Rounded Corners 6">
-            <a:extLst>
-              <a:ext uri="{FF2B5EF4-FFF2-40B4-BE49-F238E27FC236}">
-                <a16:creationId xmlns:a16="http://schemas.microsoft.com/office/drawing/2014/main" id="{8A77B262-ACD6-4581-AD69-CE5168D303F4}"/>
-              </a:ext>
-            </a:extLst>
-          </p:cNvPr>
-          <p:cNvSpPr/>
-          <p:nvPr/>
-        </p:nvSpPr>
-        <p:spPr>
-          <a:xfrm>
-            <a:off x="5106507" y="1162661"/>
-            <a:ext cx="1320800" cy="3139878"/>
-          </a:xfrm>
-          <a:prstGeom prst="roundRect">
-            <a:avLst/>
-          </a:prstGeom>
-          <a:solidFill>
-            <a:schemeClr val="bg1"/>
-          </a:solidFill>
-          <a:ln w="38100"/>
-        </p:spPr>
-        <p:style>
-          <a:lnRef idx="2">
-            <a:schemeClr val="accent1">
-              <a:shade val="50000"/>
-            </a:schemeClr>
-          </a:lnRef>
-          <a:fillRef idx="1">
-            <a:schemeClr val="accent1"/>
-          </a:fillRef>
-          <a:effectRef idx="0">
-            <a:schemeClr val="accent1"/>
-          </a:effectRef>
-          <a:fontRef idx="minor">
-            <a:schemeClr val="lt1"/>
-          </a:fontRef>
-        </p:style>
-        <p:txBody>
-          <a:bodyPr rtlCol="0" anchor="ctr"/>
-          <a:lstStyle/>
-          <a:p>
-            <a:pPr algn="ctr"/>
-            <a:endParaRPr lang="en-US"/>
-          </a:p>
-        </p:txBody>
-      </p:sp>
-      <p:cxnSp>
-        <p:nvCxnSpPr>
-          <p:cNvPr id="11" name="Connector: Elbow 10">
-            <a:extLst>
-              <a:ext uri="{FF2B5EF4-FFF2-40B4-BE49-F238E27FC236}">
-                <a16:creationId xmlns:a16="http://schemas.microsoft.com/office/drawing/2014/main" id="{32C6FBB2-D05D-478A-AF89-D3F2E4D5946B}"/>
-              </a:ext>
-            </a:extLst>
-          </p:cNvPr>
-          <p:cNvCxnSpPr>
-            <a:cxnSpLocks/>
-            <a:stCxn id="5" idx="4"/>
-            <a:endCxn id="7" idx="2"/>
-          </p:cNvCxnSpPr>
-          <p:nvPr/>
-        </p:nvCxnSpPr>
-        <p:spPr>
-          <a:xfrm rot="16200000" flipH="1">
-            <a:off x="4207268" y="2742899"/>
-            <a:ext cx="1103531" cy="2015748"/>
-          </a:xfrm>
-          <a:prstGeom prst="bentConnector3">
-            <a:avLst>
-              <a:gd name="adj1" fmla="val 131923"/>
-            </a:avLst>
-          </a:prstGeom>
-          <a:ln w="28575">
-            <a:solidFill>
-              <a:schemeClr val="tx1"/>
-            </a:solidFill>
-            <a:prstDash val="dash"/>
-            <a:headEnd type="none" w="med" len="med"/>
-            <a:tailEnd type="arrow" w="med" len="med"/>
-          </a:ln>
-        </p:spPr>
-        <p:style>
-          <a:lnRef idx="1">
-            <a:schemeClr val="accent1"/>
-          </a:lnRef>
-          <a:fillRef idx="0">
-            <a:schemeClr val="accent1"/>
-          </a:fillRef>
-          <a:effectRef idx="0">
-            <a:schemeClr val="accent1"/>
-          </a:effectRef>
-          <a:fontRef idx="minor">
-            <a:schemeClr val="tx1"/>
-          </a:fontRef>
-        </p:style>
-      </p:cxnSp>
-      <p:cxnSp>
-        <p:nvCxnSpPr>
-          <p:cNvPr id="13" name="Connector: Elbow 12">
-            <a:extLst>
-              <a:ext uri="{FF2B5EF4-FFF2-40B4-BE49-F238E27FC236}">
-                <a16:creationId xmlns:a16="http://schemas.microsoft.com/office/drawing/2014/main" id="{D5517E0C-AEA7-43CB-80BC-0C563FAE35EC}"/>
-              </a:ext>
-            </a:extLst>
-          </p:cNvPr>
-          <p:cNvCxnSpPr>
-            <a:cxnSpLocks/>
-            <a:stCxn id="7" idx="0"/>
-            <a:endCxn id="5" idx="0"/>
-          </p:cNvCxnSpPr>
-          <p:nvPr/>
-        </p:nvCxnSpPr>
-        <p:spPr>
-          <a:xfrm rot="16200000" flipH="1" flipV="1">
-            <a:off x="4198059" y="715760"/>
-            <a:ext cx="1121947" cy="2015748"/>
-          </a:xfrm>
-          <a:prstGeom prst="bentConnector3">
-            <a:avLst>
-              <a:gd name="adj1" fmla="val -20375"/>
-            </a:avLst>
-          </a:prstGeom>
-          <a:ln w="28575">
-            <a:solidFill>
-              <a:schemeClr val="tx1"/>
-            </a:solidFill>
-            <a:prstDash val="dash"/>
-            <a:headEnd type="none" w="med" len="med"/>
-            <a:tailEnd type="arrow" w="med" len="med"/>
-          </a:ln>
-        </p:spPr>
-        <p:style>
-          <a:lnRef idx="1">
-            <a:schemeClr val="accent1"/>
-          </a:lnRef>
-          <a:fillRef idx="0">
-            <a:schemeClr val="accent1"/>
-          </a:fillRef>
-          <a:effectRef idx="0">
-            <a:schemeClr val="accent1"/>
-          </a:effectRef>
-          <a:fontRef idx="minor">
-            <a:schemeClr val="tx1"/>
-          </a:fontRef>
-        </p:style>
-      </p:cxnSp>
-      <mc:AlternateContent xmlns:mc="http://schemas.openxmlformats.org/markup-compatibility/2006" xmlns:a14="http://schemas.microsoft.com/office/drawing/2010/main">
-        <mc:Choice Requires="a14">
-          <p:sp>
-            <p:nvSpPr>
-              <p:cNvPr id="14" name="TextBox 13">
-                <a:extLst>
-                  <a:ext uri="{FF2B5EF4-FFF2-40B4-BE49-F238E27FC236}">
-                    <a16:creationId xmlns:a16="http://schemas.microsoft.com/office/drawing/2014/main" id="{BC60B046-89CF-43DD-A839-837058AE4CE3}"/>
-                  </a:ext>
-                </a:extLst>
-              </p:cNvPr>
-              <p:cNvSpPr txBox="1"/>
-              <p:nvPr/>
-            </p:nvSpPr>
-            <p:spPr>
-              <a:xfrm>
-                <a:off x="3791556" y="1629495"/>
-                <a:ext cx="297774" cy="307777"/>
-              </a:xfrm>
-              <a:prstGeom prst="rect">
-                <a:avLst/>
-              </a:prstGeom>
-              <a:noFill/>
-            </p:spPr>
-            <p:txBody>
-              <a:bodyPr wrap="none" lIns="0" tIns="0" rIns="0" bIns="0" rtlCol="0">
-                <a:spAutoFit/>
-              </a:bodyPr>
-              <a:lstStyle/>
-              <a:p>
-                <a:pPr/>
-                <a14:m>
-                  <m:oMathPara xmlns:m="http://schemas.openxmlformats.org/officeDocument/2006/math">
-                    <m:oMathParaPr>
-                      <m:jc m:val="centerGroup"/>
-                    </m:oMathParaPr>
-                    <m:oMath xmlns:m="http://schemas.openxmlformats.org/officeDocument/2006/math">
-                      <m:sSub>
-                        <m:sSubPr>
-                          <m:ctrlPr>
-                            <a:rPr lang="en-US" sz="2000" i="1" smtClean="0">
-                              <a:latin typeface="Cambria Math" panose="02040503050406030204" pitchFamily="18" charset="0"/>
-                            </a:rPr>
-                          </m:ctrlPr>
-                        </m:sSubPr>
-                        <m:e>
-                          <m:r>
-                            <a:rPr lang="en-US" sz="2000" b="0" i="1" smtClean="0">
-                              <a:latin typeface="Cambria Math" panose="02040503050406030204" pitchFamily="18" charset="0"/>
-                            </a:rPr>
-                            <m:t>𝑎</m:t>
-                          </m:r>
-                        </m:e>
-                        <m:sub>
-                          <m:r>
-                            <a:rPr lang="en-US" sz="2000" b="0" i="1" smtClean="0">
-                              <a:latin typeface="Cambria Math" panose="02040503050406030204" pitchFamily="18" charset="0"/>
-                            </a:rPr>
-                            <m:t>𝑡</m:t>
-                          </m:r>
-                        </m:sub>
-                      </m:sSub>
-                    </m:oMath>
-                  </m:oMathPara>
-                </a14:m>
-                <a:endParaRPr lang="en-US" sz="2000" dirty="0"/>
-              </a:p>
-            </p:txBody>
-          </p:sp>
-        </mc:Choice>
-        <mc:Fallback xmlns="">
-          <p:sp>
-            <p:nvSpPr>
-              <p:cNvPr id="14" name="TextBox 13">
-                <a:extLst>
-                  <a:ext uri="{FF2B5EF4-FFF2-40B4-BE49-F238E27FC236}">
-                    <a16:creationId xmlns:a16="http://schemas.microsoft.com/office/drawing/2014/main" id="{BC60B046-89CF-43DD-A839-837058AE4CE3}"/>
-                  </a:ext>
-                </a:extLst>
-              </p:cNvPr>
-              <p:cNvSpPr txBox="1">
-                <a:spLocks noRot="1" noChangeAspect="1" noMove="1" noResize="1" noEditPoints="1" noAdjustHandles="1" noChangeArrowheads="1" noChangeShapeType="1" noTextEdit="1"/>
-              </p:cNvSpPr>
-              <p:nvPr/>
-            </p:nvSpPr>
-            <p:spPr>
-              <a:xfrm>
-                <a:off x="3791556" y="1629495"/>
-                <a:ext cx="297774" cy="307777"/>
-              </a:xfrm>
-              <a:prstGeom prst="rect">
-                <a:avLst/>
-              </a:prstGeom>
-              <a:blipFill>
-                <a:blip r:embed="rId3"/>
-                <a:stretch>
-                  <a:fillRect l="-12245" r="-6122" b="-13725"/>
-                </a:stretch>
-              </a:blipFill>
-            </p:spPr>
-            <p:txBody>
-              <a:bodyPr/>
-              <a:lstStyle/>
-              <a:p>
-                <a:r>
-                  <a:rPr lang="en-US">
+          <mc:AlternateContent xmlns:mc="http://schemas.openxmlformats.org/markup-compatibility/2006">
+            <mc:Choice xmlns:a14="http://schemas.microsoft.com/office/drawing/2010/main" Requires="a14">
+              <p:sp>
+                <p:nvSpPr>
+                  <p:cNvPr id="40" name="TextBox 39">
+                    <a:extLst>
+                      <a:ext uri="{FF2B5EF4-FFF2-40B4-BE49-F238E27FC236}">
+                        <a16:creationId xmlns:a16="http://schemas.microsoft.com/office/drawing/2014/main" id="{B3E4D3AE-59F2-694F-B9F6-7260728F6527}"/>
+                      </a:ext>
+                    </a:extLst>
+                  </p:cNvPr>
+                  <p:cNvSpPr txBox="1"/>
+                  <p:nvPr/>
+                </p:nvSpPr>
+                <p:spPr>
+                  <a:xfrm>
+                    <a:off x="8389196" y="5470453"/>
+                    <a:ext cx="447943" cy="246221"/>
+                  </a:xfrm>
+                  <a:prstGeom prst="rect">
+                    <a:avLst/>
+                  </a:prstGeom>
+                  <a:noFill/>
+                  <a:ln w="28575">
                     <a:noFill/>
-                  </a:rPr>
-                  <a:t> </a:t>
-                </a:r>
-              </a:p>
-            </p:txBody>
-          </p:sp>
-        </mc:Fallback>
-      </mc:AlternateContent>
-      <mc:AlternateContent xmlns:mc="http://schemas.openxmlformats.org/markup-compatibility/2006" xmlns:a14="http://schemas.microsoft.com/office/drawing/2010/main">
-        <mc:Choice Requires="a14">
-          <p:sp>
-            <p:nvSpPr>
-              <p:cNvPr id="15" name="TextBox 14">
-                <a:extLst>
-                  <a:ext uri="{FF2B5EF4-FFF2-40B4-BE49-F238E27FC236}">
-                    <a16:creationId xmlns:a16="http://schemas.microsoft.com/office/drawing/2014/main" id="{135D4F7E-0DD7-4502-B87B-4A87EB82E6B0}"/>
-                  </a:ext>
-                </a:extLst>
-              </p:cNvPr>
-              <p:cNvSpPr txBox="1"/>
-              <p:nvPr/>
-            </p:nvSpPr>
-            <p:spPr>
-              <a:xfrm>
-                <a:off x="3874791" y="3779318"/>
-                <a:ext cx="297774" cy="307777"/>
-              </a:xfrm>
-              <a:prstGeom prst="rect">
-                <a:avLst/>
-              </a:prstGeom>
-              <a:noFill/>
-            </p:spPr>
-            <p:txBody>
-              <a:bodyPr wrap="none" lIns="0" tIns="0" rIns="0" bIns="0" rtlCol="0">
-                <a:spAutoFit/>
-              </a:bodyPr>
-              <a:lstStyle/>
-              <a:p>
-                <a:pPr/>
-                <a14:m>
-                  <m:oMathPara xmlns:m="http://schemas.openxmlformats.org/officeDocument/2006/math">
-                    <m:oMathParaPr>
-                      <m:jc m:val="centerGroup"/>
-                    </m:oMathParaPr>
-                    <m:oMath xmlns:m="http://schemas.openxmlformats.org/officeDocument/2006/math">
-                      <m:sSub>
-                        <m:sSubPr>
-                          <m:ctrlPr>
-                            <a:rPr lang="en-US" sz="2000" i="1" smtClean="0">
-                              <a:latin typeface="Cambria Math" panose="02040503050406030204" pitchFamily="18" charset="0"/>
-                            </a:rPr>
-                          </m:ctrlPr>
-                        </m:sSubPr>
-                        <m:e>
-                          <m:r>
-                            <a:rPr lang="en-US" sz="2000" b="0" i="1" smtClean="0">
-                              <a:latin typeface="Cambria Math" panose="02040503050406030204" pitchFamily="18" charset="0"/>
-                            </a:rPr>
-                            <m:t>𝑦</m:t>
-                          </m:r>
-                        </m:e>
-                        <m:sub>
-                          <m:r>
-                            <a:rPr lang="en-US" sz="2000" b="0" i="1" smtClean="0">
-                              <a:latin typeface="Cambria Math" panose="02040503050406030204" pitchFamily="18" charset="0"/>
-                            </a:rPr>
-                            <m:t>𝑡</m:t>
-                          </m:r>
-                        </m:sub>
-                      </m:sSub>
-                    </m:oMath>
-                  </m:oMathPara>
-                </a14:m>
-                <a:endParaRPr lang="en-US" sz="2000" dirty="0"/>
-              </a:p>
-            </p:txBody>
-          </p:sp>
-        </mc:Choice>
-        <mc:Fallback xmlns="">
-          <p:sp>
-            <p:nvSpPr>
-              <p:cNvPr id="15" name="TextBox 14">
-                <a:extLst>
-                  <a:ext uri="{FF2B5EF4-FFF2-40B4-BE49-F238E27FC236}">
-                    <a16:creationId xmlns:a16="http://schemas.microsoft.com/office/drawing/2014/main" id="{135D4F7E-0DD7-4502-B87B-4A87EB82E6B0}"/>
-                  </a:ext>
-                </a:extLst>
-              </p:cNvPr>
-              <p:cNvSpPr txBox="1">
-                <a:spLocks noRot="1" noChangeAspect="1" noMove="1" noResize="1" noEditPoints="1" noAdjustHandles="1" noChangeArrowheads="1" noChangeShapeType="1" noTextEdit="1"/>
-              </p:cNvSpPr>
-              <p:nvPr/>
-            </p:nvSpPr>
-            <p:spPr>
-              <a:xfrm>
-                <a:off x="3874791" y="3779318"/>
-                <a:ext cx="297774" cy="307777"/>
-              </a:xfrm>
-              <a:prstGeom prst="rect">
-                <a:avLst/>
-              </a:prstGeom>
-              <a:blipFill>
-                <a:blip r:embed="rId4"/>
-                <a:stretch>
-                  <a:fillRect l="-20833" r="-8333" b="-26000"/>
-                </a:stretch>
-              </a:blipFill>
-            </p:spPr>
-            <p:txBody>
-              <a:bodyPr/>
-              <a:lstStyle/>
-              <a:p>
-                <a:r>
-                  <a:rPr lang="en-US">
-                    <a:noFill/>
-                  </a:rPr>
-                  <a:t> </a:t>
-                </a:r>
-              </a:p>
-            </p:txBody>
-          </p:sp>
-        </mc:Fallback>
-      </mc:AlternateContent>
-      <p:sp>
-        <p:nvSpPr>
-          <p:cNvPr id="16" name="Freeform: Shape 15">
-            <a:extLst>
-              <a:ext uri="{FF2B5EF4-FFF2-40B4-BE49-F238E27FC236}">
-                <a16:creationId xmlns:a16="http://schemas.microsoft.com/office/drawing/2014/main" id="{A0BFD85B-B5DA-410F-97B5-6753FDBD1E3C}"/>
-              </a:ext>
-            </a:extLst>
-          </p:cNvPr>
-          <p:cNvSpPr/>
-          <p:nvPr/>
-        </p:nvSpPr>
-        <p:spPr>
-          <a:xfrm>
-            <a:off x="3011244" y="2166736"/>
-            <a:ext cx="481629" cy="1125035"/>
-          </a:xfrm>
-          <a:custGeom>
-            <a:avLst/>
-            <a:gdLst>
-              <a:gd name="connsiteX0" fmla="*/ 636104 w 653774"/>
-              <a:gd name="connsiteY0" fmla="*/ 192965 h 1199696"/>
-              <a:gd name="connsiteX1" fmla="*/ 344557 w 653774"/>
-              <a:gd name="connsiteY1" fmla="*/ 16270 h 1199696"/>
-              <a:gd name="connsiteX2" fmla="*/ 0 w 653774"/>
-              <a:gd name="connsiteY2" fmla="*/ 555192 h 1199696"/>
-              <a:gd name="connsiteX3" fmla="*/ 344557 w 653774"/>
-              <a:gd name="connsiteY3" fmla="*/ 1182461 h 1199696"/>
-              <a:gd name="connsiteX4" fmla="*/ 653774 w 653774"/>
-              <a:gd name="connsiteY4" fmla="*/ 1036687 h 1199696"/>
-              <a:gd name="connsiteX5" fmla="*/ 653774 w 653774"/>
-              <a:gd name="connsiteY5" fmla="*/ 1036687 h 1199696"/>
-            </a:gdLst>
-            <a:ahLst/>
-            <a:cxnLst>
-              <a:cxn ang="0">
-                <a:pos x="connsiteX0" y="connsiteY0"/>
-              </a:cxn>
-              <a:cxn ang="0">
-                <a:pos x="connsiteX1" y="connsiteY1"/>
-              </a:cxn>
-              <a:cxn ang="0">
-                <a:pos x="connsiteX2" y="connsiteY2"/>
-              </a:cxn>
-              <a:cxn ang="0">
-                <a:pos x="connsiteX3" y="connsiteY3"/>
-              </a:cxn>
-              <a:cxn ang="0">
-                <a:pos x="connsiteX4" y="connsiteY4"/>
-              </a:cxn>
-              <a:cxn ang="0">
-                <a:pos x="connsiteX5" y="connsiteY5"/>
-              </a:cxn>
-            </a:cxnLst>
-            <a:rect l="l" t="t" r="r" b="b"/>
-            <a:pathLst>
-              <a:path w="653774" h="1199696">
-                <a:moveTo>
-                  <a:pt x="636104" y="192965"/>
-                </a:moveTo>
-                <a:cubicBezTo>
-                  <a:pt x="543339" y="74432"/>
-                  <a:pt x="450574" y="-44101"/>
-                  <a:pt x="344557" y="16270"/>
-                </a:cubicBezTo>
-                <a:cubicBezTo>
-                  <a:pt x="238540" y="76641"/>
-                  <a:pt x="0" y="360827"/>
-                  <a:pt x="0" y="555192"/>
-                </a:cubicBezTo>
-                <a:cubicBezTo>
-                  <a:pt x="0" y="749557"/>
-                  <a:pt x="235595" y="1102212"/>
-                  <a:pt x="344557" y="1182461"/>
-                </a:cubicBezTo>
-                <a:cubicBezTo>
-                  <a:pt x="453519" y="1262710"/>
-                  <a:pt x="653774" y="1036687"/>
-                  <a:pt x="653774" y="1036687"/>
-                </a:cubicBezTo>
-                <a:lnTo>
-                  <a:pt x="653774" y="1036687"/>
-                </a:lnTo>
-              </a:path>
-            </a:pathLst>
-          </a:custGeom>
-          <a:noFill/>
-          <a:ln w="28575">
-            <a:prstDash val="solid"/>
-            <a:headEnd type="none" w="med" len="med"/>
-            <a:tailEnd type="arrow" w="med" len="med"/>
-          </a:ln>
-        </p:spPr>
-        <p:style>
-          <a:lnRef idx="2">
-            <a:schemeClr val="accent1">
-              <a:shade val="50000"/>
-            </a:schemeClr>
-          </a:lnRef>
-          <a:fillRef idx="1">
-            <a:schemeClr val="accent1"/>
-          </a:fillRef>
-          <a:effectRef idx="0">
-            <a:schemeClr val="accent1"/>
-          </a:effectRef>
-          <a:fontRef idx="minor">
-            <a:schemeClr val="lt1"/>
-          </a:fontRef>
-        </p:style>
-        <p:txBody>
-          <a:bodyPr rtlCol="0" anchor="ctr"/>
-          <a:lstStyle/>
-          <a:p>
-            <a:pPr algn="ctr"/>
-            <a:endParaRPr lang="en-US"/>
-          </a:p>
-        </p:txBody>
-      </p:sp>
-      <mc:AlternateContent xmlns:mc="http://schemas.openxmlformats.org/markup-compatibility/2006" xmlns:a14="http://schemas.microsoft.com/office/drawing/2010/main">
-        <mc:Choice Requires="a14">
-          <p:sp>
-            <p:nvSpPr>
-              <p:cNvPr id="17" name="TextBox 16">
-                <a:extLst>
-                  <a:ext uri="{FF2B5EF4-FFF2-40B4-BE49-F238E27FC236}">
-                    <a16:creationId xmlns:a16="http://schemas.microsoft.com/office/drawing/2014/main" id="{F985825B-3BCB-4D41-AE79-2AE5DAF2FF90}"/>
-                  </a:ext>
-                </a:extLst>
-              </p:cNvPr>
-              <p:cNvSpPr txBox="1"/>
-              <p:nvPr/>
-            </p:nvSpPr>
-            <p:spPr>
-              <a:xfrm>
-                <a:off x="2945992" y="3045118"/>
-                <a:ext cx="267445" cy="307777"/>
-              </a:xfrm>
-              <a:prstGeom prst="rect">
-                <a:avLst/>
-              </a:prstGeom>
-              <a:noFill/>
-            </p:spPr>
-            <p:txBody>
-              <a:bodyPr wrap="none" lIns="0" tIns="0" rIns="0" bIns="0" rtlCol="0">
-                <a:spAutoFit/>
-              </a:bodyPr>
-              <a:lstStyle/>
-              <a:p>
-                <a:pPr/>
-                <a14:m>
-                  <m:oMathPara xmlns:m="http://schemas.openxmlformats.org/officeDocument/2006/math">
-                    <m:oMathParaPr>
-                      <m:jc m:val="centerGroup"/>
-                    </m:oMathParaPr>
-                    <m:oMath xmlns:m="http://schemas.openxmlformats.org/officeDocument/2006/math">
-                      <m:sSub>
-                        <m:sSubPr>
-                          <m:ctrlPr>
-                            <a:rPr lang="en-US" sz="2000" i="1" smtClean="0">
-                              <a:latin typeface="Cambria Math" panose="02040503050406030204" pitchFamily="18" charset="0"/>
-                            </a:rPr>
-                          </m:ctrlPr>
-                        </m:sSubPr>
-                        <m:e>
+                    <a:headEnd type="none" w="med" len="med"/>
+                    <a:tailEnd type="arrow" w="med" len="med"/>
+                  </a:ln>
+                </p:spPr>
+                <p:txBody>
+                  <a:bodyPr wrap="none" lIns="0" tIns="0" rIns="0" bIns="0" rtlCol="0">
+                    <a:spAutoFit/>
+                  </a:bodyPr>
+                  <a:lstStyle/>
+                  <a:p>
+                    <a:pPr/>
+                    <a14:m>
+                      <m:oMathPara xmlns:m="http://schemas.openxmlformats.org/officeDocument/2006/math">
+                        <m:oMathParaPr>
+                          <m:jc m:val="centerGroup"/>
+                        </m:oMathParaPr>
+                        <m:oMath xmlns:m="http://schemas.openxmlformats.org/officeDocument/2006/math">
                           <m:acc>
                             <m:accPr>
                               <m:chr m:val="̃"/>
                               <m:ctrlPr>
-                                <a:rPr lang="en-US" sz="2000" i="1" smtClean="0">
+                                <a:rPr lang="en-US" sz="1600" i="1" smtClean="0">
+                                  <a:solidFill>
+                                    <a:srgbClr val="FF0000"/>
+                                  </a:solidFill>
                                   <a:latin typeface="Cambria Math" panose="02040503050406030204" pitchFamily="18" charset="0"/>
                                 </a:rPr>
                               </m:ctrlPr>
                             </m:accPr>
                             <m:e>
                               <m:r>
-                                <a:rPr lang="en-US" sz="2000" b="0" i="1" smtClean="0">
+                                <a:rPr lang="en-US" sz="1600" b="0" i="1" smtClean="0">
+                                  <a:solidFill>
+                                    <a:srgbClr val="FF0000"/>
+                                  </a:solidFill>
                                   <a:latin typeface="Cambria Math" panose="02040503050406030204" pitchFamily="18" charset="0"/>
                                 </a:rPr>
-                                <m:t>𝑠</m:t>
+                                <m:t>𝑝</m:t>
                               </m:r>
                             </m:e>
                           </m:acc>
-                        </m:e>
-                        <m:sub>
                           <m:r>
-                            <a:rPr lang="en-US" sz="2000" b="0" i="1" smtClean="0">
+                            <a:rPr lang="en-US" sz="1600" b="0" i="1" smtClean="0">
+                              <a:solidFill>
+                                <a:srgbClr val="FF0000"/>
+                              </a:solidFill>
                               <a:latin typeface="Cambria Math" panose="02040503050406030204" pitchFamily="18" charset="0"/>
                             </a:rPr>
-                            <m:t>𝑡</m:t>
+                            <m:t>(</m:t>
                           </m:r>
-                        </m:sub>
-                      </m:sSub>
-                    </m:oMath>
-                  </m:oMathPara>
-                </a14:m>
-                <a:endParaRPr lang="en-US" sz="2000" dirty="0"/>
-              </a:p>
-            </p:txBody>
-          </p:sp>
-        </mc:Choice>
-        <mc:Fallback xmlns="">
+                          <m:r>
+                            <a:rPr lang="en-US" sz="1600" b="0" i="1" smtClean="0">
+                              <a:solidFill>
+                                <a:srgbClr val="FF0000"/>
+                              </a:solidFill>
+                              <a:latin typeface="Cambria Math" panose="02040503050406030204" pitchFamily="18" charset="0"/>
+                            </a:rPr>
+                            <m:t>𝑥</m:t>
+                          </m:r>
+                          <m:r>
+                            <a:rPr lang="en-US" sz="1600" b="0" i="1" smtClean="0">
+                              <a:solidFill>
+                                <a:srgbClr val="FF0000"/>
+                              </a:solidFill>
+                              <a:latin typeface="Cambria Math" panose="02040503050406030204" pitchFamily="18" charset="0"/>
+                            </a:rPr>
+                            <m:t>)</m:t>
+                          </m:r>
+                        </m:oMath>
+                      </m:oMathPara>
+                    </a14:m>
+                    <a:endParaRPr lang="en-US" sz="1600" dirty="0"/>
+                  </a:p>
+                </p:txBody>
+              </p:sp>
+            </mc:Choice>
+            <mc:Fallback>
+              <p:sp>
+                <p:nvSpPr>
+                  <p:cNvPr id="40" name="TextBox 39">
+                    <a:extLst>
+                      <a:ext uri="{FF2B5EF4-FFF2-40B4-BE49-F238E27FC236}">
+                        <a16:creationId xmlns:a16="http://schemas.microsoft.com/office/drawing/2014/main" id="{B3E4D3AE-59F2-694F-B9F6-7260728F6527}"/>
+                      </a:ext>
+                    </a:extLst>
+                  </p:cNvPr>
+                  <p:cNvSpPr txBox="1">
+                    <a:spLocks noRot="1" noChangeAspect="1" noMove="1" noResize="1" noEditPoints="1" noAdjustHandles="1" noChangeArrowheads="1" noChangeShapeType="1" noTextEdit="1"/>
+                  </p:cNvSpPr>
+                  <p:nvPr/>
+                </p:nvSpPr>
+                <p:spPr>
+                  <a:xfrm>
+                    <a:off x="8389196" y="5470453"/>
+                    <a:ext cx="447943" cy="246221"/>
+                  </a:xfrm>
+                  <a:prstGeom prst="rect">
+                    <a:avLst/>
+                  </a:prstGeom>
+                  <a:blipFill>
+                    <a:blip r:embed="rId13"/>
+                    <a:stretch>
+                      <a:fillRect l="-11111" t="-5000" r="-13889" b="-35000"/>
+                    </a:stretch>
+                  </a:blipFill>
+                  <a:ln w="28575">
+                    <a:noFill/>
+                    <a:headEnd type="none" w="med" len="med"/>
+                    <a:tailEnd type="arrow" w="med" len="med"/>
+                  </a:ln>
+                </p:spPr>
+                <p:txBody>
+                  <a:bodyPr/>
+                  <a:lstStyle/>
+                  <a:p>
+                    <a:r>
+                      <a:rPr lang="en-NL">
+                        <a:noFill/>
+                      </a:rPr>
+                      <a:t> </a:t>
+                    </a:r>
+                  </a:p>
+                </p:txBody>
+              </p:sp>
+            </mc:Fallback>
+          </mc:AlternateContent>
           <p:sp>
             <p:nvSpPr>
-              <p:cNvPr id="17" name="TextBox 16">
+              <p:cNvPr id="24" name="Rectangle 23">
                 <a:extLst>
                   <a:ext uri="{FF2B5EF4-FFF2-40B4-BE49-F238E27FC236}">
-                    <a16:creationId xmlns:a16="http://schemas.microsoft.com/office/drawing/2014/main" id="{F985825B-3BCB-4D41-AE79-2AE5DAF2FF90}"/>
+                    <a16:creationId xmlns:a16="http://schemas.microsoft.com/office/drawing/2014/main" id="{537471D1-87CA-D544-A9B6-8447EAA2E6F4}"/>
                   </a:ext>
                 </a:extLst>
               </p:cNvPr>
-              <p:cNvSpPr txBox="1">
-                <a:spLocks noRot="1" noChangeAspect="1" noMove="1" noResize="1" noEditPoints="1" noAdjustHandles="1" noChangeArrowheads="1" noChangeShapeType="1" noTextEdit="1"/>
-              </p:cNvSpPr>
+              <p:cNvSpPr/>
               <p:nvPr/>
             </p:nvSpPr>
             <p:spPr>
               <a:xfrm>
-                <a:off x="2945992" y="3045118"/>
-                <a:ext cx="267445" cy="307777"/>
-              </a:xfrm>
-              <a:prstGeom prst="rect">
-                <a:avLst/>
-              </a:prstGeom>
-              <a:blipFill>
-                <a:blip r:embed="rId5"/>
-                <a:stretch>
-                  <a:fillRect l="-11364" t="-4000" r="-77273" b="-16000"/>
-                </a:stretch>
-              </a:blipFill>
-            </p:spPr>
-            <p:txBody>
-              <a:bodyPr/>
-              <a:lstStyle/>
-              <a:p>
-                <a:r>
-                  <a:rPr lang="en-US">
-                    <a:noFill/>
-                  </a:rPr>
-                  <a:t> </a:t>
-                </a:r>
-              </a:p>
-            </p:txBody>
-          </p:sp>
-        </mc:Fallback>
-      </mc:AlternateContent>
-      <mc:AlternateContent xmlns:mc="http://schemas.openxmlformats.org/markup-compatibility/2006" xmlns:a14="http://schemas.microsoft.com/office/drawing/2010/main">
-        <mc:Choice Requires="a14">
-          <p:sp>
-            <p:nvSpPr>
-              <p:cNvPr id="25" name="TextBox 24">
-                <a:extLst>
-                  <a:ext uri="{FF2B5EF4-FFF2-40B4-BE49-F238E27FC236}">
-                    <a16:creationId xmlns:a16="http://schemas.microsoft.com/office/drawing/2014/main" id="{1EE737C3-F1F5-4E8A-92B7-8B82A0440B77}"/>
-                  </a:ext>
-                </a:extLst>
-              </p:cNvPr>
-              <p:cNvSpPr txBox="1"/>
-              <p:nvPr/>
-            </p:nvSpPr>
-            <p:spPr>
-              <a:xfrm>
-                <a:off x="5828009" y="2139040"/>
-                <a:ext cx="168700" cy="246221"/>
-              </a:xfrm>
-              <a:prstGeom prst="rect">
-                <a:avLst/>
-              </a:prstGeom>
-              <a:noFill/>
-            </p:spPr>
-            <p:txBody>
-              <a:bodyPr wrap="none" lIns="0" tIns="0" rIns="0" bIns="0" rtlCol="0">
-                <a:spAutoFit/>
-              </a:bodyPr>
-              <a:lstStyle/>
-              <a:p>
-                <a:pPr/>
-                <a14:m>
-                  <m:oMathPara xmlns:m="http://schemas.openxmlformats.org/officeDocument/2006/math">
-                    <m:oMathParaPr>
-                      <m:jc m:val="centerGroup"/>
-                    </m:oMathParaPr>
-                    <m:oMath xmlns:m="http://schemas.openxmlformats.org/officeDocument/2006/math">
-                      <m:r>
-                        <a:rPr lang="en-US" sz="1600" i="1" smtClean="0">
-                          <a:latin typeface="Cambria Math" panose="02040503050406030204" pitchFamily="18" charset="0"/>
-                        </a:rPr>
-                        <m:t>𝑢</m:t>
-                      </m:r>
-                    </m:oMath>
-                  </m:oMathPara>
-                </a14:m>
-                <a:endParaRPr lang="en-US" sz="1600" dirty="0"/>
-              </a:p>
-            </p:txBody>
-          </p:sp>
-        </mc:Choice>
-        <mc:Fallback xmlns="">
-          <p:sp>
-            <p:nvSpPr>
-              <p:cNvPr id="25" name="TextBox 24">
-                <a:extLst>
-                  <a:ext uri="{FF2B5EF4-FFF2-40B4-BE49-F238E27FC236}">
-                    <a16:creationId xmlns:a16="http://schemas.microsoft.com/office/drawing/2014/main" id="{1EE737C3-F1F5-4E8A-92B7-8B82A0440B77}"/>
-                  </a:ext>
-                </a:extLst>
-              </p:cNvPr>
-              <p:cNvSpPr txBox="1">
-                <a:spLocks noRot="1" noChangeAspect="1" noMove="1" noResize="1" noEditPoints="1" noAdjustHandles="1" noChangeArrowheads="1" noChangeShapeType="1" noTextEdit="1"/>
-              </p:cNvSpPr>
-              <p:nvPr/>
-            </p:nvSpPr>
-            <p:spPr>
-              <a:xfrm>
-                <a:off x="5828009" y="2139040"/>
-                <a:ext cx="168700" cy="246221"/>
-              </a:xfrm>
-              <a:prstGeom prst="rect">
-                <a:avLst/>
-              </a:prstGeom>
-              <a:blipFill>
-                <a:blip r:embed="rId6"/>
-                <a:stretch>
-                  <a:fillRect l="-14286" r="-14286"/>
-                </a:stretch>
-              </a:blipFill>
-            </p:spPr>
-            <p:txBody>
-              <a:bodyPr/>
-              <a:lstStyle/>
-              <a:p>
-                <a:r>
-                  <a:rPr lang="en-US">
-                    <a:noFill/>
-                  </a:rPr>
-                  <a:t> </a:t>
-                </a:r>
-              </a:p>
-            </p:txBody>
-          </p:sp>
-        </mc:Fallback>
-      </mc:AlternateContent>
-      <p:sp>
-        <p:nvSpPr>
-          <p:cNvPr id="29" name="Oval 28">
-            <a:extLst>
-              <a:ext uri="{FF2B5EF4-FFF2-40B4-BE49-F238E27FC236}">
-                <a16:creationId xmlns:a16="http://schemas.microsoft.com/office/drawing/2014/main" id="{18C14A3A-2D80-4834-B5BF-3ED0738B3E32}"/>
-              </a:ext>
-            </a:extLst>
-          </p:cNvPr>
-          <p:cNvSpPr/>
-          <p:nvPr/>
-        </p:nvSpPr>
-        <p:spPr>
-          <a:xfrm>
-            <a:off x="5357131" y="2526479"/>
-            <a:ext cx="833063" cy="477440"/>
-          </a:xfrm>
-          <a:prstGeom prst="ellipse">
-            <a:avLst/>
-          </a:prstGeom>
-          <a:solidFill>
-            <a:schemeClr val="accent1">
-              <a:lumMod val="20000"/>
-              <a:lumOff val="80000"/>
-            </a:schemeClr>
-          </a:solidFill>
-        </p:spPr>
-        <p:style>
-          <a:lnRef idx="2">
-            <a:schemeClr val="accent1">
-              <a:shade val="50000"/>
-            </a:schemeClr>
-          </a:lnRef>
-          <a:fillRef idx="1">
-            <a:schemeClr val="accent1"/>
-          </a:fillRef>
-          <a:effectRef idx="0">
-            <a:schemeClr val="accent1"/>
-          </a:effectRef>
-          <a:fontRef idx="minor">
-            <a:schemeClr val="lt1"/>
-          </a:fontRef>
-        </p:style>
-        <p:txBody>
-          <a:bodyPr rtlCol="0" anchor="ctr"/>
-          <a:lstStyle/>
-          <a:p>
-            <a:pPr algn="ctr"/>
-            <a:endParaRPr lang="en-US" sz="1600"/>
-          </a:p>
-        </p:txBody>
-      </p:sp>
-      <p:sp>
-        <p:nvSpPr>
-          <p:cNvPr id="30" name="Oval 29">
-            <a:extLst>
-              <a:ext uri="{FF2B5EF4-FFF2-40B4-BE49-F238E27FC236}">
-                <a16:creationId xmlns:a16="http://schemas.microsoft.com/office/drawing/2014/main" id="{67BD36DC-9425-445A-8AB4-8F37FF560B15}"/>
-              </a:ext>
-            </a:extLst>
-          </p:cNvPr>
-          <p:cNvSpPr/>
-          <p:nvPr/>
-        </p:nvSpPr>
-        <p:spPr>
-          <a:xfrm>
-            <a:off x="5357131" y="1652701"/>
-            <a:ext cx="833063" cy="477440"/>
-          </a:xfrm>
-          <a:prstGeom prst="ellipse">
-            <a:avLst/>
-          </a:prstGeom>
-          <a:solidFill>
-            <a:schemeClr val="accent1">
-              <a:lumMod val="20000"/>
-              <a:lumOff val="80000"/>
-            </a:schemeClr>
-          </a:solidFill>
-        </p:spPr>
-        <p:style>
-          <a:lnRef idx="2">
-            <a:schemeClr val="accent1">
-              <a:shade val="50000"/>
-            </a:schemeClr>
-          </a:lnRef>
-          <a:fillRef idx="1">
-            <a:schemeClr val="accent1"/>
-          </a:fillRef>
-          <a:effectRef idx="0">
-            <a:schemeClr val="accent1"/>
-          </a:effectRef>
-          <a:fontRef idx="minor">
-            <a:schemeClr val="lt1"/>
-          </a:fontRef>
-        </p:style>
-        <p:txBody>
-          <a:bodyPr rtlCol="0" anchor="ctr"/>
-          <a:lstStyle/>
-          <a:p>
-            <a:pPr algn="ctr"/>
-            <a:endParaRPr lang="en-US" sz="1600"/>
-          </a:p>
-        </p:txBody>
-      </p:sp>
-      <mc:AlternateContent xmlns:mc="http://schemas.openxmlformats.org/markup-compatibility/2006" xmlns:a14="http://schemas.microsoft.com/office/drawing/2010/main">
-        <mc:Choice Requires="a14">
-          <p:sp>
-            <p:nvSpPr>
-              <p:cNvPr id="27" name="TextBox 26">
-                <a:extLst>
-                  <a:ext uri="{FF2B5EF4-FFF2-40B4-BE49-F238E27FC236}">
-                    <a16:creationId xmlns:a16="http://schemas.microsoft.com/office/drawing/2014/main" id="{033E9D97-A140-4CC4-B12D-C5582971C99B}"/>
-                  </a:ext>
-                </a:extLst>
-              </p:cNvPr>
-              <p:cNvSpPr txBox="1"/>
-              <p:nvPr/>
-            </p:nvSpPr>
-            <p:spPr>
-              <a:xfrm>
-                <a:off x="5509835" y="2625844"/>
-                <a:ext cx="619465" cy="246221"/>
-              </a:xfrm>
-              <a:prstGeom prst="rect">
-                <a:avLst/>
-              </a:prstGeom>
-              <a:noFill/>
-            </p:spPr>
-            <p:txBody>
-              <a:bodyPr wrap="none" lIns="0" tIns="0" rIns="0" bIns="0" rtlCol="0">
-                <a:spAutoFit/>
-              </a:bodyPr>
-              <a:lstStyle/>
-              <a:p>
-                <a:pPr/>
-                <a14:m>
-                  <m:oMathPara xmlns:m="http://schemas.openxmlformats.org/officeDocument/2006/math">
-                    <m:oMathParaPr>
-                      <m:jc m:val="centerGroup"/>
-                    </m:oMathParaPr>
-                    <m:oMath xmlns:m="http://schemas.openxmlformats.org/officeDocument/2006/math">
-                      <m:r>
-                        <a:rPr lang="en-US" sz="1600" i="1" smtClean="0">
-                          <a:latin typeface="Cambria Math" panose="02040503050406030204" pitchFamily="18" charset="0"/>
-                        </a:rPr>
-                        <m:t>𝑝</m:t>
-                      </m:r>
-                      <m:r>
-                        <a:rPr lang="en-US" sz="1600" b="0" i="1" smtClean="0">
-                          <a:latin typeface="Cambria Math" panose="02040503050406030204" pitchFamily="18" charset="0"/>
-                        </a:rPr>
-                        <m:t>(</m:t>
-                      </m:r>
-                      <m:r>
-                        <a:rPr lang="en-US" sz="1600" b="0" i="1" smtClean="0">
-                          <a:latin typeface="Cambria Math" panose="02040503050406030204" pitchFamily="18" charset="0"/>
-                        </a:rPr>
-                        <m:t>𝑠</m:t>
-                      </m:r>
-                      <m:r>
-                        <a:rPr lang="en-US" sz="1600" b="0" i="1" smtClean="0">
-                          <a:latin typeface="Cambria Math" panose="02040503050406030204" pitchFamily="18" charset="0"/>
-                        </a:rPr>
-                        <m:t>|</m:t>
-                      </m:r>
-                      <m:r>
-                        <a:rPr lang="en-US" sz="1600" b="0" i="1" smtClean="0">
-                          <a:latin typeface="Cambria Math" panose="02040503050406030204" pitchFamily="18" charset="0"/>
-                        </a:rPr>
-                        <m:t>𝑢</m:t>
-                      </m:r>
-                      <m:r>
-                        <a:rPr lang="en-US" sz="1600" b="0" i="1" smtClean="0">
-                          <a:latin typeface="Cambria Math" panose="02040503050406030204" pitchFamily="18" charset="0"/>
-                        </a:rPr>
-                        <m:t>)</m:t>
-                      </m:r>
-                    </m:oMath>
-                  </m:oMathPara>
-                </a14:m>
-                <a:endParaRPr lang="en-US" sz="1600" dirty="0"/>
-              </a:p>
-            </p:txBody>
-          </p:sp>
-        </mc:Choice>
-        <mc:Fallback xmlns="">
-          <p:sp>
-            <p:nvSpPr>
-              <p:cNvPr id="27" name="TextBox 26">
-                <a:extLst>
-                  <a:ext uri="{FF2B5EF4-FFF2-40B4-BE49-F238E27FC236}">
-                    <a16:creationId xmlns:a16="http://schemas.microsoft.com/office/drawing/2014/main" id="{033E9D97-A140-4CC4-B12D-C5582971C99B}"/>
-                  </a:ext>
-                </a:extLst>
-              </p:cNvPr>
-              <p:cNvSpPr txBox="1">
-                <a:spLocks noRot="1" noChangeAspect="1" noMove="1" noResize="1" noEditPoints="1" noAdjustHandles="1" noChangeArrowheads="1" noChangeShapeType="1" noTextEdit="1"/>
-              </p:cNvSpPr>
-              <p:nvPr/>
-            </p:nvSpPr>
-            <p:spPr>
-              <a:xfrm>
-                <a:off x="5509835" y="2625844"/>
-                <a:ext cx="619465" cy="246221"/>
-              </a:xfrm>
-              <a:prstGeom prst="rect">
-                <a:avLst/>
-              </a:prstGeom>
-              <a:blipFill>
-                <a:blip r:embed="rId7"/>
-                <a:stretch>
-                  <a:fillRect l="-7921" r="-11881" b="-32500"/>
-                </a:stretch>
-              </a:blipFill>
-            </p:spPr>
-            <p:txBody>
-              <a:bodyPr/>
-              <a:lstStyle/>
-              <a:p>
-                <a:r>
-                  <a:rPr lang="en-US">
-                    <a:noFill/>
-                  </a:rPr>
-                  <a:t> </a:t>
-                </a:r>
-              </a:p>
-            </p:txBody>
-          </p:sp>
-        </mc:Fallback>
-      </mc:AlternateContent>
-      <mc:AlternateContent xmlns:mc="http://schemas.openxmlformats.org/markup-compatibility/2006" xmlns:a14="http://schemas.microsoft.com/office/drawing/2010/main">
-        <mc:Choice Requires="a14">
-          <p:sp>
-            <p:nvSpPr>
-              <p:cNvPr id="26" name="TextBox 25">
-                <a:extLst>
-                  <a:ext uri="{FF2B5EF4-FFF2-40B4-BE49-F238E27FC236}">
-                    <a16:creationId xmlns:a16="http://schemas.microsoft.com/office/drawing/2014/main" id="{77639390-F310-48DB-9906-A7EDFB707AFD}"/>
-                  </a:ext>
-                </a:extLst>
-              </p:cNvPr>
-              <p:cNvSpPr txBox="1"/>
-              <p:nvPr/>
-            </p:nvSpPr>
-            <p:spPr>
-              <a:xfrm>
-                <a:off x="5568609" y="1759618"/>
-                <a:ext cx="454933" cy="246221"/>
-              </a:xfrm>
-              <a:prstGeom prst="rect">
-                <a:avLst/>
-              </a:prstGeom>
-              <a:noFill/>
-              <a:ln w="28575">
-                <a:noFill/>
-                <a:headEnd type="none" w="med" len="med"/>
-                <a:tailEnd type="arrow" w="med" len="med"/>
-              </a:ln>
-            </p:spPr>
-            <p:txBody>
-              <a:bodyPr wrap="none" lIns="0" tIns="0" rIns="0" bIns="0" rtlCol="0">
-                <a:spAutoFit/>
-              </a:bodyPr>
-              <a:lstStyle/>
-              <a:p>
-                <a:pPr/>
-                <a14:m>
-                  <m:oMathPara xmlns:m="http://schemas.openxmlformats.org/officeDocument/2006/math">
-                    <m:oMathParaPr>
-                      <m:jc m:val="centerGroup"/>
-                    </m:oMathParaPr>
-                    <m:oMath xmlns:m="http://schemas.openxmlformats.org/officeDocument/2006/math">
-                      <m:r>
-                        <a:rPr lang="en-US" sz="1600" i="1" smtClean="0">
-                          <a:latin typeface="Cambria Math" panose="02040503050406030204" pitchFamily="18" charset="0"/>
-                        </a:rPr>
-                        <m:t>𝑝</m:t>
-                      </m:r>
-                      <m:r>
-                        <a:rPr lang="en-US" sz="1600" b="0" i="1" smtClean="0">
-                          <a:latin typeface="Cambria Math" panose="02040503050406030204" pitchFamily="18" charset="0"/>
-                        </a:rPr>
-                        <m:t>(</m:t>
-                      </m:r>
-                      <m:r>
-                        <a:rPr lang="en-US" sz="1600" b="0" i="1" smtClean="0">
-                          <a:latin typeface="Cambria Math" panose="02040503050406030204" pitchFamily="18" charset="0"/>
-                        </a:rPr>
-                        <m:t>𝑢</m:t>
-                      </m:r>
-                      <m:r>
-                        <a:rPr lang="en-US" sz="1600" b="0" i="1" smtClean="0">
-                          <a:latin typeface="Cambria Math" panose="02040503050406030204" pitchFamily="18" charset="0"/>
-                        </a:rPr>
-                        <m:t>)</m:t>
-                      </m:r>
-                    </m:oMath>
-                  </m:oMathPara>
-                </a14:m>
-                <a:endParaRPr lang="en-US" sz="1600" dirty="0"/>
-              </a:p>
-            </p:txBody>
-          </p:sp>
-        </mc:Choice>
-        <mc:Fallback xmlns="">
-          <p:sp>
-            <p:nvSpPr>
-              <p:cNvPr id="26" name="TextBox 25">
-                <a:extLst>
-                  <a:ext uri="{FF2B5EF4-FFF2-40B4-BE49-F238E27FC236}">
-                    <a16:creationId xmlns:a16="http://schemas.microsoft.com/office/drawing/2014/main" id="{77639390-F310-48DB-9906-A7EDFB707AFD}"/>
-                  </a:ext>
-                </a:extLst>
-              </p:cNvPr>
-              <p:cNvSpPr txBox="1">
-                <a:spLocks noRot="1" noChangeAspect="1" noMove="1" noResize="1" noEditPoints="1" noAdjustHandles="1" noChangeArrowheads="1" noChangeShapeType="1" noTextEdit="1"/>
-              </p:cNvSpPr>
-              <p:nvPr/>
-            </p:nvSpPr>
-            <p:spPr>
-              <a:xfrm>
-                <a:off x="5568609" y="1759618"/>
-                <a:ext cx="454933" cy="246221"/>
-              </a:xfrm>
-              <a:prstGeom prst="rect">
-                <a:avLst/>
-              </a:prstGeom>
-              <a:blipFill>
-                <a:blip r:embed="rId8"/>
-                <a:stretch>
-                  <a:fillRect l="-10667" r="-16000" b="-32500"/>
-                </a:stretch>
-              </a:blipFill>
-              <a:ln w="28575">
-                <a:noFill/>
-                <a:headEnd type="none" w="med" len="med"/>
-                <a:tailEnd type="arrow" w="med" len="med"/>
-              </a:ln>
-            </p:spPr>
-            <p:txBody>
-              <a:bodyPr/>
-              <a:lstStyle/>
-              <a:p>
-                <a:r>
-                  <a:rPr lang="en-US">
-                    <a:noFill/>
-                  </a:rPr>
-                  <a:t> </a:t>
-                </a:r>
-              </a:p>
-            </p:txBody>
-          </p:sp>
-        </mc:Fallback>
-      </mc:AlternateContent>
-      <p:sp>
-        <p:nvSpPr>
-          <p:cNvPr id="31" name="Oval 30">
-            <a:extLst>
-              <a:ext uri="{FF2B5EF4-FFF2-40B4-BE49-F238E27FC236}">
-                <a16:creationId xmlns:a16="http://schemas.microsoft.com/office/drawing/2014/main" id="{F6E89DEA-EFC1-47AD-870B-8115DFD81D6B}"/>
-              </a:ext>
-            </a:extLst>
-          </p:cNvPr>
-          <p:cNvSpPr/>
-          <p:nvPr/>
-        </p:nvSpPr>
-        <p:spPr>
-          <a:xfrm>
-            <a:off x="5357131" y="3387014"/>
-            <a:ext cx="833063" cy="477440"/>
-          </a:xfrm>
-          <a:prstGeom prst="ellipse">
-            <a:avLst/>
-          </a:prstGeom>
-          <a:solidFill>
-            <a:schemeClr val="accent1">
-              <a:lumMod val="20000"/>
-              <a:lumOff val="80000"/>
-            </a:schemeClr>
-          </a:solidFill>
-        </p:spPr>
-        <p:style>
-          <a:lnRef idx="2">
-            <a:schemeClr val="accent1">
-              <a:shade val="50000"/>
-            </a:schemeClr>
-          </a:lnRef>
-          <a:fillRef idx="1">
-            <a:schemeClr val="accent1"/>
-          </a:fillRef>
-          <a:effectRef idx="0">
-            <a:schemeClr val="accent1"/>
-          </a:effectRef>
-          <a:fontRef idx="minor">
-            <a:schemeClr val="lt1"/>
-          </a:fontRef>
-        </p:style>
-        <p:txBody>
-          <a:bodyPr rtlCol="0" anchor="ctr"/>
-          <a:lstStyle/>
-          <a:p>
-            <a:pPr algn="ctr"/>
-            <a:endParaRPr lang="en-US" sz="1600"/>
-          </a:p>
-        </p:txBody>
-      </p:sp>
-      <mc:AlternateContent xmlns:mc="http://schemas.openxmlformats.org/markup-compatibility/2006" xmlns:a14="http://schemas.microsoft.com/office/drawing/2010/main">
-        <mc:Choice Requires="a14">
-          <p:sp>
-            <p:nvSpPr>
-              <p:cNvPr id="28" name="TextBox 27">
-                <a:extLst>
-                  <a:ext uri="{FF2B5EF4-FFF2-40B4-BE49-F238E27FC236}">
-                    <a16:creationId xmlns:a16="http://schemas.microsoft.com/office/drawing/2014/main" id="{D9245B2A-CCBE-4BAD-ABD6-55F03F5A734B}"/>
-                  </a:ext>
-                </a:extLst>
-              </p:cNvPr>
-              <p:cNvSpPr txBox="1"/>
-              <p:nvPr/>
-            </p:nvSpPr>
-            <p:spPr>
-              <a:xfrm>
-                <a:off x="5470792" y="3479249"/>
-                <a:ext cx="612475" cy="246221"/>
-              </a:xfrm>
-              <a:prstGeom prst="rect">
-                <a:avLst/>
-              </a:prstGeom>
-              <a:noFill/>
-              <a:ln w="28575">
-                <a:noFill/>
-                <a:headEnd type="none" w="med" len="med"/>
-                <a:tailEnd type="arrow" w="med" len="med"/>
-              </a:ln>
-            </p:spPr>
-            <p:txBody>
-              <a:bodyPr wrap="none" lIns="0" tIns="0" rIns="0" bIns="0" rtlCol="0">
-                <a:spAutoFit/>
-              </a:bodyPr>
-              <a:lstStyle/>
-              <a:p>
-                <a:pPr/>
-                <a14:m>
-                  <m:oMathPara xmlns:m="http://schemas.openxmlformats.org/officeDocument/2006/math">
-                    <m:oMathParaPr>
-                      <m:jc m:val="centerGroup"/>
-                    </m:oMathParaPr>
-                    <m:oMath xmlns:m="http://schemas.openxmlformats.org/officeDocument/2006/math">
-                      <m:r>
-                        <a:rPr lang="en-US" sz="1600" i="1" smtClean="0">
-                          <a:latin typeface="Cambria Math" panose="02040503050406030204" pitchFamily="18" charset="0"/>
-                        </a:rPr>
-                        <m:t>𝑝</m:t>
-                      </m:r>
-                      <m:r>
-                        <a:rPr lang="en-US" sz="1600" b="0" i="1" smtClean="0">
-                          <a:latin typeface="Cambria Math" panose="02040503050406030204" pitchFamily="18" charset="0"/>
-                        </a:rPr>
-                        <m:t>(</m:t>
-                      </m:r>
-                      <m:r>
-                        <a:rPr lang="en-US" sz="1600" b="0" i="1" smtClean="0">
-                          <a:latin typeface="Cambria Math" panose="02040503050406030204" pitchFamily="18" charset="0"/>
-                        </a:rPr>
-                        <m:t>𝑥</m:t>
-                      </m:r>
-                      <m:r>
-                        <a:rPr lang="en-US" sz="1600" b="0" i="1" smtClean="0">
-                          <a:latin typeface="Cambria Math" panose="02040503050406030204" pitchFamily="18" charset="0"/>
-                        </a:rPr>
-                        <m:t>|</m:t>
-                      </m:r>
-                      <m:r>
-                        <a:rPr lang="en-US" sz="1600" b="0" i="1" smtClean="0">
-                          <a:latin typeface="Cambria Math" panose="02040503050406030204" pitchFamily="18" charset="0"/>
-                        </a:rPr>
-                        <m:t>𝑠</m:t>
-                      </m:r>
-                      <m:r>
-                        <a:rPr lang="en-US" sz="1600" b="0" i="1" smtClean="0">
-                          <a:latin typeface="Cambria Math" panose="02040503050406030204" pitchFamily="18" charset="0"/>
-                        </a:rPr>
-                        <m:t>)</m:t>
-                      </m:r>
-                    </m:oMath>
-                  </m:oMathPara>
-                </a14:m>
-                <a:endParaRPr lang="en-US" sz="1600" dirty="0"/>
-              </a:p>
-            </p:txBody>
-          </p:sp>
-        </mc:Choice>
-        <mc:Fallback xmlns="">
-          <p:sp>
-            <p:nvSpPr>
-              <p:cNvPr id="28" name="TextBox 27">
-                <a:extLst>
-                  <a:ext uri="{FF2B5EF4-FFF2-40B4-BE49-F238E27FC236}">
-                    <a16:creationId xmlns:a16="http://schemas.microsoft.com/office/drawing/2014/main" id="{D9245B2A-CCBE-4BAD-ABD6-55F03F5A734B}"/>
-                  </a:ext>
-                </a:extLst>
-              </p:cNvPr>
-              <p:cNvSpPr txBox="1">
-                <a:spLocks noRot="1" noChangeAspect="1" noMove="1" noResize="1" noEditPoints="1" noAdjustHandles="1" noChangeArrowheads="1" noChangeShapeType="1" noTextEdit="1"/>
-              </p:cNvSpPr>
-              <p:nvPr/>
-            </p:nvSpPr>
-            <p:spPr>
-              <a:xfrm>
-                <a:off x="5470792" y="3479249"/>
-                <a:ext cx="612475" cy="246221"/>
-              </a:xfrm>
-              <a:prstGeom prst="rect">
-                <a:avLst/>
-              </a:prstGeom>
-              <a:blipFill>
-                <a:blip r:embed="rId9"/>
-                <a:stretch>
-                  <a:fillRect l="-7921" r="-10891" b="-32500"/>
-                </a:stretch>
-              </a:blipFill>
-              <a:ln w="28575">
-                <a:noFill/>
-                <a:headEnd type="none" w="med" len="med"/>
-                <a:tailEnd type="arrow" w="med" len="med"/>
-              </a:ln>
-            </p:spPr>
-            <p:txBody>
-              <a:bodyPr/>
-              <a:lstStyle/>
-              <a:p>
-                <a:r>
-                  <a:rPr lang="en-US">
-                    <a:noFill/>
-                  </a:rPr>
-                  <a:t> </a:t>
-                </a:r>
-              </a:p>
-            </p:txBody>
-          </p:sp>
-        </mc:Fallback>
-      </mc:AlternateContent>
-      <p:cxnSp>
-        <p:nvCxnSpPr>
-          <p:cNvPr id="37" name="Straight Arrow Connector 36">
-            <a:extLst>
-              <a:ext uri="{FF2B5EF4-FFF2-40B4-BE49-F238E27FC236}">
-                <a16:creationId xmlns:a16="http://schemas.microsoft.com/office/drawing/2014/main" id="{A3EEECE6-A7D5-4029-87A0-F38E074E8E5C}"/>
-              </a:ext>
-            </a:extLst>
-          </p:cNvPr>
-          <p:cNvCxnSpPr>
-            <a:stCxn id="30" idx="4"/>
-            <a:endCxn id="29" idx="0"/>
-          </p:cNvCxnSpPr>
-          <p:nvPr/>
-        </p:nvCxnSpPr>
-        <p:spPr>
-          <a:xfrm>
-            <a:off x="5773663" y="2130141"/>
-            <a:ext cx="0" cy="396338"/>
-          </a:xfrm>
-          <a:prstGeom prst="straightConnector1">
-            <a:avLst/>
-          </a:prstGeom>
-          <a:ln w="28575">
-            <a:headEnd type="none" w="med" len="med"/>
-            <a:tailEnd type="arrow" w="med" len="med"/>
-          </a:ln>
-        </p:spPr>
-        <p:style>
-          <a:lnRef idx="1">
-            <a:schemeClr val="accent1"/>
-          </a:lnRef>
-          <a:fillRef idx="0">
-            <a:schemeClr val="accent1"/>
-          </a:fillRef>
-          <a:effectRef idx="0">
-            <a:schemeClr val="accent1"/>
-          </a:effectRef>
-          <a:fontRef idx="minor">
-            <a:schemeClr val="tx1"/>
-          </a:fontRef>
-        </p:style>
-      </p:cxnSp>
-      <p:cxnSp>
-        <p:nvCxnSpPr>
-          <p:cNvPr id="39" name="Straight Arrow Connector 38">
-            <a:extLst>
-              <a:ext uri="{FF2B5EF4-FFF2-40B4-BE49-F238E27FC236}">
-                <a16:creationId xmlns:a16="http://schemas.microsoft.com/office/drawing/2014/main" id="{7513740D-EC9B-4C51-AC12-A132F4A13232}"/>
-              </a:ext>
-            </a:extLst>
-          </p:cNvPr>
-          <p:cNvCxnSpPr>
-            <a:cxnSpLocks/>
-            <a:stCxn id="29" idx="4"/>
-            <a:endCxn id="31" idx="0"/>
-          </p:cNvCxnSpPr>
-          <p:nvPr/>
-        </p:nvCxnSpPr>
-        <p:spPr>
-          <a:xfrm>
-            <a:off x="5773663" y="3003919"/>
-            <a:ext cx="0" cy="383095"/>
-          </a:xfrm>
-          <a:prstGeom prst="straightConnector1">
-            <a:avLst/>
-          </a:prstGeom>
-          <a:ln w="28575">
-            <a:headEnd type="none" w="med" len="med"/>
-            <a:tailEnd type="arrow" w="med" len="med"/>
-          </a:ln>
-        </p:spPr>
-        <p:style>
-          <a:lnRef idx="1">
-            <a:schemeClr val="accent1"/>
-          </a:lnRef>
-          <a:fillRef idx="0">
-            <a:schemeClr val="accent1"/>
-          </a:fillRef>
-          <a:effectRef idx="0">
-            <a:schemeClr val="accent1"/>
-          </a:effectRef>
-          <a:fontRef idx="minor">
-            <a:schemeClr val="tx1"/>
-          </a:fontRef>
-        </p:style>
-      </p:cxnSp>
-      <p:cxnSp>
-        <p:nvCxnSpPr>
-          <p:cNvPr id="43" name="Straight Arrow Connector 42">
-            <a:extLst>
-              <a:ext uri="{FF2B5EF4-FFF2-40B4-BE49-F238E27FC236}">
-                <a16:creationId xmlns:a16="http://schemas.microsoft.com/office/drawing/2014/main" id="{40CB919E-8C25-4ABF-BE3F-4302615AAF76}"/>
-              </a:ext>
-            </a:extLst>
-          </p:cNvPr>
-          <p:cNvCxnSpPr>
-            <a:cxnSpLocks/>
-            <a:stCxn id="31" idx="4"/>
-          </p:cNvCxnSpPr>
-          <p:nvPr/>
-        </p:nvCxnSpPr>
-        <p:spPr>
-          <a:xfrm>
-            <a:off x="5773663" y="3864454"/>
-            <a:ext cx="0" cy="277570"/>
-          </a:xfrm>
-          <a:prstGeom prst="straightConnector1">
-            <a:avLst/>
-          </a:prstGeom>
-          <a:ln w="28575">
-            <a:headEnd type="none" w="med" len="med"/>
-            <a:tailEnd type="arrow" w="med" len="med"/>
-          </a:ln>
-        </p:spPr>
-        <p:style>
-          <a:lnRef idx="1">
-            <a:schemeClr val="accent1"/>
-          </a:lnRef>
-          <a:fillRef idx="0">
-            <a:schemeClr val="accent1"/>
-          </a:fillRef>
-          <a:effectRef idx="0">
-            <a:schemeClr val="accent1"/>
-          </a:effectRef>
-          <a:fontRef idx="minor">
-            <a:schemeClr val="tx1"/>
-          </a:fontRef>
-        </p:style>
-      </p:cxnSp>
-      <mc:AlternateContent xmlns:mc="http://schemas.openxmlformats.org/markup-compatibility/2006" xmlns:a14="http://schemas.microsoft.com/office/drawing/2010/main">
-        <mc:Choice Requires="a14">
-          <p:sp>
-            <p:nvSpPr>
-              <p:cNvPr id="48" name="TextBox 47">
-                <a:extLst>
-                  <a:ext uri="{FF2B5EF4-FFF2-40B4-BE49-F238E27FC236}">
-                    <a16:creationId xmlns:a16="http://schemas.microsoft.com/office/drawing/2014/main" id="{1E53C044-7A87-4F35-AF1D-EBA5580289C6}"/>
-                  </a:ext>
-                </a:extLst>
-              </p:cNvPr>
-              <p:cNvSpPr txBox="1"/>
-              <p:nvPr/>
-            </p:nvSpPr>
-            <p:spPr>
-              <a:xfrm>
-                <a:off x="5842599" y="2988816"/>
-                <a:ext cx="145296" cy="246221"/>
-              </a:xfrm>
-              <a:prstGeom prst="rect">
-                <a:avLst/>
-              </a:prstGeom>
-              <a:noFill/>
-            </p:spPr>
-            <p:txBody>
-              <a:bodyPr wrap="none" lIns="0" tIns="0" rIns="0" bIns="0" rtlCol="0">
-                <a:spAutoFit/>
-              </a:bodyPr>
-              <a:lstStyle/>
-              <a:p>
-                <a:pPr/>
-                <a14:m>
-                  <m:oMathPara xmlns:m="http://schemas.openxmlformats.org/officeDocument/2006/math">
-                    <m:oMathParaPr>
-                      <m:jc m:val="centerGroup"/>
-                    </m:oMathParaPr>
-                    <m:oMath xmlns:m="http://schemas.openxmlformats.org/officeDocument/2006/math">
-                      <m:r>
-                        <a:rPr lang="en-US" sz="1600" i="1" smtClean="0">
-                          <a:latin typeface="Cambria Math" panose="02040503050406030204" pitchFamily="18" charset="0"/>
-                        </a:rPr>
-                        <m:t>𝑠</m:t>
-                      </m:r>
-                    </m:oMath>
-                  </m:oMathPara>
-                </a14:m>
-                <a:endParaRPr lang="en-US" sz="1600" dirty="0"/>
-              </a:p>
-            </p:txBody>
-          </p:sp>
-        </mc:Choice>
-        <mc:Fallback xmlns="">
-          <p:sp>
-            <p:nvSpPr>
-              <p:cNvPr id="48" name="TextBox 47">
-                <a:extLst>
-                  <a:ext uri="{FF2B5EF4-FFF2-40B4-BE49-F238E27FC236}">
-                    <a16:creationId xmlns:a16="http://schemas.microsoft.com/office/drawing/2014/main" id="{1E53C044-7A87-4F35-AF1D-EBA5580289C6}"/>
-                  </a:ext>
-                </a:extLst>
-              </p:cNvPr>
-              <p:cNvSpPr txBox="1">
-                <a:spLocks noRot="1" noChangeAspect="1" noMove="1" noResize="1" noEditPoints="1" noAdjustHandles="1" noChangeArrowheads="1" noChangeShapeType="1" noTextEdit="1"/>
-              </p:cNvSpPr>
-              <p:nvPr/>
-            </p:nvSpPr>
-            <p:spPr>
-              <a:xfrm>
-                <a:off x="5842599" y="2988816"/>
-                <a:ext cx="145296" cy="246221"/>
-              </a:xfrm>
-              <a:prstGeom prst="rect">
-                <a:avLst/>
-              </a:prstGeom>
-              <a:blipFill>
-                <a:blip r:embed="rId10"/>
-                <a:stretch>
-                  <a:fillRect l="-16667" r="-16667"/>
-                </a:stretch>
-              </a:blipFill>
-            </p:spPr>
-            <p:txBody>
-              <a:bodyPr/>
-              <a:lstStyle/>
-              <a:p>
-                <a:r>
-                  <a:rPr lang="en-US">
-                    <a:noFill/>
-                  </a:rPr>
-                  <a:t> </a:t>
-                </a:r>
-              </a:p>
-            </p:txBody>
-          </p:sp>
-        </mc:Fallback>
-      </mc:AlternateContent>
-      <mc:AlternateContent xmlns:mc="http://schemas.openxmlformats.org/markup-compatibility/2006" xmlns:a14="http://schemas.microsoft.com/office/drawing/2010/main">
-        <mc:Choice Requires="a14">
-          <p:sp>
-            <p:nvSpPr>
-              <p:cNvPr id="49" name="TextBox 48">
-                <a:extLst>
-                  <a:ext uri="{FF2B5EF4-FFF2-40B4-BE49-F238E27FC236}">
-                    <a16:creationId xmlns:a16="http://schemas.microsoft.com/office/drawing/2014/main" id="{F24482B6-E4A3-4888-ACCE-0A783641DD5E}"/>
-                  </a:ext>
-                </a:extLst>
-              </p:cNvPr>
-              <p:cNvSpPr txBox="1"/>
-              <p:nvPr/>
-            </p:nvSpPr>
-            <p:spPr>
-              <a:xfrm>
-                <a:off x="5857461" y="3860774"/>
-                <a:ext cx="161711" cy="246221"/>
-              </a:xfrm>
-              <a:prstGeom prst="rect">
-                <a:avLst/>
-              </a:prstGeom>
-              <a:noFill/>
-            </p:spPr>
-            <p:txBody>
-              <a:bodyPr wrap="none" lIns="0" tIns="0" rIns="0" bIns="0" rtlCol="0">
-                <a:spAutoFit/>
-              </a:bodyPr>
-              <a:lstStyle/>
-              <a:p>
-                <a:pPr/>
-                <a14:m>
-                  <m:oMathPara xmlns:m="http://schemas.openxmlformats.org/officeDocument/2006/math">
-                    <m:oMathParaPr>
-                      <m:jc m:val="centerGroup"/>
-                    </m:oMathParaPr>
-                    <m:oMath xmlns:m="http://schemas.openxmlformats.org/officeDocument/2006/math">
-                      <m:r>
-                        <a:rPr lang="en-US" sz="1600" i="1" smtClean="0">
-                          <a:latin typeface="Cambria Math" panose="02040503050406030204" pitchFamily="18" charset="0"/>
-                        </a:rPr>
-                        <m:t>𝑥</m:t>
-                      </m:r>
-                    </m:oMath>
-                  </m:oMathPara>
-                </a14:m>
-                <a:endParaRPr lang="en-US" sz="1600" dirty="0"/>
-              </a:p>
-            </p:txBody>
-          </p:sp>
-        </mc:Choice>
-        <mc:Fallback xmlns="">
-          <p:sp>
-            <p:nvSpPr>
-              <p:cNvPr id="49" name="TextBox 48">
-                <a:extLst>
-                  <a:ext uri="{FF2B5EF4-FFF2-40B4-BE49-F238E27FC236}">
-                    <a16:creationId xmlns:a16="http://schemas.microsoft.com/office/drawing/2014/main" id="{F24482B6-E4A3-4888-ACCE-0A783641DD5E}"/>
-                  </a:ext>
-                </a:extLst>
-              </p:cNvPr>
-              <p:cNvSpPr txBox="1">
-                <a:spLocks noRot="1" noChangeAspect="1" noMove="1" noResize="1" noEditPoints="1" noAdjustHandles="1" noChangeArrowheads="1" noChangeShapeType="1" noTextEdit="1"/>
-              </p:cNvSpPr>
-              <p:nvPr/>
-            </p:nvSpPr>
-            <p:spPr>
-              <a:xfrm>
-                <a:off x="5857461" y="3860774"/>
-                <a:ext cx="161711" cy="246221"/>
-              </a:xfrm>
-              <a:prstGeom prst="rect">
-                <a:avLst/>
-              </a:prstGeom>
-              <a:blipFill>
-                <a:blip r:embed="rId11"/>
-                <a:stretch>
-                  <a:fillRect l="-19231" r="-15385"/>
-                </a:stretch>
-              </a:blipFill>
-            </p:spPr>
-            <p:txBody>
-              <a:bodyPr/>
-              <a:lstStyle/>
-              <a:p>
-                <a:r>
-                  <a:rPr lang="en-US">
-                    <a:noFill/>
-                  </a:rPr>
-                  <a:t> </a:t>
-                </a:r>
-              </a:p>
-            </p:txBody>
-          </p:sp>
-        </mc:Fallback>
-      </mc:AlternateContent>
-      <p:sp>
-        <p:nvSpPr>
-          <p:cNvPr id="56" name="TextBox 55">
-            <a:extLst>
-              <a:ext uri="{FF2B5EF4-FFF2-40B4-BE49-F238E27FC236}">
-                <a16:creationId xmlns:a16="http://schemas.microsoft.com/office/drawing/2014/main" id="{F29CBA8D-84BF-46E4-A056-9630A3F71592}"/>
-              </a:ext>
-            </a:extLst>
-          </p:cNvPr>
-          <p:cNvSpPr txBox="1"/>
-          <p:nvPr/>
-        </p:nvSpPr>
-        <p:spPr>
-          <a:xfrm>
-            <a:off x="4208359" y="875771"/>
-            <a:ext cx="856325" cy="369332"/>
-          </a:xfrm>
-          <a:prstGeom prst="rect">
-            <a:avLst/>
-          </a:prstGeom>
-          <a:noFill/>
-        </p:spPr>
-        <p:txBody>
-          <a:bodyPr wrap="none" rtlCol="0">
-            <a:spAutoFit/>
-          </a:bodyPr>
-          <a:lstStyle/>
-          <a:p>
-            <a:r>
-              <a:rPr lang="en-US" dirty="0"/>
-              <a:t>actions</a:t>
-            </a:r>
-          </a:p>
-        </p:txBody>
-      </p:sp>
-      <p:sp>
-        <p:nvSpPr>
-          <p:cNvPr id="57" name="TextBox 56">
-            <a:extLst>
-              <a:ext uri="{FF2B5EF4-FFF2-40B4-BE49-F238E27FC236}">
-                <a16:creationId xmlns:a16="http://schemas.microsoft.com/office/drawing/2014/main" id="{CFBAE367-74B9-448F-9E96-A9BE0333A034}"/>
-              </a:ext>
-            </a:extLst>
-          </p:cNvPr>
-          <p:cNvSpPr txBox="1"/>
-          <p:nvPr/>
-        </p:nvSpPr>
-        <p:spPr>
-          <a:xfrm>
-            <a:off x="4035436" y="4291541"/>
-            <a:ext cx="1387175" cy="369332"/>
-          </a:xfrm>
-          <a:prstGeom prst="rect">
-            <a:avLst/>
-          </a:prstGeom>
-          <a:noFill/>
-        </p:spPr>
-        <p:txBody>
-          <a:bodyPr wrap="none" rtlCol="0">
-            <a:spAutoFit/>
-          </a:bodyPr>
-          <a:lstStyle/>
-          <a:p>
-            <a:r>
-              <a:rPr lang="en-US" dirty="0"/>
-              <a:t>observations</a:t>
-            </a:r>
-          </a:p>
-        </p:txBody>
-      </p:sp>
-      <p:cxnSp>
-        <p:nvCxnSpPr>
-          <p:cNvPr id="59" name="Straight Arrow Connector 58">
-            <a:extLst>
-              <a:ext uri="{FF2B5EF4-FFF2-40B4-BE49-F238E27FC236}">
-                <a16:creationId xmlns:a16="http://schemas.microsoft.com/office/drawing/2014/main" id="{E7475BDD-6F5A-49F1-A01D-9E95F1DA18E4}"/>
-              </a:ext>
-            </a:extLst>
-          </p:cNvPr>
-          <p:cNvCxnSpPr/>
-          <p:nvPr/>
-        </p:nvCxnSpPr>
-        <p:spPr>
-          <a:xfrm>
-            <a:off x="6983896" y="1707539"/>
-            <a:ext cx="0" cy="2295699"/>
-          </a:xfrm>
-          <a:prstGeom prst="straightConnector1">
-            <a:avLst/>
-          </a:prstGeom>
-          <a:ln w="28575">
-            <a:solidFill>
-              <a:srgbClr val="FF0000"/>
-            </a:solidFill>
-            <a:headEnd type="none" w="med" len="med"/>
-            <a:tailEnd type="arrow" w="med" len="med"/>
-          </a:ln>
-        </p:spPr>
-        <p:style>
-          <a:lnRef idx="1">
-            <a:schemeClr val="accent1"/>
-          </a:lnRef>
-          <a:fillRef idx="0">
-            <a:schemeClr val="accent1"/>
-          </a:fillRef>
-          <a:effectRef idx="0">
-            <a:schemeClr val="accent1"/>
-          </a:effectRef>
-          <a:fontRef idx="minor">
-            <a:schemeClr val="tx1"/>
-          </a:fontRef>
-        </p:style>
-      </p:cxnSp>
-      <p:sp>
-        <p:nvSpPr>
-          <p:cNvPr id="60" name="TextBox 59">
-            <a:extLst>
-              <a:ext uri="{FF2B5EF4-FFF2-40B4-BE49-F238E27FC236}">
-                <a16:creationId xmlns:a16="http://schemas.microsoft.com/office/drawing/2014/main" id="{C283DDB8-D499-4B77-B7BF-8FB69C7960BC}"/>
-              </a:ext>
-            </a:extLst>
-          </p:cNvPr>
-          <p:cNvSpPr txBox="1"/>
-          <p:nvPr/>
-        </p:nvSpPr>
-        <p:spPr>
-          <a:xfrm>
-            <a:off x="6469130" y="2130141"/>
-            <a:ext cx="1313525" cy="369332"/>
-          </a:xfrm>
-          <a:prstGeom prst="rect">
-            <a:avLst/>
-          </a:prstGeom>
-          <a:solidFill>
-            <a:schemeClr val="bg1"/>
-          </a:solidFill>
-        </p:spPr>
-        <p:txBody>
-          <a:bodyPr wrap="square" rtlCol="0">
-            <a:spAutoFit/>
-          </a:bodyPr>
-          <a:lstStyle/>
-          <a:p>
-            <a:r>
-              <a:rPr lang="en-US" dirty="0">
-                <a:solidFill>
-                  <a:srgbClr val="FF0000"/>
-                </a:solidFill>
-              </a:rPr>
-              <a:t>generative</a:t>
-            </a:r>
-          </a:p>
-        </p:txBody>
-      </p:sp>
-      <p:sp>
-        <p:nvSpPr>
-          <p:cNvPr id="61" name="TextBox 60">
-            <a:extLst>
-              <a:ext uri="{FF2B5EF4-FFF2-40B4-BE49-F238E27FC236}">
-                <a16:creationId xmlns:a16="http://schemas.microsoft.com/office/drawing/2014/main" id="{CA84D470-A9AB-47F0-97AE-31951AF2595D}"/>
-              </a:ext>
-            </a:extLst>
-          </p:cNvPr>
-          <p:cNvSpPr txBox="1"/>
-          <p:nvPr/>
-        </p:nvSpPr>
-        <p:spPr>
-          <a:xfrm>
-            <a:off x="5431041" y="1155544"/>
-            <a:ext cx="714426" cy="369332"/>
-          </a:xfrm>
-          <a:prstGeom prst="rect">
-            <a:avLst/>
-          </a:prstGeom>
-          <a:noFill/>
-        </p:spPr>
-        <p:txBody>
-          <a:bodyPr wrap="none" rtlCol="0">
-            <a:spAutoFit/>
-          </a:bodyPr>
-          <a:lstStyle/>
-          <a:p>
-            <a:r>
-              <a:rPr lang="en-US" dirty="0"/>
-              <a:t>agent</a:t>
-            </a:r>
-          </a:p>
-        </p:txBody>
-      </p:sp>
-      <p:cxnSp>
-        <p:nvCxnSpPr>
-          <p:cNvPr id="67" name="Straight Arrow Connector 66">
-            <a:extLst>
-              <a:ext uri="{FF2B5EF4-FFF2-40B4-BE49-F238E27FC236}">
-                <a16:creationId xmlns:a16="http://schemas.microsoft.com/office/drawing/2014/main" id="{A109F5A1-9D87-4E5B-92D2-CB9BEE1560C2}"/>
-              </a:ext>
-            </a:extLst>
-          </p:cNvPr>
-          <p:cNvCxnSpPr>
-            <a:cxnSpLocks/>
-          </p:cNvCxnSpPr>
-          <p:nvPr/>
-        </p:nvCxnSpPr>
-        <p:spPr>
-          <a:xfrm flipV="1">
-            <a:off x="7723811" y="1707539"/>
-            <a:ext cx="0" cy="2295699"/>
-          </a:xfrm>
-          <a:prstGeom prst="straightConnector1">
-            <a:avLst/>
-          </a:prstGeom>
-          <a:ln w="28575">
-            <a:solidFill>
-              <a:srgbClr val="0070C0"/>
-            </a:solidFill>
-            <a:headEnd type="none" w="med" len="med"/>
-            <a:tailEnd type="arrow" w="med" len="med"/>
-          </a:ln>
-        </p:spPr>
-        <p:style>
-          <a:lnRef idx="1">
-            <a:schemeClr val="accent1"/>
-          </a:lnRef>
-          <a:fillRef idx="0">
-            <a:schemeClr val="accent1"/>
-          </a:fillRef>
-          <a:effectRef idx="0">
-            <a:schemeClr val="accent1"/>
-          </a:effectRef>
-          <a:fontRef idx="minor">
-            <a:schemeClr val="tx1"/>
-          </a:fontRef>
-        </p:style>
-      </p:cxnSp>
-      <p:sp>
-        <p:nvSpPr>
-          <p:cNvPr id="69" name="TextBox 68">
-            <a:extLst>
-              <a:ext uri="{FF2B5EF4-FFF2-40B4-BE49-F238E27FC236}">
-                <a16:creationId xmlns:a16="http://schemas.microsoft.com/office/drawing/2014/main" id="{A607FD16-EAD0-41D6-AFFA-FA8A862B7C42}"/>
-              </a:ext>
-            </a:extLst>
-          </p:cNvPr>
-          <p:cNvSpPr txBox="1"/>
-          <p:nvPr/>
-        </p:nvSpPr>
-        <p:spPr>
-          <a:xfrm>
-            <a:off x="7190908" y="3066689"/>
-            <a:ext cx="1065805" cy="369332"/>
-          </a:xfrm>
-          <a:prstGeom prst="rect">
-            <a:avLst/>
-          </a:prstGeom>
-          <a:solidFill>
-            <a:schemeClr val="bg1"/>
-          </a:solidFill>
-          <a:ln>
-            <a:noFill/>
-          </a:ln>
-        </p:spPr>
-        <p:txBody>
-          <a:bodyPr wrap="none" rtlCol="0">
-            <a:spAutoFit/>
-          </a:bodyPr>
-          <a:lstStyle/>
-          <a:p>
-            <a:r>
-              <a:rPr lang="en-US" dirty="0">
-                <a:solidFill>
-                  <a:srgbClr val="0070C0"/>
-                </a:solidFill>
-              </a:rPr>
-              <a:t>inference</a:t>
-            </a:r>
-          </a:p>
-        </p:txBody>
-      </p:sp>
-      <mc:AlternateContent xmlns:mc="http://schemas.openxmlformats.org/markup-compatibility/2006" xmlns:a14="http://schemas.microsoft.com/office/drawing/2010/main">
-        <mc:Choice Requires="a14">
-          <p:sp>
-            <p:nvSpPr>
-              <p:cNvPr id="70" name="TextBox 69">
-                <a:extLst>
-                  <a:ext uri="{FF2B5EF4-FFF2-40B4-BE49-F238E27FC236}">
-                    <a16:creationId xmlns:a16="http://schemas.microsoft.com/office/drawing/2014/main" id="{025E71A1-1238-4D55-A64C-8E967B14B934}"/>
-                  </a:ext>
-                </a:extLst>
-              </p:cNvPr>
-              <p:cNvSpPr txBox="1"/>
-              <p:nvPr/>
-            </p:nvSpPr>
-            <p:spPr>
-              <a:xfrm>
-                <a:off x="6659429" y="2438253"/>
-                <a:ext cx="820674" cy="246221"/>
+                <a:off x="8340559" y="2388726"/>
+                <a:ext cx="468000" cy="468000"/>
               </a:xfrm>
               <a:prstGeom prst="rect">
                 <a:avLst/>
@@ -5384,167 +5282,100 @@
               <a:solidFill>
                 <a:schemeClr val="bg1"/>
               </a:solidFill>
+              <a:ln w="28575">
+                <a:solidFill>
+                  <a:schemeClr val="tx1"/>
+                </a:solidFill>
+              </a:ln>
             </p:spPr>
+            <p:style>
+              <a:lnRef idx="2">
+                <a:schemeClr val="accent1">
+                  <a:shade val="50000"/>
+                </a:schemeClr>
+              </a:lnRef>
+              <a:fillRef idx="1">
+                <a:schemeClr val="accent1"/>
+              </a:fillRef>
+              <a:effectRef idx="0">
+                <a:schemeClr val="accent1"/>
+              </a:effectRef>
+              <a:fontRef idx="minor">
+                <a:schemeClr val="lt1"/>
+              </a:fontRef>
+            </p:style>
             <p:txBody>
-              <a:bodyPr wrap="none" lIns="0" tIns="0" rIns="0" bIns="0" rtlCol="0">
-                <a:spAutoFit/>
-              </a:bodyPr>
+              <a:bodyPr rtlCol="0" anchor="ctr"/>
               <a:lstStyle/>
               <a:p>
-                <a:pPr/>
-                <a14:m>
-                  <m:oMathPara xmlns:m="http://schemas.openxmlformats.org/officeDocument/2006/math">
-                    <m:oMathParaPr>
-                      <m:jc m:val="centerGroup"/>
-                    </m:oMathParaPr>
-                    <m:oMath xmlns:m="http://schemas.openxmlformats.org/officeDocument/2006/math">
-                      <m:r>
-                        <a:rPr lang="en-US" sz="1600" i="1" smtClean="0">
-                          <a:solidFill>
-                            <a:srgbClr val="FF0000"/>
-                          </a:solidFill>
-                          <a:latin typeface="Cambria Math" panose="02040503050406030204" pitchFamily="18" charset="0"/>
-                        </a:rPr>
-                        <m:t>𝑝</m:t>
-                      </m:r>
-                      <m:r>
-                        <a:rPr lang="en-US" sz="1600" b="0" i="1" smtClean="0">
-                          <a:solidFill>
-                            <a:srgbClr val="FF0000"/>
-                          </a:solidFill>
-                          <a:latin typeface="Cambria Math" panose="02040503050406030204" pitchFamily="18" charset="0"/>
-                        </a:rPr>
-                        <m:t>(</m:t>
-                      </m:r>
-                      <m:r>
-                        <a:rPr lang="en-US" sz="1600" b="0" i="1" smtClean="0">
-                          <a:solidFill>
-                            <a:srgbClr val="FF0000"/>
-                          </a:solidFill>
-                          <a:latin typeface="Cambria Math" panose="02040503050406030204" pitchFamily="18" charset="0"/>
-                        </a:rPr>
-                        <m:t>𝑥</m:t>
-                      </m:r>
-                      <m:r>
-                        <a:rPr lang="en-US" sz="1600" b="0" i="1" smtClean="0">
-                          <a:solidFill>
-                            <a:srgbClr val="FF0000"/>
-                          </a:solidFill>
-                          <a:latin typeface="Cambria Math" panose="02040503050406030204" pitchFamily="18" charset="0"/>
-                        </a:rPr>
-                        <m:t>,</m:t>
-                      </m:r>
-                      <m:r>
-                        <a:rPr lang="en-US" sz="1600" b="0" i="1" smtClean="0">
-                          <a:solidFill>
-                            <a:srgbClr val="FF0000"/>
-                          </a:solidFill>
-                          <a:latin typeface="Cambria Math" panose="02040503050406030204" pitchFamily="18" charset="0"/>
-                        </a:rPr>
-                        <m:t>𝑠</m:t>
-                      </m:r>
-                      <m:r>
-                        <a:rPr lang="en-US" sz="1600" b="0" i="1" smtClean="0">
-                          <a:solidFill>
-                            <a:srgbClr val="FF0000"/>
-                          </a:solidFill>
-                          <a:latin typeface="Cambria Math" panose="02040503050406030204" pitchFamily="18" charset="0"/>
-                        </a:rPr>
-                        <m:t>,</m:t>
-                      </m:r>
-                      <m:r>
-                        <a:rPr lang="en-US" sz="1600" b="0" i="1" smtClean="0">
-                          <a:solidFill>
-                            <a:srgbClr val="FF0000"/>
-                          </a:solidFill>
-                          <a:latin typeface="Cambria Math" panose="02040503050406030204" pitchFamily="18" charset="0"/>
-                        </a:rPr>
-                        <m:t>𝑢</m:t>
-                      </m:r>
-                      <m:r>
-                        <a:rPr lang="en-US" sz="1600" b="0" i="1" smtClean="0">
-                          <a:solidFill>
-                            <a:srgbClr val="FF0000"/>
-                          </a:solidFill>
-                          <a:latin typeface="Cambria Math" panose="02040503050406030204" pitchFamily="18" charset="0"/>
-                        </a:rPr>
-                        <m:t>)</m:t>
-                      </m:r>
-                    </m:oMath>
-                  </m:oMathPara>
-                </a14:m>
-                <a:endParaRPr lang="en-US" sz="1600" dirty="0">
-                  <a:solidFill>
-                    <a:srgbClr val="FF0000"/>
-                  </a:solidFill>
-                </a:endParaRPr>
+                <a:pPr algn="ctr"/>
+                <a:endParaRPr lang="en-NL"/>
               </a:p>
             </p:txBody>
           </p:sp>
-        </mc:Choice>
-        <mc:Fallback xmlns="">
-          <p:sp>
-            <p:nvSpPr>
-              <p:cNvPr id="70" name="TextBox 69">
+          <p:cxnSp>
+            <p:nvCxnSpPr>
+              <p:cNvPr id="50" name="Straight Arrow Connector 49">
                 <a:extLst>
                   <a:ext uri="{FF2B5EF4-FFF2-40B4-BE49-F238E27FC236}">
-                    <a16:creationId xmlns:a16="http://schemas.microsoft.com/office/drawing/2014/main" id="{025E71A1-1238-4D55-A64C-8E967B14B934}"/>
+                    <a16:creationId xmlns:a16="http://schemas.microsoft.com/office/drawing/2014/main" id="{5AE24964-AE15-894D-AFCA-E14B97F5259F}"/>
                   </a:ext>
                 </a:extLst>
               </p:cNvPr>
-              <p:cNvSpPr txBox="1">
-                <a:spLocks noRot="1" noChangeAspect="1" noMove="1" noResize="1" noEditPoints="1" noAdjustHandles="1" noChangeArrowheads="1" noChangeShapeType="1" noTextEdit="1"/>
-              </p:cNvSpPr>
+              <p:cNvCxnSpPr>
+                <a:cxnSpLocks/>
+                <a:stCxn id="66" idx="2"/>
+                <a:endCxn id="52" idx="0"/>
+              </p:cNvCxnSpPr>
+              <p:nvPr/>
+            </p:nvCxnSpPr>
+            <p:spPr>
+              <a:xfrm>
+                <a:off x="9714709" y="2784726"/>
+                <a:ext cx="0" cy="460523"/>
+              </a:xfrm>
+              <a:prstGeom prst="straightConnector1">
+                <a:avLst/>
+              </a:prstGeom>
+              <a:ln w="28575">
+                <a:solidFill>
+                  <a:schemeClr val="tx1"/>
+                </a:solidFill>
+                <a:headEnd type="none" w="med" len="med"/>
+                <a:tailEnd type="arrow" w="med" len="med"/>
+              </a:ln>
+            </p:spPr>
+            <p:style>
+              <a:lnRef idx="1">
+                <a:schemeClr val="accent1"/>
+              </a:lnRef>
+              <a:fillRef idx="0">
+                <a:schemeClr val="accent1"/>
+              </a:fillRef>
+              <a:effectRef idx="0">
+                <a:schemeClr val="accent1"/>
+              </a:effectRef>
+              <a:fontRef idx="minor">
+                <a:schemeClr val="tx1"/>
+              </a:fontRef>
+            </p:style>
+          </p:cxnSp>
+          <p:sp>
+            <p:nvSpPr>
+              <p:cNvPr id="52" name="Rectangle 51">
+                <a:extLst>
+                  <a:ext uri="{FF2B5EF4-FFF2-40B4-BE49-F238E27FC236}">
+                    <a16:creationId xmlns:a16="http://schemas.microsoft.com/office/drawing/2014/main" id="{E923CD2A-2105-3349-9385-7500ECA3BE99}"/>
+                  </a:ext>
+                </a:extLst>
+              </p:cNvPr>
+              <p:cNvSpPr/>
               <p:nvPr/>
             </p:nvSpPr>
             <p:spPr>
               <a:xfrm>
-                <a:off x="6659429" y="2438253"/>
-                <a:ext cx="820674" cy="246221"/>
-              </a:xfrm>
-              <a:prstGeom prst="rect">
-                <a:avLst/>
-              </a:prstGeom>
-              <a:blipFill>
-                <a:blip r:embed="rId12"/>
-                <a:stretch>
-                  <a:fillRect l="-5926" r="-8148" b="-32500"/>
-                </a:stretch>
-              </a:blipFill>
-            </p:spPr>
-            <p:txBody>
-              <a:bodyPr/>
-              <a:lstStyle/>
-              <a:p>
-                <a:r>
-                  <a:rPr lang="en-US">
-                    <a:noFill/>
-                  </a:rPr>
-                  <a:t> </a:t>
-                </a:r>
-              </a:p>
-            </p:txBody>
-          </p:sp>
-        </mc:Fallback>
-      </mc:AlternateContent>
-      <mc:AlternateContent xmlns:mc="http://schemas.openxmlformats.org/markup-compatibility/2006">
-        <mc:Choice xmlns:a14="http://schemas.microsoft.com/office/drawing/2010/main" Requires="a14">
-          <p:sp>
-            <p:nvSpPr>
-              <p:cNvPr id="73" name="TextBox 72">
-                <a:extLst>
-                  <a:ext uri="{FF2B5EF4-FFF2-40B4-BE49-F238E27FC236}">
-                    <a16:creationId xmlns:a16="http://schemas.microsoft.com/office/drawing/2014/main" id="{202DECA0-1FF2-4E98-A8F7-C9A8938214AF}"/>
-                  </a:ext>
-                </a:extLst>
-              </p:cNvPr>
-              <p:cNvSpPr txBox="1"/>
-              <p:nvPr/>
-            </p:nvSpPr>
-            <p:spPr>
-              <a:xfrm>
-                <a:off x="7346238" y="3387014"/>
-                <a:ext cx="574196" cy="246221"/>
+                <a:off x="9480709" y="3245249"/>
+                <a:ext cx="468000" cy="468000"/>
               </a:xfrm>
               <a:prstGeom prst="rect">
                 <a:avLst/>
@@ -5552,124 +5383,1270 @@
               <a:solidFill>
                 <a:schemeClr val="bg1"/>
               </a:solidFill>
+              <a:ln w="28575">
+                <a:solidFill>
+                  <a:schemeClr val="tx1"/>
+                </a:solidFill>
+              </a:ln>
             </p:spPr>
+            <p:style>
+              <a:lnRef idx="2">
+                <a:schemeClr val="accent1">
+                  <a:shade val="50000"/>
+                </a:schemeClr>
+              </a:lnRef>
+              <a:fillRef idx="1">
+                <a:schemeClr val="accent1"/>
+              </a:fillRef>
+              <a:effectRef idx="0">
+                <a:schemeClr val="accent1"/>
+              </a:effectRef>
+              <a:fontRef idx="minor">
+                <a:schemeClr val="lt1"/>
+              </a:fontRef>
+            </p:style>
             <p:txBody>
-              <a:bodyPr wrap="none" lIns="0" tIns="0" rIns="0" bIns="0" rtlCol="0">
-                <a:spAutoFit/>
-              </a:bodyPr>
+              <a:bodyPr rtlCol="0" anchor="ctr"/>
               <a:lstStyle/>
               <a:p>
-                <a:r>
-                  <a:rPr lang="en-US" sz="1600" b="0" dirty="0">
-                    <a:solidFill>
-                      <a:srgbClr val="0070C0"/>
-                    </a:solidFill>
-                  </a:rPr>
-                  <a:t>q</a:t>
-                </a:r>
-                <a14:m>
-                  <m:oMath xmlns:m="http://schemas.openxmlformats.org/officeDocument/2006/math">
-                    <m:r>
-                      <a:rPr lang="en-US" sz="1600" b="0" i="1" smtClean="0">
-                        <a:solidFill>
-                          <a:srgbClr val="0070C0"/>
-                        </a:solidFill>
-                        <a:latin typeface="Cambria Math" panose="02040503050406030204" pitchFamily="18" charset="0"/>
-                      </a:rPr>
-                      <m:t>(</m:t>
-                    </m:r>
-                    <m:r>
-                      <a:rPr lang="en-US" sz="1600" b="0" i="1" smtClean="0">
-                        <a:solidFill>
-                          <a:srgbClr val="0070C0"/>
-                        </a:solidFill>
-                        <a:latin typeface="Cambria Math" panose="02040503050406030204" pitchFamily="18" charset="0"/>
-                      </a:rPr>
-                      <m:t>𝑠</m:t>
-                    </m:r>
-                    <m:r>
-                      <a:rPr lang="en-US" sz="1600" b="0" i="1" smtClean="0">
-                        <a:solidFill>
-                          <a:srgbClr val="0070C0"/>
-                        </a:solidFill>
-                        <a:latin typeface="Cambria Math" panose="02040503050406030204" pitchFamily="18" charset="0"/>
-                      </a:rPr>
-                      <m:t>,</m:t>
-                    </m:r>
-                    <m:r>
-                      <a:rPr lang="en-US" sz="1600" b="0" i="1" smtClean="0">
-                        <a:solidFill>
-                          <a:srgbClr val="0070C0"/>
-                        </a:solidFill>
-                        <a:latin typeface="Cambria Math" panose="02040503050406030204" pitchFamily="18" charset="0"/>
-                      </a:rPr>
-                      <m:t>𝑢</m:t>
-                    </m:r>
-                    <m:r>
-                      <a:rPr lang="en-US" sz="1600" b="0" i="1" smtClean="0">
-                        <a:solidFill>
-                          <a:srgbClr val="0070C0"/>
-                        </a:solidFill>
-                        <a:latin typeface="Cambria Math" panose="02040503050406030204" pitchFamily="18" charset="0"/>
-                      </a:rPr>
-                      <m:t>)</m:t>
-                    </m:r>
-                  </m:oMath>
-                </a14:m>
-                <a:endParaRPr lang="en-US" sz="1600" dirty="0">
-                  <a:solidFill>
-                    <a:srgbClr val="0070C0"/>
-                  </a:solidFill>
-                </a:endParaRPr>
+                <a:pPr algn="ctr"/>
+                <a:endParaRPr lang="en-NL"/>
               </a:p>
             </p:txBody>
           </p:sp>
-        </mc:Choice>
-        <mc:Fallback>
-          <p:sp>
-            <p:nvSpPr>
-              <p:cNvPr id="73" name="TextBox 72">
+          <p:cxnSp>
+            <p:nvCxnSpPr>
+              <p:cNvPr id="54" name="Straight Arrow Connector 53">
                 <a:extLst>
                   <a:ext uri="{FF2B5EF4-FFF2-40B4-BE49-F238E27FC236}">
-                    <a16:creationId xmlns:a16="http://schemas.microsoft.com/office/drawing/2014/main" id="{202DECA0-1FF2-4E98-A8F7-C9A8938214AF}"/>
+                    <a16:creationId xmlns:a16="http://schemas.microsoft.com/office/drawing/2014/main" id="{F5EAC186-8ADC-9F47-A18F-0609C52E9123}"/>
                   </a:ext>
                 </a:extLst>
               </p:cNvPr>
-              <p:cNvSpPr txBox="1">
-                <a:spLocks noRot="1" noChangeAspect="1" noMove="1" noResize="1" noEditPoints="1" noAdjustHandles="1" noChangeArrowheads="1" noChangeShapeType="1" noTextEdit="1"/>
-              </p:cNvSpPr>
+              <p:cNvCxnSpPr>
+                <a:cxnSpLocks/>
+                <a:endCxn id="55" idx="0"/>
+              </p:cNvCxnSpPr>
+              <p:nvPr/>
+            </p:nvCxnSpPr>
+            <p:spPr>
+              <a:xfrm flipH="1">
+                <a:off x="9714709" y="3713249"/>
+                <a:ext cx="7080" cy="439807"/>
+              </a:xfrm>
+              <a:prstGeom prst="straightConnector1">
+                <a:avLst/>
+              </a:prstGeom>
+              <a:ln w="28575">
+                <a:solidFill>
+                  <a:schemeClr val="tx1"/>
+                </a:solidFill>
+                <a:headEnd type="none" w="med" len="med"/>
+                <a:tailEnd type="arrow" w="med" len="med"/>
+              </a:ln>
+            </p:spPr>
+            <p:style>
+              <a:lnRef idx="1">
+                <a:schemeClr val="accent1"/>
+              </a:lnRef>
+              <a:fillRef idx="0">
+                <a:schemeClr val="accent1"/>
+              </a:fillRef>
+              <a:effectRef idx="0">
+                <a:schemeClr val="accent1"/>
+              </a:effectRef>
+              <a:fontRef idx="minor">
+                <a:schemeClr val="tx1"/>
+              </a:fontRef>
+            </p:style>
+          </p:cxnSp>
+          <p:sp>
+            <p:nvSpPr>
+              <p:cNvPr id="55" name="Rectangle 54">
+                <a:extLst>
+                  <a:ext uri="{FF2B5EF4-FFF2-40B4-BE49-F238E27FC236}">
+                    <a16:creationId xmlns:a16="http://schemas.microsoft.com/office/drawing/2014/main" id="{4E650D08-BE98-364E-8BEE-022F529D4057}"/>
+                  </a:ext>
+                </a:extLst>
+              </p:cNvPr>
+              <p:cNvSpPr/>
               <p:nvPr/>
             </p:nvSpPr>
             <p:spPr>
               <a:xfrm>
-                <a:off x="7346238" y="3387014"/>
-                <a:ext cx="574196" cy="246221"/>
+                <a:off x="9480709" y="4153056"/>
+                <a:ext cx="468000" cy="468000"/>
               </a:xfrm>
               <a:prstGeom prst="rect">
                 <a:avLst/>
               </a:prstGeom>
-              <a:blipFill>
-                <a:blip r:embed="rId13"/>
-                <a:stretch>
-                  <a:fillRect l="-19149" t="-25000" r="-12766" b="-45000"/>
-                </a:stretch>
-              </a:blipFill>
+              <a:solidFill>
+                <a:schemeClr val="bg1"/>
+              </a:solidFill>
+              <a:ln w="28575">
+                <a:solidFill>
+                  <a:schemeClr val="tx1"/>
+                </a:solidFill>
+              </a:ln>
             </p:spPr>
+            <p:style>
+              <a:lnRef idx="2">
+                <a:schemeClr val="accent1">
+                  <a:shade val="50000"/>
+                </a:schemeClr>
+              </a:lnRef>
+              <a:fillRef idx="1">
+                <a:schemeClr val="accent1"/>
+              </a:fillRef>
+              <a:effectRef idx="0">
+                <a:schemeClr val="accent1"/>
+              </a:effectRef>
+              <a:fontRef idx="minor">
+                <a:schemeClr val="lt1"/>
+              </a:fontRef>
+            </p:style>
             <p:txBody>
-              <a:bodyPr/>
+              <a:bodyPr rtlCol="0" anchor="ctr"/>
               <a:lstStyle/>
               <a:p>
-                <a:r>
-                  <a:rPr lang="en-US">
-                    <a:noFill/>
-                  </a:rPr>
-                  <a:t> </a:t>
-                </a:r>
+                <a:pPr algn="ctr"/>
+                <a:endParaRPr lang="en-NL"/>
               </a:p>
             </p:txBody>
           </p:sp>
-        </mc:Fallback>
-      </mc:AlternateContent>
+          <mc:AlternateContent xmlns:mc="http://schemas.openxmlformats.org/markup-compatibility/2006">
+            <mc:Choice xmlns:a14="http://schemas.microsoft.com/office/drawing/2010/main" Requires="a14">
+              <p:sp>
+                <p:nvSpPr>
+                  <p:cNvPr id="58" name="TextBox 57">
+                    <a:extLst>
+                      <a:ext uri="{FF2B5EF4-FFF2-40B4-BE49-F238E27FC236}">
+                        <a16:creationId xmlns:a16="http://schemas.microsoft.com/office/drawing/2014/main" id="{7EE06698-F21A-4448-87E6-6AE95DC90522}"/>
+                      </a:ext>
+                    </a:extLst>
+                  </p:cNvPr>
+                  <p:cNvSpPr txBox="1"/>
+                  <p:nvPr/>
+                </p:nvSpPr>
+                <p:spPr>
+                  <a:xfrm>
+                    <a:off x="9721786" y="3777697"/>
+                    <a:ext cx="454933" cy="246221"/>
+                  </a:xfrm>
+                  <a:prstGeom prst="rect">
+                    <a:avLst/>
+                  </a:prstGeom>
+                  <a:noFill/>
+                  <a:ln w="28575">
+                    <a:noFill/>
+                  </a:ln>
+                </p:spPr>
+                <p:txBody>
+                  <a:bodyPr wrap="square" lIns="0" tIns="0" rIns="0" bIns="0" rtlCol="0">
+                    <a:spAutoFit/>
+                  </a:bodyPr>
+                  <a:lstStyle/>
+                  <a:p>
+                    <a:pPr/>
+                    <a14:m>
+                      <m:oMathPara xmlns:m="http://schemas.openxmlformats.org/officeDocument/2006/math">
+                        <m:oMathParaPr>
+                          <m:jc m:val="centerGroup"/>
+                        </m:oMathParaPr>
+                        <m:oMath xmlns:m="http://schemas.openxmlformats.org/officeDocument/2006/math">
+                          <m:r>
+                            <a:rPr lang="en-US" sz="1600" b="0" i="1" smtClean="0">
+                              <a:latin typeface="Cambria Math" panose="02040503050406030204" pitchFamily="18" charset="0"/>
+                            </a:rPr>
+                            <m:t>𝑠</m:t>
+                          </m:r>
+                        </m:oMath>
+                      </m:oMathPara>
+                    </a14:m>
+                    <a:endParaRPr lang="en-US" sz="1600" dirty="0"/>
+                  </a:p>
+                </p:txBody>
+              </p:sp>
+            </mc:Choice>
+            <mc:Fallback>
+              <p:sp>
+                <p:nvSpPr>
+                  <p:cNvPr id="58" name="TextBox 57">
+                    <a:extLst>
+                      <a:ext uri="{FF2B5EF4-FFF2-40B4-BE49-F238E27FC236}">
+                        <a16:creationId xmlns:a16="http://schemas.microsoft.com/office/drawing/2014/main" id="{7EE06698-F21A-4448-87E6-6AE95DC90522}"/>
+                      </a:ext>
+                    </a:extLst>
+                  </p:cNvPr>
+                  <p:cNvSpPr txBox="1">
+                    <a:spLocks noRot="1" noChangeAspect="1" noMove="1" noResize="1" noEditPoints="1" noAdjustHandles="1" noChangeArrowheads="1" noChangeShapeType="1" noTextEdit="1"/>
+                  </p:cNvSpPr>
+                  <p:nvPr/>
+                </p:nvSpPr>
+                <p:spPr>
+                  <a:xfrm>
+                    <a:off x="9721786" y="3777697"/>
+                    <a:ext cx="454933" cy="246221"/>
+                  </a:xfrm>
+                  <a:prstGeom prst="rect">
+                    <a:avLst/>
+                  </a:prstGeom>
+                  <a:blipFill>
+                    <a:blip r:embed="rId14"/>
+                    <a:stretch>
+                      <a:fillRect/>
+                    </a:stretch>
+                  </a:blipFill>
+                  <a:ln w="28575">
+                    <a:noFill/>
+                  </a:ln>
+                </p:spPr>
+                <p:txBody>
+                  <a:bodyPr/>
+                  <a:lstStyle/>
+                  <a:p>
+                    <a:r>
+                      <a:rPr lang="en-NL">
+                        <a:noFill/>
+                      </a:rPr>
+                      <a:t> </a:t>
+                    </a:r>
+                  </a:p>
+                </p:txBody>
+              </p:sp>
+            </mc:Fallback>
+          </mc:AlternateContent>
+          <p:cxnSp>
+            <p:nvCxnSpPr>
+              <p:cNvPr id="62" name="Straight Arrow Connector 61">
+                <a:extLst>
+                  <a:ext uri="{FF2B5EF4-FFF2-40B4-BE49-F238E27FC236}">
+                    <a16:creationId xmlns:a16="http://schemas.microsoft.com/office/drawing/2014/main" id="{D24BDBAE-9FD2-F947-B203-9BD5D9C4156E}"/>
+                  </a:ext>
+                </a:extLst>
+              </p:cNvPr>
+              <p:cNvCxnSpPr>
+                <a:cxnSpLocks/>
+              </p:cNvCxnSpPr>
+              <p:nvPr/>
+            </p:nvCxnSpPr>
+            <p:spPr>
+              <a:xfrm>
+                <a:off x="9721786" y="4621056"/>
+                <a:ext cx="0" cy="439807"/>
+              </a:xfrm>
+              <a:prstGeom prst="straightConnector1">
+                <a:avLst/>
+              </a:prstGeom>
+              <a:ln w="28575">
+                <a:solidFill>
+                  <a:schemeClr val="tx1"/>
+                </a:solidFill>
+                <a:headEnd type="none" w="med" len="med"/>
+                <a:tailEnd type="arrow" w="med" len="med"/>
+              </a:ln>
+            </p:spPr>
+            <p:style>
+              <a:lnRef idx="1">
+                <a:schemeClr val="accent1"/>
+              </a:lnRef>
+              <a:fillRef idx="0">
+                <a:schemeClr val="accent1"/>
+              </a:fillRef>
+              <a:effectRef idx="0">
+                <a:schemeClr val="accent1"/>
+              </a:effectRef>
+              <a:fontRef idx="minor">
+                <a:schemeClr val="tx1"/>
+              </a:fontRef>
+            </p:style>
+          </p:cxnSp>
+          <p:sp>
+            <p:nvSpPr>
+              <p:cNvPr id="63" name="Rectangle 62">
+                <a:extLst>
+                  <a:ext uri="{FF2B5EF4-FFF2-40B4-BE49-F238E27FC236}">
+                    <a16:creationId xmlns:a16="http://schemas.microsoft.com/office/drawing/2014/main" id="{D08CB976-6512-074E-8DC2-9DD63AF3E0F5}"/>
+                  </a:ext>
+                </a:extLst>
+              </p:cNvPr>
+              <p:cNvSpPr/>
+              <p:nvPr/>
+            </p:nvSpPr>
+            <p:spPr>
+              <a:xfrm>
+                <a:off x="9606709" y="5813468"/>
+                <a:ext cx="216000" cy="216000"/>
+              </a:xfrm>
+              <a:prstGeom prst="rect">
+                <a:avLst/>
+              </a:prstGeom>
+              <a:solidFill>
+                <a:schemeClr val="tx1"/>
+              </a:solidFill>
+              <a:ln w="28575">
+                <a:solidFill>
+                  <a:schemeClr val="tx1"/>
+                </a:solidFill>
+              </a:ln>
+            </p:spPr>
+            <p:style>
+              <a:lnRef idx="2">
+                <a:schemeClr val="accent1">
+                  <a:shade val="50000"/>
+                </a:schemeClr>
+              </a:lnRef>
+              <a:fillRef idx="1">
+                <a:schemeClr val="accent1"/>
+              </a:fillRef>
+              <a:effectRef idx="0">
+                <a:schemeClr val="accent1"/>
+              </a:effectRef>
+              <a:fontRef idx="minor">
+                <a:schemeClr val="lt1"/>
+              </a:fontRef>
+            </p:style>
+            <p:txBody>
+              <a:bodyPr rtlCol="0" anchor="ctr"/>
+              <a:lstStyle/>
+              <a:p>
+                <a:pPr algn="ctr"/>
+                <a:endParaRPr lang="en-NL"/>
+              </a:p>
+            </p:txBody>
+          </p:sp>
+          <p:sp>
+            <p:nvSpPr>
+              <p:cNvPr id="64" name="Rectangle 63">
+                <a:extLst>
+                  <a:ext uri="{FF2B5EF4-FFF2-40B4-BE49-F238E27FC236}">
+                    <a16:creationId xmlns:a16="http://schemas.microsoft.com/office/drawing/2014/main" id="{AB9F2CD5-1A4E-BD49-BCF7-6008E3433923}"/>
+                  </a:ext>
+                </a:extLst>
+              </p:cNvPr>
+              <p:cNvSpPr/>
+              <p:nvPr/>
+            </p:nvSpPr>
+            <p:spPr>
+              <a:xfrm>
+                <a:off x="9552709" y="5049661"/>
+                <a:ext cx="324000" cy="324000"/>
+              </a:xfrm>
+              <a:prstGeom prst="rect">
+                <a:avLst/>
+              </a:prstGeom>
+              <a:solidFill>
+                <a:schemeClr val="bg1"/>
+              </a:solidFill>
+              <a:ln w="28575">
+                <a:solidFill>
+                  <a:schemeClr val="tx1"/>
+                </a:solidFill>
+              </a:ln>
+            </p:spPr>
+            <p:style>
+              <a:lnRef idx="2">
+                <a:schemeClr val="accent1">
+                  <a:shade val="50000"/>
+                </a:schemeClr>
+              </a:lnRef>
+              <a:fillRef idx="1">
+                <a:schemeClr val="accent1"/>
+              </a:fillRef>
+              <a:effectRef idx="0">
+                <a:schemeClr val="accent1"/>
+              </a:effectRef>
+              <a:fontRef idx="minor">
+                <a:schemeClr val="lt1"/>
+              </a:fontRef>
+            </p:style>
+            <p:txBody>
+              <a:bodyPr rtlCol="0" anchor="ctr"/>
+              <a:lstStyle/>
+              <a:p>
+                <a:pPr algn="ctr"/>
+                <a:endParaRPr lang="en-NL"/>
+              </a:p>
+            </p:txBody>
+          </p:sp>
+          <p:cxnSp>
+            <p:nvCxnSpPr>
+              <p:cNvPr id="65" name="Straight Arrow Connector 64">
+                <a:extLst>
+                  <a:ext uri="{FF2B5EF4-FFF2-40B4-BE49-F238E27FC236}">
+                    <a16:creationId xmlns:a16="http://schemas.microsoft.com/office/drawing/2014/main" id="{883879B8-9402-3E4E-B9FA-27D44538B189}"/>
+                  </a:ext>
+                </a:extLst>
+              </p:cNvPr>
+              <p:cNvCxnSpPr>
+                <a:cxnSpLocks/>
+              </p:cNvCxnSpPr>
+              <p:nvPr/>
+            </p:nvCxnSpPr>
+            <p:spPr>
+              <a:xfrm>
+                <a:off x="9721786" y="5373661"/>
+                <a:ext cx="0" cy="439807"/>
+              </a:xfrm>
+              <a:prstGeom prst="straightConnector1">
+                <a:avLst/>
+              </a:prstGeom>
+              <a:ln w="28575">
+                <a:solidFill>
+                  <a:schemeClr val="tx1"/>
+                </a:solidFill>
+                <a:headEnd type="none" w="med" len="med"/>
+                <a:tailEnd type="arrow" w="med" len="med"/>
+              </a:ln>
+            </p:spPr>
+            <p:style>
+              <a:lnRef idx="1">
+                <a:schemeClr val="accent1"/>
+              </a:lnRef>
+              <a:fillRef idx="0">
+                <a:schemeClr val="accent1"/>
+              </a:fillRef>
+              <a:effectRef idx="0">
+                <a:schemeClr val="accent1"/>
+              </a:effectRef>
+              <a:fontRef idx="minor">
+                <a:schemeClr val="tx1"/>
+              </a:fontRef>
+            </p:style>
+          </p:cxnSp>
+          <p:sp>
+            <p:nvSpPr>
+              <p:cNvPr id="66" name="Rectangle 65">
+                <a:extLst>
+                  <a:ext uri="{FF2B5EF4-FFF2-40B4-BE49-F238E27FC236}">
+                    <a16:creationId xmlns:a16="http://schemas.microsoft.com/office/drawing/2014/main" id="{EE9D81CE-88AB-FE42-B7DF-7CFE65A3B38D}"/>
+                  </a:ext>
+                </a:extLst>
+              </p:cNvPr>
+              <p:cNvSpPr/>
+              <p:nvPr/>
+            </p:nvSpPr>
+            <p:spPr>
+              <a:xfrm>
+                <a:off x="9552709" y="2460726"/>
+                <a:ext cx="324000" cy="324000"/>
+              </a:xfrm>
+              <a:prstGeom prst="rect">
+                <a:avLst/>
+              </a:prstGeom>
+              <a:solidFill>
+                <a:schemeClr val="bg1"/>
+              </a:solidFill>
+              <a:ln w="28575">
+                <a:solidFill>
+                  <a:schemeClr val="tx1"/>
+                </a:solidFill>
+              </a:ln>
+            </p:spPr>
+            <p:style>
+              <a:lnRef idx="2">
+                <a:schemeClr val="accent1">
+                  <a:shade val="50000"/>
+                </a:schemeClr>
+              </a:lnRef>
+              <a:fillRef idx="1">
+                <a:schemeClr val="accent1"/>
+              </a:fillRef>
+              <a:effectRef idx="0">
+                <a:schemeClr val="accent1"/>
+              </a:effectRef>
+              <a:fontRef idx="minor">
+                <a:schemeClr val="lt1"/>
+              </a:fontRef>
+            </p:style>
+            <p:txBody>
+              <a:bodyPr rtlCol="0" anchor="ctr"/>
+              <a:lstStyle/>
+              <a:p>
+                <a:pPr algn="ctr"/>
+                <a:endParaRPr lang="en-NL"/>
+              </a:p>
+            </p:txBody>
+          </p:sp>
+          <p:cxnSp>
+            <p:nvCxnSpPr>
+              <p:cNvPr id="68" name="Straight Arrow Connector 67">
+                <a:extLst>
+                  <a:ext uri="{FF2B5EF4-FFF2-40B4-BE49-F238E27FC236}">
+                    <a16:creationId xmlns:a16="http://schemas.microsoft.com/office/drawing/2014/main" id="{8616AEED-EB5D-254B-8139-2656667797E3}"/>
+                  </a:ext>
+                </a:extLst>
+              </p:cNvPr>
+              <p:cNvCxnSpPr>
+                <a:cxnSpLocks/>
+              </p:cNvCxnSpPr>
+              <p:nvPr/>
+            </p:nvCxnSpPr>
+            <p:spPr>
+              <a:xfrm>
+                <a:off x="9721786" y="2026037"/>
+                <a:ext cx="0" cy="439807"/>
+              </a:xfrm>
+              <a:prstGeom prst="straightConnector1">
+                <a:avLst/>
+              </a:prstGeom>
+              <a:ln w="28575">
+                <a:solidFill>
+                  <a:schemeClr val="tx1"/>
+                </a:solidFill>
+                <a:headEnd type="none" w="med" len="med"/>
+                <a:tailEnd type="arrow" w="med" len="med"/>
+              </a:ln>
+            </p:spPr>
+            <p:style>
+              <a:lnRef idx="1">
+                <a:schemeClr val="accent1"/>
+              </a:lnRef>
+              <a:fillRef idx="0">
+                <a:schemeClr val="accent1"/>
+              </a:fillRef>
+              <a:effectRef idx="0">
+                <a:schemeClr val="accent1"/>
+              </a:effectRef>
+              <a:fontRef idx="minor">
+                <a:schemeClr val="tx1"/>
+              </a:fontRef>
+            </p:style>
+          </p:cxnSp>
+          <p:sp>
+            <p:nvSpPr>
+              <p:cNvPr id="71" name="Rectangle 70">
+                <a:extLst>
+                  <a:ext uri="{FF2B5EF4-FFF2-40B4-BE49-F238E27FC236}">
+                    <a16:creationId xmlns:a16="http://schemas.microsoft.com/office/drawing/2014/main" id="{D1F890E3-D404-6C4B-BD12-DA61DFE4568A}"/>
+                  </a:ext>
+                </a:extLst>
+              </p:cNvPr>
+              <p:cNvSpPr/>
+              <p:nvPr/>
+            </p:nvSpPr>
+            <p:spPr>
+              <a:xfrm rot="-2700000">
+                <a:off x="9606709" y="1787210"/>
+                <a:ext cx="216000" cy="216000"/>
+              </a:xfrm>
+              <a:prstGeom prst="rect">
+                <a:avLst/>
+              </a:prstGeom>
+              <a:solidFill>
+                <a:schemeClr val="tx1"/>
+              </a:solidFill>
+              <a:ln w="19050">
+                <a:solidFill>
+                  <a:schemeClr val="tx1"/>
+                </a:solidFill>
+              </a:ln>
+            </p:spPr>
+            <p:style>
+              <a:lnRef idx="2">
+                <a:schemeClr val="accent1">
+                  <a:shade val="50000"/>
+                </a:schemeClr>
+              </a:lnRef>
+              <a:fillRef idx="1">
+                <a:schemeClr val="accent1"/>
+              </a:fillRef>
+              <a:effectRef idx="0">
+                <a:schemeClr val="accent1"/>
+              </a:effectRef>
+              <a:fontRef idx="minor">
+                <a:schemeClr val="lt1"/>
+              </a:fontRef>
+            </p:style>
+            <p:txBody>
+              <a:bodyPr rtlCol="0" anchor="ctr"/>
+              <a:lstStyle/>
+              <a:p>
+                <a:pPr algn="ctr"/>
+                <a:endParaRPr lang="en-NL"/>
+              </a:p>
+            </p:txBody>
+          </p:sp>
+          <p:cxnSp>
+            <p:nvCxnSpPr>
+              <p:cNvPr id="72" name="Straight Arrow Connector 71">
+                <a:extLst>
+                  <a:ext uri="{FF2B5EF4-FFF2-40B4-BE49-F238E27FC236}">
+                    <a16:creationId xmlns:a16="http://schemas.microsoft.com/office/drawing/2014/main" id="{072D06BC-E425-6040-B43B-C29C92E589E9}"/>
+                  </a:ext>
+                </a:extLst>
+              </p:cNvPr>
+              <p:cNvCxnSpPr>
+                <a:cxnSpLocks/>
+                <a:stCxn id="24" idx="3"/>
+                <a:endCxn id="66" idx="1"/>
+              </p:cNvCxnSpPr>
+              <p:nvPr/>
+            </p:nvCxnSpPr>
+            <p:spPr>
+              <a:xfrm>
+                <a:off x="8808559" y="2622726"/>
+                <a:ext cx="744150" cy="0"/>
+              </a:xfrm>
+              <a:prstGeom prst="straightConnector1">
+                <a:avLst/>
+              </a:prstGeom>
+              <a:ln w="28575">
+                <a:solidFill>
+                  <a:schemeClr val="tx1"/>
+                </a:solidFill>
+                <a:headEnd type="none" w="med" len="med"/>
+                <a:tailEnd type="arrow" w="med" len="med"/>
+              </a:ln>
+            </p:spPr>
+            <p:style>
+              <a:lnRef idx="1">
+                <a:schemeClr val="accent1"/>
+              </a:lnRef>
+              <a:fillRef idx="0">
+                <a:schemeClr val="accent1"/>
+              </a:fillRef>
+              <a:effectRef idx="0">
+                <a:schemeClr val="accent1"/>
+              </a:effectRef>
+              <a:fontRef idx="minor">
+                <a:schemeClr val="tx1"/>
+              </a:fontRef>
+            </p:style>
+          </p:cxnSp>
+          <mc:AlternateContent xmlns:mc="http://schemas.openxmlformats.org/markup-compatibility/2006">
+            <mc:Choice xmlns:a14="http://schemas.microsoft.com/office/drawing/2010/main" Requires="a14">
+              <p:sp>
+                <p:nvSpPr>
+                  <p:cNvPr id="74" name="TextBox 73">
+                    <a:extLst>
+                      <a:ext uri="{FF2B5EF4-FFF2-40B4-BE49-F238E27FC236}">
+                        <a16:creationId xmlns:a16="http://schemas.microsoft.com/office/drawing/2014/main" id="{A91A5AFF-E921-7C44-98F8-C4067A3737A0}"/>
+                      </a:ext>
+                    </a:extLst>
+                  </p:cNvPr>
+                  <p:cNvSpPr txBox="1"/>
+                  <p:nvPr/>
+                </p:nvSpPr>
+                <p:spPr>
+                  <a:xfrm>
+                    <a:off x="9730526" y="2803349"/>
+                    <a:ext cx="454933" cy="246221"/>
+                  </a:xfrm>
+                  <a:prstGeom prst="rect">
+                    <a:avLst/>
+                  </a:prstGeom>
+                  <a:noFill/>
+                  <a:ln w="28575">
+                    <a:noFill/>
+                  </a:ln>
+                </p:spPr>
+                <p:txBody>
+                  <a:bodyPr wrap="square" lIns="0" tIns="0" rIns="0" bIns="0" rtlCol="0">
+                    <a:spAutoFit/>
+                  </a:bodyPr>
+                  <a:lstStyle/>
+                  <a:p>
+                    <a:pPr/>
+                    <a14:m>
+                      <m:oMathPara xmlns:m="http://schemas.openxmlformats.org/officeDocument/2006/math">
+                        <m:oMathParaPr>
+                          <m:jc m:val="centerGroup"/>
+                        </m:oMathParaPr>
+                        <m:oMath xmlns:m="http://schemas.openxmlformats.org/officeDocument/2006/math">
+                          <m:r>
+                            <a:rPr lang="en-US" sz="1600" i="1" smtClean="0">
+                              <a:latin typeface="Cambria Math" panose="02040503050406030204" pitchFamily="18" charset="0"/>
+                            </a:rPr>
+                            <m:t>𝑢</m:t>
+                          </m:r>
+                        </m:oMath>
+                      </m:oMathPara>
+                    </a14:m>
+                    <a:endParaRPr lang="en-US" sz="1600" dirty="0"/>
+                  </a:p>
+                </p:txBody>
+              </p:sp>
+            </mc:Choice>
+            <mc:Fallback>
+              <p:sp>
+                <p:nvSpPr>
+                  <p:cNvPr id="74" name="TextBox 73">
+                    <a:extLst>
+                      <a:ext uri="{FF2B5EF4-FFF2-40B4-BE49-F238E27FC236}">
+                        <a16:creationId xmlns:a16="http://schemas.microsoft.com/office/drawing/2014/main" id="{A91A5AFF-E921-7C44-98F8-C4067A3737A0}"/>
+                      </a:ext>
+                    </a:extLst>
+                  </p:cNvPr>
+                  <p:cNvSpPr txBox="1">
+                    <a:spLocks noRot="1" noChangeAspect="1" noMove="1" noResize="1" noEditPoints="1" noAdjustHandles="1" noChangeArrowheads="1" noChangeShapeType="1" noTextEdit="1"/>
+                  </p:cNvSpPr>
+                  <p:nvPr/>
+                </p:nvSpPr>
+                <p:spPr>
+                  <a:xfrm>
+                    <a:off x="9730526" y="2803349"/>
+                    <a:ext cx="454933" cy="246221"/>
+                  </a:xfrm>
+                  <a:prstGeom prst="rect">
+                    <a:avLst/>
+                  </a:prstGeom>
+                  <a:blipFill>
+                    <a:blip r:embed="rId15"/>
+                    <a:stretch>
+                      <a:fillRect/>
+                    </a:stretch>
+                  </a:blipFill>
+                  <a:ln w="28575">
+                    <a:noFill/>
+                  </a:ln>
+                </p:spPr>
+                <p:txBody>
+                  <a:bodyPr/>
+                  <a:lstStyle/>
+                  <a:p>
+                    <a:r>
+                      <a:rPr lang="en-NL">
+                        <a:noFill/>
+                      </a:rPr>
+                      <a:t> </a:t>
+                    </a:r>
+                  </a:p>
+                </p:txBody>
+              </p:sp>
+            </mc:Fallback>
+          </mc:AlternateContent>
+          <mc:AlternateContent xmlns:mc="http://schemas.openxmlformats.org/markup-compatibility/2006">
+            <mc:Choice xmlns:a14="http://schemas.microsoft.com/office/drawing/2010/main" Requires="a14">
+              <p:sp>
+                <p:nvSpPr>
+                  <p:cNvPr id="75" name="TextBox 74">
+                    <a:extLst>
+                      <a:ext uri="{FF2B5EF4-FFF2-40B4-BE49-F238E27FC236}">
+                        <a16:creationId xmlns:a16="http://schemas.microsoft.com/office/drawing/2014/main" id="{8D2EBBBC-089C-0B4A-BFE3-6EAEA59F34D4}"/>
+                      </a:ext>
+                    </a:extLst>
+                  </p:cNvPr>
+                  <p:cNvSpPr txBox="1"/>
+                  <p:nvPr/>
+                </p:nvSpPr>
+                <p:spPr>
+                  <a:xfrm>
+                    <a:off x="9472438" y="5008963"/>
+                    <a:ext cx="454933" cy="369332"/>
+                  </a:xfrm>
+                  <a:prstGeom prst="rect">
+                    <a:avLst/>
+                  </a:prstGeom>
+                  <a:noFill/>
+                </p:spPr>
+                <p:txBody>
+                  <a:bodyPr wrap="square" lIns="0" tIns="0" rIns="0" bIns="0" rtlCol="0">
+                    <a:spAutoFit/>
+                  </a:bodyPr>
+                  <a:lstStyle/>
+                  <a:p>
+                    <a:pPr/>
+                    <a14:m>
+                      <m:oMathPara xmlns:m="http://schemas.openxmlformats.org/officeDocument/2006/math">
+                        <m:oMathParaPr>
+                          <m:jc m:val="centerGroup"/>
+                        </m:oMathParaPr>
+                        <m:oMath xmlns:m="http://schemas.openxmlformats.org/officeDocument/2006/math">
+                          <m:r>
+                            <a:rPr lang="en-US" sz="2400" b="0" i="1" smtClean="0">
+                              <a:latin typeface="Cambria Math" panose="02040503050406030204" pitchFamily="18" charset="0"/>
+                            </a:rPr>
+                            <m:t>=</m:t>
+                          </m:r>
+                        </m:oMath>
+                      </m:oMathPara>
+                    </a14:m>
+                    <a:endParaRPr lang="en-US" sz="2400" dirty="0"/>
+                  </a:p>
+                </p:txBody>
+              </p:sp>
+            </mc:Choice>
+            <mc:Fallback>
+              <p:sp>
+                <p:nvSpPr>
+                  <p:cNvPr id="75" name="TextBox 74">
+                    <a:extLst>
+                      <a:ext uri="{FF2B5EF4-FFF2-40B4-BE49-F238E27FC236}">
+                        <a16:creationId xmlns:a16="http://schemas.microsoft.com/office/drawing/2014/main" id="{8D2EBBBC-089C-0B4A-BFE3-6EAEA59F34D4}"/>
+                      </a:ext>
+                    </a:extLst>
+                  </p:cNvPr>
+                  <p:cNvSpPr txBox="1">
+                    <a:spLocks noRot="1" noChangeAspect="1" noMove="1" noResize="1" noEditPoints="1" noAdjustHandles="1" noChangeArrowheads="1" noChangeShapeType="1" noTextEdit="1"/>
+                  </p:cNvSpPr>
+                  <p:nvPr/>
+                </p:nvSpPr>
+                <p:spPr>
+                  <a:xfrm>
+                    <a:off x="9472438" y="5008963"/>
+                    <a:ext cx="454933" cy="369332"/>
+                  </a:xfrm>
+                  <a:prstGeom prst="rect">
+                    <a:avLst/>
+                  </a:prstGeom>
+                  <a:blipFill>
+                    <a:blip r:embed="rId16"/>
+                    <a:stretch>
+                      <a:fillRect/>
+                    </a:stretch>
+                  </a:blipFill>
+                </p:spPr>
+                <p:txBody>
+                  <a:bodyPr/>
+                  <a:lstStyle/>
+                  <a:p>
+                    <a:r>
+                      <a:rPr lang="en-NL">
+                        <a:noFill/>
+                      </a:rPr>
+                      <a:t> </a:t>
+                    </a:r>
+                  </a:p>
+                </p:txBody>
+              </p:sp>
+            </mc:Fallback>
+          </mc:AlternateContent>
+          <mc:AlternateContent xmlns:mc="http://schemas.openxmlformats.org/markup-compatibility/2006">
+            <mc:Choice xmlns:a14="http://schemas.microsoft.com/office/drawing/2010/main" Requires="a14">
+              <p:sp>
+                <p:nvSpPr>
+                  <p:cNvPr id="25" name="TextBox 24">
+                    <a:extLst>
+                      <a:ext uri="{FF2B5EF4-FFF2-40B4-BE49-F238E27FC236}">
+                        <a16:creationId xmlns:a16="http://schemas.microsoft.com/office/drawing/2014/main" id="{1EE737C3-F1F5-4E8A-92B7-8B82A0440B77}"/>
+                      </a:ext>
+                    </a:extLst>
+                  </p:cNvPr>
+                  <p:cNvSpPr txBox="1"/>
+                  <p:nvPr/>
+                </p:nvSpPr>
+                <p:spPr>
+                  <a:xfrm>
+                    <a:off x="9490460" y="2425889"/>
+                    <a:ext cx="454933" cy="369332"/>
+                  </a:xfrm>
+                  <a:prstGeom prst="rect">
+                    <a:avLst/>
+                  </a:prstGeom>
+                  <a:noFill/>
+                </p:spPr>
+                <p:txBody>
+                  <a:bodyPr wrap="square" lIns="0" tIns="0" rIns="0" bIns="0" rtlCol="0">
+                    <a:spAutoFit/>
+                  </a:bodyPr>
+                  <a:lstStyle/>
+                  <a:p>
+                    <a:pPr/>
+                    <a14:m>
+                      <m:oMathPara xmlns:m="http://schemas.openxmlformats.org/officeDocument/2006/math">
+                        <m:oMathParaPr>
+                          <m:jc m:val="centerGroup"/>
+                        </m:oMathParaPr>
+                        <m:oMath xmlns:m="http://schemas.openxmlformats.org/officeDocument/2006/math">
+                          <m:r>
+                            <a:rPr lang="en-US" sz="2400" b="0" i="1" smtClean="0">
+                              <a:latin typeface="Cambria Math" panose="02040503050406030204" pitchFamily="18" charset="0"/>
+                            </a:rPr>
+                            <m:t>=</m:t>
+                          </m:r>
+                        </m:oMath>
+                      </m:oMathPara>
+                    </a14:m>
+                    <a:endParaRPr lang="en-US" sz="2400" dirty="0"/>
+                  </a:p>
+                </p:txBody>
+              </p:sp>
+            </mc:Choice>
+            <mc:Fallback>
+              <p:sp>
+                <p:nvSpPr>
+                  <p:cNvPr id="25" name="TextBox 24">
+                    <a:extLst>
+                      <a:ext uri="{FF2B5EF4-FFF2-40B4-BE49-F238E27FC236}">
+                        <a16:creationId xmlns:a16="http://schemas.microsoft.com/office/drawing/2014/main" id="{1EE737C3-F1F5-4E8A-92B7-8B82A0440B77}"/>
+                      </a:ext>
+                    </a:extLst>
+                  </p:cNvPr>
+                  <p:cNvSpPr txBox="1">
+                    <a:spLocks noRot="1" noChangeAspect="1" noMove="1" noResize="1" noEditPoints="1" noAdjustHandles="1" noChangeArrowheads="1" noChangeShapeType="1" noTextEdit="1"/>
+                  </p:cNvSpPr>
+                  <p:nvPr/>
+                </p:nvSpPr>
+                <p:spPr>
+                  <a:xfrm>
+                    <a:off x="9490460" y="2425889"/>
+                    <a:ext cx="454933" cy="369332"/>
+                  </a:xfrm>
+                  <a:prstGeom prst="rect">
+                    <a:avLst/>
+                  </a:prstGeom>
+                  <a:blipFill>
+                    <a:blip r:embed="rId17"/>
+                    <a:stretch>
+                      <a:fillRect/>
+                    </a:stretch>
+                  </a:blipFill>
+                </p:spPr>
+                <p:txBody>
+                  <a:bodyPr/>
+                  <a:lstStyle/>
+                  <a:p>
+                    <a:r>
+                      <a:rPr lang="en-NL">
+                        <a:noFill/>
+                      </a:rPr>
+                      <a:t> </a:t>
+                    </a:r>
+                  </a:p>
+                </p:txBody>
+              </p:sp>
+            </mc:Fallback>
+          </mc:AlternateContent>
+          <p:sp>
+            <p:nvSpPr>
+              <p:cNvPr id="76" name="Rectangle 75">
+                <a:extLst>
+                  <a:ext uri="{FF2B5EF4-FFF2-40B4-BE49-F238E27FC236}">
+                    <a16:creationId xmlns:a16="http://schemas.microsoft.com/office/drawing/2014/main" id="{D8306A4F-A6BF-3D46-BBF7-8F012BB7F30F}"/>
+                  </a:ext>
+                </a:extLst>
+              </p:cNvPr>
+              <p:cNvSpPr/>
+              <p:nvPr/>
+            </p:nvSpPr>
+            <p:spPr>
+              <a:xfrm>
+                <a:off x="8334025" y="4977661"/>
+                <a:ext cx="468000" cy="468000"/>
+              </a:xfrm>
+              <a:prstGeom prst="rect">
+                <a:avLst/>
+              </a:prstGeom>
+              <a:solidFill>
+                <a:schemeClr val="bg1"/>
+              </a:solidFill>
+              <a:ln w="28575">
+                <a:solidFill>
+                  <a:srgbClr val="FF0000"/>
+                </a:solidFill>
+              </a:ln>
+            </p:spPr>
+            <p:style>
+              <a:lnRef idx="2">
+                <a:schemeClr val="accent1">
+                  <a:shade val="50000"/>
+                </a:schemeClr>
+              </a:lnRef>
+              <a:fillRef idx="1">
+                <a:schemeClr val="accent1"/>
+              </a:fillRef>
+              <a:effectRef idx="0">
+                <a:schemeClr val="accent1"/>
+              </a:effectRef>
+              <a:fontRef idx="minor">
+                <a:schemeClr val="lt1"/>
+              </a:fontRef>
+            </p:style>
+            <p:txBody>
+              <a:bodyPr rtlCol="0" anchor="ctr"/>
+              <a:lstStyle/>
+              <a:p>
+                <a:pPr algn="ctr"/>
+                <a:endParaRPr lang="en-NL"/>
+              </a:p>
+            </p:txBody>
+          </p:sp>
+          <p:cxnSp>
+            <p:nvCxnSpPr>
+              <p:cNvPr id="77" name="Straight Arrow Connector 76">
+                <a:extLst>
+                  <a:ext uri="{FF2B5EF4-FFF2-40B4-BE49-F238E27FC236}">
+                    <a16:creationId xmlns:a16="http://schemas.microsoft.com/office/drawing/2014/main" id="{59E6A3E7-3714-A341-A1FA-BF3FE4DEFA87}"/>
+                  </a:ext>
+                </a:extLst>
+              </p:cNvPr>
+              <p:cNvCxnSpPr>
+                <a:cxnSpLocks/>
+                <a:stCxn id="76" idx="3"/>
+                <a:endCxn id="64" idx="1"/>
+              </p:cNvCxnSpPr>
+              <p:nvPr/>
+            </p:nvCxnSpPr>
+            <p:spPr>
+              <a:xfrm>
+                <a:off x="8802025" y="5211661"/>
+                <a:ext cx="750684" cy="0"/>
+              </a:xfrm>
+              <a:prstGeom prst="straightConnector1">
+                <a:avLst/>
+              </a:prstGeom>
+              <a:ln w="28575">
+                <a:solidFill>
+                  <a:srgbClr val="FF0000"/>
+                </a:solidFill>
+                <a:headEnd type="none" w="med" len="med"/>
+                <a:tailEnd type="arrow" w="med" len="med"/>
+              </a:ln>
+            </p:spPr>
+            <p:style>
+              <a:lnRef idx="1">
+                <a:schemeClr val="accent1"/>
+              </a:lnRef>
+              <a:fillRef idx="0">
+                <a:schemeClr val="accent1"/>
+              </a:fillRef>
+              <a:effectRef idx="0">
+                <a:schemeClr val="accent1"/>
+              </a:effectRef>
+              <a:fontRef idx="minor">
+                <a:schemeClr val="tx1"/>
+              </a:fontRef>
+            </p:style>
+          </p:cxnSp>
+        </p:grpSp>
+        <p:sp>
+          <p:nvSpPr>
+            <p:cNvPr id="42" name="TextBox 41">
+              <a:extLst>
+                <a:ext uri="{FF2B5EF4-FFF2-40B4-BE49-F238E27FC236}">
+                  <a16:creationId xmlns:a16="http://schemas.microsoft.com/office/drawing/2014/main" id="{8780AC0B-4467-1C4B-9E4F-38A17EBA0D9C}"/>
+                </a:ext>
+              </a:extLst>
+            </p:cNvPr>
+            <p:cNvSpPr txBox="1"/>
+            <p:nvPr/>
+          </p:nvSpPr>
+          <p:spPr>
+            <a:xfrm>
+              <a:off x="3965499" y="4502892"/>
+              <a:ext cx="1087157" cy="369332"/>
+            </a:xfrm>
+            <a:prstGeom prst="rect">
+              <a:avLst/>
+            </a:prstGeom>
+            <a:noFill/>
+          </p:spPr>
+          <p:txBody>
+            <a:bodyPr wrap="none" rtlCol="0">
+              <a:spAutoFit/>
+            </a:bodyPr>
+            <a:lstStyle/>
+            <a:p>
+              <a:r>
+                <a:rPr lang="en-US" dirty="0">
+                  <a:solidFill>
+                    <a:srgbClr val="FF0000"/>
+                  </a:solidFill>
+                </a:rPr>
+                <a:t>goal prior</a:t>
+              </a:r>
+            </a:p>
+          </p:txBody>
+        </p:sp>
+        <p:cxnSp>
+          <p:nvCxnSpPr>
+            <p:cNvPr id="101" name="Elbow Connector 100">
+              <a:extLst>
+                <a:ext uri="{FF2B5EF4-FFF2-40B4-BE49-F238E27FC236}">
+                  <a16:creationId xmlns:a16="http://schemas.microsoft.com/office/drawing/2014/main" id="{F58C4187-7923-5845-BB44-4F01DF260E9E}"/>
+                </a:ext>
+              </a:extLst>
+            </p:cNvPr>
+            <p:cNvCxnSpPr>
+              <a:cxnSpLocks/>
+              <a:stCxn id="116" idx="0"/>
+              <a:endCxn id="97" idx="0"/>
+            </p:cNvCxnSpPr>
+            <p:nvPr/>
+          </p:nvCxnSpPr>
+          <p:spPr>
+            <a:xfrm rot="16200000" flipH="1">
+              <a:off x="6839038" y="354691"/>
+              <a:ext cx="1226721" cy="3758275"/>
+            </a:xfrm>
+            <a:prstGeom prst="bentConnector3">
+              <a:avLst>
+                <a:gd name="adj1" fmla="val -18635"/>
+              </a:avLst>
+            </a:prstGeom>
+            <a:ln w="28575">
+              <a:solidFill>
+                <a:schemeClr val="accent5">
+                  <a:lumMod val="50000"/>
+                </a:schemeClr>
+              </a:solidFill>
+              <a:prstDash val="dash"/>
+              <a:headEnd type="none" w="med" len="med"/>
+              <a:tailEnd type="arrow" w="med" len="med"/>
+            </a:ln>
+          </p:spPr>
+          <p:style>
+            <a:lnRef idx="1">
+              <a:schemeClr val="accent1"/>
+            </a:lnRef>
+            <a:fillRef idx="0">
+              <a:schemeClr val="accent1"/>
+            </a:fillRef>
+            <a:effectRef idx="0">
+              <a:schemeClr val="accent1"/>
+            </a:effectRef>
+            <a:fontRef idx="minor">
+              <a:schemeClr val="tx1"/>
+            </a:fontRef>
+          </p:style>
+        </p:cxnSp>
+        <p:cxnSp>
+          <p:nvCxnSpPr>
+            <p:cNvPr id="105" name="Elbow Connector 104">
+              <a:extLst>
+                <a:ext uri="{FF2B5EF4-FFF2-40B4-BE49-F238E27FC236}">
+                  <a16:creationId xmlns:a16="http://schemas.microsoft.com/office/drawing/2014/main" id="{C1019DA3-BE21-EB4B-A281-1C1B1155D78C}"/>
+                </a:ext>
+              </a:extLst>
+            </p:cNvPr>
+            <p:cNvCxnSpPr>
+              <a:cxnSpLocks/>
+              <a:stCxn id="63" idx="2"/>
+              <a:endCxn id="97" idx="2"/>
+            </p:cNvCxnSpPr>
+            <p:nvPr/>
+          </p:nvCxnSpPr>
+          <p:spPr>
+            <a:xfrm rot="5400000" flipH="1" flipV="1">
+              <a:off x="6825777" y="3389199"/>
+              <a:ext cx="1259184" cy="3752335"/>
+            </a:xfrm>
+            <a:prstGeom prst="bentConnector3">
+              <a:avLst>
+                <a:gd name="adj1" fmla="val -37606"/>
+              </a:avLst>
+            </a:prstGeom>
+            <a:ln w="28575">
+              <a:solidFill>
+                <a:schemeClr val="accent5">
+                  <a:lumMod val="50000"/>
+                </a:schemeClr>
+              </a:solidFill>
+              <a:prstDash val="dash"/>
+              <a:headEnd type="arrow" w="med" len="med"/>
+              <a:tailEnd type="none" w="med" len="med"/>
+            </a:ln>
+          </p:spPr>
+          <p:style>
+            <a:lnRef idx="1">
+              <a:schemeClr val="accent1"/>
+            </a:lnRef>
+            <a:fillRef idx="0">
+              <a:schemeClr val="accent1"/>
+            </a:fillRef>
+            <a:effectRef idx="0">
+              <a:schemeClr val="accent1"/>
+            </a:effectRef>
+            <a:fontRef idx="minor">
+              <a:schemeClr val="tx1"/>
+            </a:fontRef>
+          </p:style>
+        </p:cxnSp>
+        <p:sp>
+          <p:nvSpPr>
+            <p:cNvPr id="116" name="Rectangle 115">
+              <a:extLst>
+                <a:ext uri="{FF2B5EF4-FFF2-40B4-BE49-F238E27FC236}">
+                  <a16:creationId xmlns:a16="http://schemas.microsoft.com/office/drawing/2014/main" id="{7532A9D4-79E4-2346-B009-7DB9B02D74EC}"/>
+                </a:ext>
+              </a:extLst>
+            </p:cNvPr>
+            <p:cNvSpPr/>
+            <p:nvPr/>
+          </p:nvSpPr>
+          <p:spPr>
+            <a:xfrm>
+              <a:off x="5465262" y="1620468"/>
+              <a:ext cx="216000" cy="216000"/>
+            </a:xfrm>
+            <a:prstGeom prst="rect">
+              <a:avLst/>
+            </a:prstGeom>
+            <a:noFill/>
+            <a:ln w="28575">
+              <a:noFill/>
+            </a:ln>
+          </p:spPr>
+          <p:style>
+            <a:lnRef idx="2">
+              <a:schemeClr val="accent1">
+                <a:shade val="50000"/>
+              </a:schemeClr>
+            </a:lnRef>
+            <a:fillRef idx="1">
+              <a:schemeClr val="accent1"/>
+            </a:fillRef>
+            <a:effectRef idx="0">
+              <a:schemeClr val="accent1"/>
+            </a:effectRef>
+            <a:fontRef idx="minor">
+              <a:schemeClr val="lt1"/>
+            </a:fontRef>
+          </p:style>
+          <p:txBody>
+            <a:bodyPr rtlCol="0" anchor="ctr"/>
+            <a:lstStyle/>
+            <a:p>
+              <a:pPr algn="ctr"/>
+              <a:endParaRPr lang="en-NL"/>
+            </a:p>
+          </p:txBody>
+        </p:sp>
+        <p:sp>
+          <p:nvSpPr>
+            <p:cNvPr id="60" name="TextBox 59">
+              <a:extLst>
+                <a:ext uri="{FF2B5EF4-FFF2-40B4-BE49-F238E27FC236}">
+                  <a16:creationId xmlns:a16="http://schemas.microsoft.com/office/drawing/2014/main" id="{C283DDB8-D499-4B77-B7BF-8FB69C7960BC}"/>
+                </a:ext>
+              </a:extLst>
+            </p:cNvPr>
+            <p:cNvSpPr txBox="1"/>
+            <p:nvPr/>
+          </p:nvSpPr>
+          <p:spPr>
+            <a:xfrm>
+              <a:off x="1907593" y="3152936"/>
+              <a:ext cx="1313525" cy="369332"/>
+            </a:xfrm>
+            <a:prstGeom prst="rect">
+              <a:avLst/>
+            </a:prstGeom>
+            <a:solidFill>
+              <a:schemeClr val="bg1"/>
+            </a:solidFill>
+          </p:spPr>
+          <p:txBody>
+            <a:bodyPr wrap="square" rtlCol="0">
+              <a:spAutoFit/>
+            </a:bodyPr>
+            <a:lstStyle/>
+            <a:p>
+              <a:r>
+                <a:rPr lang="en-US" dirty="0">
+                  <a:solidFill>
+                    <a:schemeClr val="accent6">
+                      <a:lumMod val="50000"/>
+                    </a:schemeClr>
+                  </a:solidFill>
+                </a:rPr>
+                <a:t>generative</a:t>
+              </a:r>
+            </a:p>
+          </p:txBody>
+        </p:sp>
+      </p:grpSp>
     </p:spTree>
     <p:extLst>
       <p:ext uri="{BB962C8B-B14F-4D97-AF65-F5344CB8AC3E}">
